--- a/teach/spring_21/behavior_modeling/week4_multi_disciplinary.pptx
+++ b/teach/spring_21/behavior_modeling/week4_multi_disciplinary.pptx
@@ -9,28 +9,29 @@
     <p:sldId id="258" r:id="rId3"/>
     <p:sldId id="257" r:id="rId4"/>
     <p:sldId id="259" r:id="rId5"/>
-    <p:sldId id="260" r:id="rId6"/>
-    <p:sldId id="270" r:id="rId7"/>
-    <p:sldId id="273" r:id="rId8"/>
-    <p:sldId id="271" r:id="rId9"/>
-    <p:sldId id="274" r:id="rId10"/>
-    <p:sldId id="275" r:id="rId11"/>
-    <p:sldId id="276" r:id="rId12"/>
-    <p:sldId id="277" r:id="rId13"/>
-    <p:sldId id="278" r:id="rId14"/>
-    <p:sldId id="279" r:id="rId15"/>
-    <p:sldId id="281" r:id="rId16"/>
-    <p:sldId id="282" r:id="rId17"/>
-    <p:sldId id="285" r:id="rId18"/>
-    <p:sldId id="287" r:id="rId19"/>
-    <p:sldId id="286" r:id="rId20"/>
-    <p:sldId id="289" r:id="rId21"/>
-    <p:sldId id="290" r:id="rId22"/>
-    <p:sldId id="291" r:id="rId23"/>
-    <p:sldId id="292" r:id="rId24"/>
-    <p:sldId id="293" r:id="rId25"/>
-    <p:sldId id="294" r:id="rId26"/>
-    <p:sldId id="295" r:id="rId27"/>
+    <p:sldId id="296" r:id="rId6"/>
+    <p:sldId id="260" r:id="rId7"/>
+    <p:sldId id="270" r:id="rId8"/>
+    <p:sldId id="273" r:id="rId9"/>
+    <p:sldId id="271" r:id="rId10"/>
+    <p:sldId id="274" r:id="rId11"/>
+    <p:sldId id="275" r:id="rId12"/>
+    <p:sldId id="276" r:id="rId13"/>
+    <p:sldId id="277" r:id="rId14"/>
+    <p:sldId id="278" r:id="rId15"/>
+    <p:sldId id="279" r:id="rId16"/>
+    <p:sldId id="281" r:id="rId17"/>
+    <p:sldId id="282" r:id="rId18"/>
+    <p:sldId id="285" r:id="rId19"/>
+    <p:sldId id="287" r:id="rId20"/>
+    <p:sldId id="286" r:id="rId21"/>
+    <p:sldId id="289" r:id="rId22"/>
+    <p:sldId id="290" r:id="rId23"/>
+    <p:sldId id="291" r:id="rId24"/>
+    <p:sldId id="292" r:id="rId25"/>
+    <p:sldId id="293" r:id="rId26"/>
+    <p:sldId id="294" r:id="rId27"/>
+    <p:sldId id="295" r:id="rId28"/>
   </p:sldIdLst>
   <p:sldSz cx="12192000" cy="6858000"/>
   <p:notesSz cx="6858000" cy="9144000"/>
@@ -383,7 +384,7 @@
             <a:fld id="{B61BEF0D-F0BB-DE4B-95CE-6DB70DBA9567}" type="datetimeFigureOut">
               <a:rPr lang="en-US"/>
               <a:pPr/>
-              <a:t>2/2/21</a:t>
+              <a:t>2/9/21</a:t>
             </a:fld>
             <a:endParaRPr lang="en-US" dirty="0"/>
           </a:p>
@@ -642,7 +643,7 @@
             <a:fld id="{B61BEF0D-F0BB-DE4B-95CE-6DB70DBA9567}" type="datetimeFigureOut">
               <a:rPr lang="en-US"/>
               <a:pPr/>
-              <a:t>2/2/21</a:t>
+              <a:t>2/9/21</a:t>
             </a:fld>
             <a:endParaRPr lang="en-US" dirty="0"/>
           </a:p>
@@ -874,7 +875,7 @@
             <a:fld id="{B61BEF0D-F0BB-DE4B-95CE-6DB70DBA9567}" type="datetimeFigureOut">
               <a:rPr lang="en-US"/>
               <a:pPr/>
-              <a:t>2/2/21</a:t>
+              <a:t>2/9/21</a:t>
             </a:fld>
             <a:endParaRPr lang="en-US" dirty="0"/>
           </a:p>
@@ -1111,7 +1112,7 @@
             <a:fld id="{B61BEF0D-F0BB-DE4B-95CE-6DB70DBA9567}" type="datetimeFigureOut">
               <a:rPr lang="en-US"/>
               <a:pPr/>
-              <a:t>2/2/21</a:t>
+              <a:t>2/9/21</a:t>
             </a:fld>
             <a:endParaRPr lang="en-US" dirty="0"/>
           </a:p>
@@ -1415,7 +1416,7 @@
             <a:fld id="{B61BEF0D-F0BB-DE4B-95CE-6DB70DBA9567}" type="datetimeFigureOut">
               <a:rPr lang="en-US"/>
               <a:pPr/>
-              <a:t>2/2/21</a:t>
+              <a:t>2/9/21</a:t>
             </a:fld>
             <a:endParaRPr lang="en-US" dirty="0"/>
           </a:p>
@@ -1714,7 +1715,7 @@
             <a:fld id="{B61BEF0D-F0BB-DE4B-95CE-6DB70DBA9567}" type="datetimeFigureOut">
               <a:rPr lang="en-US"/>
               <a:pPr/>
-              <a:t>2/2/21</a:t>
+              <a:t>2/9/21</a:t>
             </a:fld>
             <a:endParaRPr lang="en-US" dirty="0"/>
           </a:p>
@@ -2133,7 +2134,7 @@
             <a:fld id="{B61BEF0D-F0BB-DE4B-95CE-6DB70DBA9567}" type="datetimeFigureOut">
               <a:rPr lang="en-US"/>
               <a:pPr/>
-              <a:t>2/2/21</a:t>
+              <a:t>2/9/21</a:t>
             </a:fld>
             <a:endParaRPr lang="en-US" dirty="0"/>
           </a:p>
@@ -2292,7 +2293,7 @@
             <a:fld id="{B61BEF0D-F0BB-DE4B-95CE-6DB70DBA9567}" type="datetimeFigureOut">
               <a:rPr lang="en-US"/>
               <a:pPr/>
-              <a:t>2/2/21</a:t>
+              <a:t>2/9/21</a:t>
             </a:fld>
             <a:endParaRPr lang="en-US" dirty="0"/>
           </a:p>
@@ -2384,7 +2385,7 @@
             <a:fld id="{B61BEF0D-F0BB-DE4B-95CE-6DB70DBA9567}" type="datetimeFigureOut">
               <a:rPr lang="en-US"/>
               <a:pPr/>
-              <a:t>2/2/21</a:t>
+              <a:t>2/9/21</a:t>
             </a:fld>
             <a:endParaRPr lang="en-US" dirty="0"/>
           </a:p>
@@ -2759,7 +2760,7 @@
             <a:fld id="{B61BEF0D-F0BB-DE4B-95CE-6DB70DBA9567}" type="datetimeFigureOut">
               <a:rPr lang="en-US"/>
               <a:pPr/>
-              <a:t>2/2/21</a:t>
+              <a:t>2/9/21</a:t>
             </a:fld>
             <a:endParaRPr lang="en-US" dirty="0"/>
           </a:p>
@@ -3044,7 +3045,7 @@
             <a:fld id="{B61BEF0D-F0BB-DE4B-95CE-6DB70DBA9567}" type="datetimeFigureOut">
               <a:rPr lang="en-US"/>
               <a:pPr/>
-              <a:t>2/2/21</a:t>
+              <a:t>2/9/21</a:t>
             </a:fld>
             <a:endParaRPr lang="en-US" dirty="0"/>
           </a:p>
@@ -3252,7 +3253,7 @@
             <a:fld id="{B61BEF0D-F0BB-DE4B-95CE-6DB70DBA9567}" type="datetimeFigureOut">
               <a:rPr lang="en-US"/>
               <a:pPr/>
-              <a:t>2/2/21</a:t>
+              <a:t>2/9/21</a:t>
             </a:fld>
             <a:endParaRPr lang="en-US" dirty="0"/>
           </a:p>
@@ -3972,6 +3973,379 @@
           <p:cNvPr id="5" name="Rectangle 3">
             <a:extLst>
               <a:ext uri="{FF2B5EF4-FFF2-40B4-BE49-F238E27FC236}">
+                <a16:creationId xmlns:a16="http://schemas.microsoft.com/office/drawing/2014/main" id="{E7CD1554-48BE-824D-B21F-90694F2E31F9}"/>
+              </a:ext>
+            </a:extLst>
+          </p:cNvPr>
+          <p:cNvSpPr txBox="1">
+            <a:spLocks noChangeArrowheads="1"/>
+          </p:cNvSpPr>
+          <p:nvPr/>
+        </p:nvSpPr>
+        <p:spPr>
+          <a:xfrm>
+            <a:off x="457200" y="1412875"/>
+            <a:ext cx="10470995" cy="4363457"/>
+          </a:xfrm>
+          <a:prstGeom prst="rect">
+            <a:avLst/>
+          </a:prstGeom>
+        </p:spPr>
+        <p:txBody>
+          <a:bodyPr vert="horz" lIns="91440" tIns="45720" rIns="91440" bIns="45720" rtlCol="0" anchor="ctr">
+            <a:normAutofit/>
+          </a:bodyPr>
+          <a:lstStyle>
+            <a:lvl1pPr marL="306000" indent="-306000" algn="l" defTabSz="457200" rtl="0" eaLnBrk="1" latinLnBrk="0" hangingPunct="1">
+              <a:spcBef>
+                <a:spcPct val="20000"/>
+              </a:spcBef>
+              <a:spcAft>
+                <a:spcPts val="600"/>
+              </a:spcAft>
+              <a:buClr>
+                <a:schemeClr val="accent2"/>
+              </a:buClr>
+              <a:buSzPct val="92000"/>
+              <a:buFont typeface="Wingdings 2" panose="05020102010507070707" pitchFamily="18" charset="2"/>
+              <a:buChar char=""/>
+              <a:defRPr sz="1800" kern="1200">
+                <a:solidFill>
+                  <a:schemeClr val="tx2"/>
+                </a:solidFill>
+                <a:latin typeface="+mn-lt"/>
+                <a:ea typeface="+mn-ea"/>
+                <a:cs typeface="+mn-cs"/>
+              </a:defRPr>
+            </a:lvl1pPr>
+            <a:lvl2pPr marL="630000" indent="-306000" algn="l" defTabSz="457200" rtl="0" eaLnBrk="1" latinLnBrk="0" hangingPunct="1">
+              <a:spcBef>
+                <a:spcPct val="20000"/>
+              </a:spcBef>
+              <a:spcAft>
+                <a:spcPts val="600"/>
+              </a:spcAft>
+              <a:buClr>
+                <a:schemeClr val="accent2"/>
+              </a:buClr>
+              <a:buSzPct val="92000"/>
+              <a:buFont typeface="Wingdings 2" panose="05020102010507070707" pitchFamily="18" charset="2"/>
+              <a:buChar char=""/>
+              <a:defRPr sz="1600" kern="1200">
+                <a:solidFill>
+                  <a:schemeClr val="tx2"/>
+                </a:solidFill>
+                <a:latin typeface="+mn-lt"/>
+                <a:ea typeface="+mn-ea"/>
+                <a:cs typeface="+mn-cs"/>
+              </a:defRPr>
+            </a:lvl2pPr>
+            <a:lvl3pPr marL="900000" indent="-270000" algn="l" defTabSz="457200" rtl="0" eaLnBrk="1" latinLnBrk="0" hangingPunct="1">
+              <a:spcBef>
+                <a:spcPct val="20000"/>
+              </a:spcBef>
+              <a:spcAft>
+                <a:spcPts val="600"/>
+              </a:spcAft>
+              <a:buClr>
+                <a:schemeClr val="accent2"/>
+              </a:buClr>
+              <a:buSzPct val="92000"/>
+              <a:buFont typeface="Wingdings 2" panose="05020102010507070707" pitchFamily="18" charset="2"/>
+              <a:buChar char=""/>
+              <a:defRPr sz="1400" kern="1200">
+                <a:solidFill>
+                  <a:schemeClr val="tx2"/>
+                </a:solidFill>
+                <a:latin typeface="+mn-lt"/>
+                <a:ea typeface="+mn-ea"/>
+                <a:cs typeface="+mn-cs"/>
+              </a:defRPr>
+            </a:lvl3pPr>
+            <a:lvl4pPr marL="1242000" indent="-234000" algn="l" defTabSz="457200" rtl="0" eaLnBrk="1" latinLnBrk="0" hangingPunct="1">
+              <a:spcBef>
+                <a:spcPct val="20000"/>
+              </a:spcBef>
+              <a:spcAft>
+                <a:spcPts val="600"/>
+              </a:spcAft>
+              <a:buClr>
+                <a:schemeClr val="accent2"/>
+              </a:buClr>
+              <a:buSzPct val="92000"/>
+              <a:buFont typeface="Wingdings 2" panose="05020102010507070707" pitchFamily="18" charset="2"/>
+              <a:buChar char=""/>
+              <a:defRPr sz="1200" kern="1200">
+                <a:solidFill>
+                  <a:schemeClr val="tx2"/>
+                </a:solidFill>
+                <a:latin typeface="+mn-lt"/>
+                <a:ea typeface="+mn-ea"/>
+                <a:cs typeface="+mn-cs"/>
+              </a:defRPr>
+            </a:lvl4pPr>
+            <a:lvl5pPr marL="1602000" indent="-234000" algn="l" defTabSz="457200" rtl="0" eaLnBrk="1" latinLnBrk="0" hangingPunct="1">
+              <a:spcBef>
+                <a:spcPct val="20000"/>
+              </a:spcBef>
+              <a:spcAft>
+                <a:spcPts val="600"/>
+              </a:spcAft>
+              <a:buClr>
+                <a:schemeClr val="accent2"/>
+              </a:buClr>
+              <a:buSzPct val="92000"/>
+              <a:buFont typeface="Wingdings 2" panose="05020102010507070707" pitchFamily="18" charset="2"/>
+              <a:buChar char=""/>
+              <a:defRPr sz="1200" kern="1200">
+                <a:solidFill>
+                  <a:schemeClr val="tx2"/>
+                </a:solidFill>
+                <a:latin typeface="+mn-lt"/>
+                <a:ea typeface="+mn-ea"/>
+                <a:cs typeface="+mn-cs"/>
+              </a:defRPr>
+            </a:lvl5pPr>
+            <a:lvl6pPr marL="1900000" indent="-228600" algn="l" defTabSz="457200" rtl="0" eaLnBrk="1" latinLnBrk="0" hangingPunct="1">
+              <a:spcBef>
+                <a:spcPct val="20000"/>
+              </a:spcBef>
+              <a:spcAft>
+                <a:spcPts val="600"/>
+              </a:spcAft>
+              <a:buClr>
+                <a:schemeClr val="accent2"/>
+              </a:buClr>
+              <a:buSzPct val="92000"/>
+              <a:buFont typeface="Wingdings 2" panose="05020102010507070707" pitchFamily="18" charset="2"/>
+              <a:buChar char=""/>
+              <a:defRPr sz="1200" kern="1200">
+                <a:solidFill>
+                  <a:schemeClr val="tx2"/>
+                </a:solidFill>
+                <a:latin typeface="+mn-lt"/>
+                <a:ea typeface="+mn-ea"/>
+                <a:cs typeface="+mn-cs"/>
+              </a:defRPr>
+            </a:lvl6pPr>
+            <a:lvl7pPr marL="2200000" indent="-228600" algn="l" defTabSz="457200" rtl="0" eaLnBrk="1" latinLnBrk="0" hangingPunct="1">
+              <a:spcBef>
+                <a:spcPct val="20000"/>
+              </a:spcBef>
+              <a:spcAft>
+                <a:spcPts val="600"/>
+              </a:spcAft>
+              <a:buClr>
+                <a:schemeClr val="accent2"/>
+              </a:buClr>
+              <a:buSzPct val="92000"/>
+              <a:buFont typeface="Wingdings 2" panose="05020102010507070707" pitchFamily="18" charset="2"/>
+              <a:buChar char=""/>
+              <a:defRPr sz="1200" kern="1200">
+                <a:solidFill>
+                  <a:schemeClr val="tx2"/>
+                </a:solidFill>
+                <a:latin typeface="+mn-lt"/>
+                <a:ea typeface="+mn-ea"/>
+                <a:cs typeface="+mn-cs"/>
+              </a:defRPr>
+            </a:lvl7pPr>
+            <a:lvl8pPr marL="2500000" indent="-228600" algn="l" defTabSz="457200" rtl="0" eaLnBrk="1" latinLnBrk="0" hangingPunct="1">
+              <a:spcBef>
+                <a:spcPct val="20000"/>
+              </a:spcBef>
+              <a:spcAft>
+                <a:spcPts val="600"/>
+              </a:spcAft>
+              <a:buClr>
+                <a:schemeClr val="accent2"/>
+              </a:buClr>
+              <a:buSzPct val="92000"/>
+              <a:buFont typeface="Wingdings 2" panose="05020102010507070707" pitchFamily="18" charset="2"/>
+              <a:buChar char=""/>
+              <a:defRPr sz="1200" kern="1200">
+                <a:solidFill>
+                  <a:schemeClr val="tx2"/>
+                </a:solidFill>
+                <a:latin typeface="+mn-lt"/>
+                <a:ea typeface="+mn-ea"/>
+                <a:cs typeface="+mn-cs"/>
+              </a:defRPr>
+            </a:lvl8pPr>
+            <a:lvl9pPr marL="2800000" indent="-228600" algn="l" defTabSz="457200" rtl="0" eaLnBrk="1" latinLnBrk="0" hangingPunct="1">
+              <a:spcBef>
+                <a:spcPct val="20000"/>
+              </a:spcBef>
+              <a:spcAft>
+                <a:spcPts val="600"/>
+              </a:spcAft>
+              <a:buClr>
+                <a:schemeClr val="accent2"/>
+              </a:buClr>
+              <a:buSzPct val="92000"/>
+              <a:buFont typeface="Wingdings 2" panose="05020102010507070707" pitchFamily="18" charset="2"/>
+              <a:buChar char=""/>
+              <a:defRPr sz="1200" kern="1200">
+                <a:solidFill>
+                  <a:schemeClr val="tx2"/>
+                </a:solidFill>
+                <a:latin typeface="+mn-lt"/>
+                <a:ea typeface="+mn-ea"/>
+                <a:cs typeface="+mn-cs"/>
+              </a:defRPr>
+            </a:lvl9pPr>
+          </a:lstStyle>
+          <a:p>
+            <a:r>
+              <a:rPr lang="en-US" altLang="en-US" sz="2600" dirty="0">
+                <a:solidFill>
+                  <a:srgbClr val="FF0000"/>
+                </a:solidFill>
+              </a:rPr>
+              <a:t>Learn a classification model</a:t>
+            </a:r>
+            <a:r>
+              <a:rPr lang="en-US" altLang="en-US" sz="2600" dirty="0"/>
+              <a:t> from the data </a:t>
+            </a:r>
+          </a:p>
+          <a:p>
+            <a:r>
+              <a:rPr lang="en-US" altLang="en-US" sz="2600" dirty="0"/>
+              <a:t>Use the model to classify future loan applications into </a:t>
+            </a:r>
+          </a:p>
+          <a:p>
+            <a:pPr lvl="1"/>
+            <a:r>
+              <a:rPr lang="en-US" altLang="en-US" sz="2200" dirty="0">
+                <a:solidFill>
+                  <a:srgbClr val="3333CC"/>
+                </a:solidFill>
+              </a:rPr>
+              <a:t>Yes (approved) and </a:t>
+            </a:r>
+          </a:p>
+          <a:p>
+            <a:pPr lvl="1"/>
+            <a:r>
+              <a:rPr lang="en-US" altLang="en-US" sz="2200" dirty="0">
+                <a:solidFill>
+                  <a:srgbClr val="3333CC"/>
+                </a:solidFill>
+              </a:rPr>
+              <a:t>No (not approved)</a:t>
+            </a:r>
+          </a:p>
+          <a:p>
+            <a:r>
+              <a:rPr lang="en-US" altLang="en-US" sz="2600" dirty="0"/>
+              <a:t>What is the class for following case/instance?</a:t>
+            </a:r>
+          </a:p>
+        </p:txBody>
+      </p:sp>
+      <p:pic>
+        <p:nvPicPr>
+          <p:cNvPr id="6" name="Picture 4">
+            <a:extLst>
+              <a:ext uri="{FF2B5EF4-FFF2-40B4-BE49-F238E27FC236}">
+                <a16:creationId xmlns:a16="http://schemas.microsoft.com/office/drawing/2014/main" id="{EF518483-B9E5-2647-B7B7-90DFA31F4290}"/>
+              </a:ext>
+            </a:extLst>
+          </p:cNvPr>
+          <p:cNvPicPr>
+            <a:picLocks noChangeAspect="1" noChangeArrowheads="1"/>
+          </p:cNvPicPr>
+          <p:nvPr/>
+        </p:nvPicPr>
+        <p:blipFill>
+          <a:blip r:embed="rId2">
+            <a:extLst>
+              <a:ext uri="{28A0092B-C50C-407E-A947-70E740481C1C}">
+                <a14:useLocalDpi xmlns:a14="http://schemas.microsoft.com/office/drawing/2010/main" val="0"/>
+              </a:ext>
+            </a:extLst>
+          </a:blip>
+          <a:srcRect/>
+          <a:stretch>
+            <a:fillRect/>
+          </a:stretch>
+        </p:blipFill>
+        <p:spPr>
+          <a:xfrm>
+            <a:off x="1916822" y="5340599"/>
+            <a:ext cx="8208963" cy="936625"/>
+          </a:xfrm>
+          <a:prstGeom prst="rect">
+            <a:avLst/>
+          </a:prstGeom>
+          <a:noFill/>
+        </p:spPr>
+      </p:pic>
+    </p:spTree>
+    <p:extLst>
+      <p:ext uri="{BB962C8B-B14F-4D97-AF65-F5344CB8AC3E}">
+        <p14:creationId xmlns:p14="http://schemas.microsoft.com/office/powerpoint/2010/main" val="4050285920"/>
+      </p:ext>
+    </p:extLst>
+  </p:cSld>
+  <p:clrMapOvr>
+    <a:masterClrMapping/>
+  </p:clrMapOvr>
+</p:sld>
+</file>
+
+<file path=ppt/slides/slide11.xml><?xml version="1.0" encoding="utf-8"?>
+<p:sld xmlns:a="http://schemas.openxmlformats.org/drawingml/2006/main" xmlns:r="http://schemas.openxmlformats.org/officeDocument/2006/relationships" xmlns:p="http://schemas.openxmlformats.org/presentationml/2006/main">
+  <p:cSld>
+    <p:spTree>
+      <p:nvGrpSpPr>
+        <p:cNvPr id="1" name=""/>
+        <p:cNvGrpSpPr/>
+        <p:nvPr/>
+      </p:nvGrpSpPr>
+      <p:grpSpPr>
+        <a:xfrm>
+          <a:off x="0" y="0"/>
+          <a:ext cx="0" cy="0"/>
+          <a:chOff x="0" y="0"/>
+          <a:chExt cx="0" cy="0"/>
+        </a:xfrm>
+      </p:grpSpPr>
+      <p:sp>
+        <p:nvSpPr>
+          <p:cNvPr id="2" name="Title 1">
+            <a:extLst>
+              <a:ext uri="{FF2B5EF4-FFF2-40B4-BE49-F238E27FC236}">
+                <a16:creationId xmlns:a16="http://schemas.microsoft.com/office/drawing/2014/main" id="{99BFFE90-2403-C34E-9F28-08D777E9E009}"/>
+              </a:ext>
+            </a:extLst>
+          </p:cNvPr>
+          <p:cNvSpPr>
+            <a:spLocks noGrp="1"/>
+          </p:cNvSpPr>
+          <p:nvPr>
+            <p:ph type="title"/>
+          </p:nvPr>
+        </p:nvSpPr>
+        <p:spPr/>
+        <p:txBody>
+          <a:bodyPr/>
+          <a:lstStyle/>
+          <a:p>
+            <a:r>
+              <a:rPr lang="en-US" dirty="0"/>
+              <a:t>Models – supervised Learning</a:t>
+            </a:r>
+          </a:p>
+        </p:txBody>
+      </p:sp>
+      <p:sp>
+        <p:nvSpPr>
+          <p:cNvPr id="5" name="Rectangle 3">
+            <a:extLst>
+              <a:ext uri="{FF2B5EF4-FFF2-40B4-BE49-F238E27FC236}">
                 <a16:creationId xmlns:a16="http://schemas.microsoft.com/office/drawing/2014/main" id="{BFD2DCAD-0060-F446-ACE3-96AED1BC034A}"/>
               </a:ext>
             </a:extLst>
@@ -4132,7 +4506,7 @@
 </p:sld>
 </file>
 
-<file path=ppt/slides/slide11.xml><?xml version="1.0" encoding="utf-8"?>
+<file path=ppt/slides/slide12.xml><?xml version="1.0" encoding="utf-8"?>
 <p:sld xmlns:a="http://schemas.openxmlformats.org/drawingml/2006/main" xmlns:r="http://schemas.openxmlformats.org/officeDocument/2006/relationships" xmlns:p="http://schemas.openxmlformats.org/presentationml/2006/main">
   <p:cSld>
     <p:spTree>
@@ -4538,7 +4912,7 @@
           <a:graphicData uri="http://schemas.openxmlformats.org/presentationml/2006/ole">
             <mc:AlternateContent xmlns:mc="http://schemas.openxmlformats.org/markup-compatibility/2006">
               <mc:Choice xmlns:v="urn:schemas-microsoft-com:vml" Requires="v">
-                <p:oleObj spid="_x0000_s11291" name="Equation" r:id="rId4" imgW="57340500" imgH="8483600" progId="Equation.3">
+                <p:oleObj spid="_x0000_s11293" name="Equation" r:id="rId4" imgW="57340500" imgH="8483600" progId="Equation.3">
                   <p:embed/>
                 </p:oleObj>
               </mc:Choice>
@@ -4624,7 +4998,7 @@
 </p:sld>
 </file>
 
-<file path=ppt/slides/slide12.xml><?xml version="1.0" encoding="utf-8"?>
+<file path=ppt/slides/slide13.xml><?xml version="1.0" encoding="utf-8"?>
 <p:sld xmlns:a="http://schemas.openxmlformats.org/drawingml/2006/main" xmlns:r="http://schemas.openxmlformats.org/officeDocument/2006/relationships" xmlns:p="http://schemas.openxmlformats.org/presentationml/2006/main">
   <p:cSld>
     <p:spTree>
@@ -5013,413 +5387,6 @@
     <p:extLst>
       <p:ext uri="{BB962C8B-B14F-4D97-AF65-F5344CB8AC3E}">
         <p14:creationId xmlns:p14="http://schemas.microsoft.com/office/powerpoint/2010/main" val="2086904513"/>
-      </p:ext>
-    </p:extLst>
-  </p:cSld>
-  <p:clrMapOvr>
-    <a:masterClrMapping/>
-  </p:clrMapOvr>
-</p:sld>
-</file>
-
-<file path=ppt/slides/slide13.xml><?xml version="1.0" encoding="utf-8"?>
-<p:sld xmlns:a="http://schemas.openxmlformats.org/drawingml/2006/main" xmlns:r="http://schemas.openxmlformats.org/officeDocument/2006/relationships" xmlns:p="http://schemas.openxmlformats.org/presentationml/2006/main">
-  <p:cSld>
-    <p:spTree>
-      <p:nvGrpSpPr>
-        <p:cNvPr id="1" name=""/>
-        <p:cNvGrpSpPr/>
-        <p:nvPr/>
-      </p:nvGrpSpPr>
-      <p:grpSpPr>
-        <a:xfrm>
-          <a:off x="0" y="0"/>
-          <a:ext cx="0" cy="0"/>
-          <a:chOff x="0" y="0"/>
-          <a:chExt cx="0" cy="0"/>
-        </a:xfrm>
-      </p:grpSpPr>
-      <p:sp>
-        <p:nvSpPr>
-          <p:cNvPr id="2" name="Title 1">
-            <a:extLst>
-              <a:ext uri="{FF2B5EF4-FFF2-40B4-BE49-F238E27FC236}">
-                <a16:creationId xmlns:a16="http://schemas.microsoft.com/office/drawing/2014/main" id="{99BFFE90-2403-C34E-9F28-08D777E9E009}"/>
-              </a:ext>
-            </a:extLst>
-          </p:cNvPr>
-          <p:cNvSpPr>
-            <a:spLocks noGrp="1"/>
-          </p:cNvSpPr>
-          <p:nvPr>
-            <p:ph type="title"/>
-          </p:nvPr>
-        </p:nvSpPr>
-        <p:spPr>
-          <a:xfrm>
-            <a:off x="581191" y="702156"/>
-            <a:ext cx="13822463" cy="1089212"/>
-          </a:xfrm>
-        </p:spPr>
-        <p:txBody>
-          <a:bodyPr>
-            <a:normAutofit/>
-          </a:bodyPr>
-          <a:lstStyle/>
-          <a:p>
-            <a:r>
-              <a:rPr lang="en-US" sz="2400" dirty="0"/>
-              <a:t>Models – supervised Learning</a:t>
-            </a:r>
-          </a:p>
-        </p:txBody>
-      </p:sp>
-      <p:sp>
-        <p:nvSpPr>
-          <p:cNvPr id="4" name="Rectangle 3">
-            <a:extLst>
-              <a:ext uri="{FF2B5EF4-FFF2-40B4-BE49-F238E27FC236}">
-                <a16:creationId xmlns:a16="http://schemas.microsoft.com/office/drawing/2014/main" id="{8F9EBE7F-A93E-8B48-AAC9-32847078FAD5}"/>
-              </a:ext>
-            </a:extLst>
-          </p:cNvPr>
-          <p:cNvSpPr txBox="1">
-            <a:spLocks noChangeArrowheads="1"/>
-          </p:cNvSpPr>
-          <p:nvPr/>
-        </p:nvSpPr>
-        <p:spPr>
-          <a:xfrm>
-            <a:off x="503237" y="1268413"/>
-            <a:ext cx="10313445" cy="5377714"/>
-          </a:xfrm>
-          <a:prstGeom prst="rect">
-            <a:avLst/>
-          </a:prstGeom>
-        </p:spPr>
-        <p:txBody>
-          <a:bodyPr vert="horz" lIns="91440" tIns="45720" rIns="91440" bIns="45720" rtlCol="0" anchor="ctr">
-            <a:normAutofit/>
-          </a:bodyPr>
-          <a:lstStyle>
-            <a:lvl1pPr marL="306000" indent="-306000" algn="l" defTabSz="457200" rtl="0" eaLnBrk="1" latinLnBrk="0" hangingPunct="1">
-              <a:spcBef>
-                <a:spcPct val="20000"/>
-              </a:spcBef>
-              <a:spcAft>
-                <a:spcPts val="600"/>
-              </a:spcAft>
-              <a:buClr>
-                <a:schemeClr val="accent2"/>
-              </a:buClr>
-              <a:buSzPct val="92000"/>
-              <a:buFont typeface="Wingdings 2" panose="05020102010507070707" pitchFamily="18" charset="2"/>
-              <a:buChar char=""/>
-              <a:defRPr sz="1800" kern="1200">
-                <a:solidFill>
-                  <a:schemeClr val="tx2"/>
-                </a:solidFill>
-                <a:latin typeface="+mn-lt"/>
-                <a:ea typeface="+mn-ea"/>
-                <a:cs typeface="+mn-cs"/>
-              </a:defRPr>
-            </a:lvl1pPr>
-            <a:lvl2pPr marL="630000" indent="-306000" algn="l" defTabSz="457200" rtl="0" eaLnBrk="1" latinLnBrk="0" hangingPunct="1">
-              <a:spcBef>
-                <a:spcPct val="20000"/>
-              </a:spcBef>
-              <a:spcAft>
-                <a:spcPts val="600"/>
-              </a:spcAft>
-              <a:buClr>
-                <a:schemeClr val="accent2"/>
-              </a:buClr>
-              <a:buSzPct val="92000"/>
-              <a:buFont typeface="Wingdings 2" panose="05020102010507070707" pitchFamily="18" charset="2"/>
-              <a:buChar char=""/>
-              <a:defRPr sz="1600" kern="1200">
-                <a:solidFill>
-                  <a:schemeClr val="tx2"/>
-                </a:solidFill>
-                <a:latin typeface="+mn-lt"/>
-                <a:ea typeface="+mn-ea"/>
-                <a:cs typeface="+mn-cs"/>
-              </a:defRPr>
-            </a:lvl2pPr>
-            <a:lvl3pPr marL="900000" indent="-270000" algn="l" defTabSz="457200" rtl="0" eaLnBrk="1" latinLnBrk="0" hangingPunct="1">
-              <a:spcBef>
-                <a:spcPct val="20000"/>
-              </a:spcBef>
-              <a:spcAft>
-                <a:spcPts val="600"/>
-              </a:spcAft>
-              <a:buClr>
-                <a:schemeClr val="accent2"/>
-              </a:buClr>
-              <a:buSzPct val="92000"/>
-              <a:buFont typeface="Wingdings 2" panose="05020102010507070707" pitchFamily="18" charset="2"/>
-              <a:buChar char=""/>
-              <a:defRPr sz="1400" kern="1200">
-                <a:solidFill>
-                  <a:schemeClr val="tx2"/>
-                </a:solidFill>
-                <a:latin typeface="+mn-lt"/>
-                <a:ea typeface="+mn-ea"/>
-                <a:cs typeface="+mn-cs"/>
-              </a:defRPr>
-            </a:lvl3pPr>
-            <a:lvl4pPr marL="1242000" indent="-234000" algn="l" defTabSz="457200" rtl="0" eaLnBrk="1" latinLnBrk="0" hangingPunct="1">
-              <a:spcBef>
-                <a:spcPct val="20000"/>
-              </a:spcBef>
-              <a:spcAft>
-                <a:spcPts val="600"/>
-              </a:spcAft>
-              <a:buClr>
-                <a:schemeClr val="accent2"/>
-              </a:buClr>
-              <a:buSzPct val="92000"/>
-              <a:buFont typeface="Wingdings 2" panose="05020102010507070707" pitchFamily="18" charset="2"/>
-              <a:buChar char=""/>
-              <a:defRPr sz="1200" kern="1200">
-                <a:solidFill>
-                  <a:schemeClr val="tx2"/>
-                </a:solidFill>
-                <a:latin typeface="+mn-lt"/>
-                <a:ea typeface="+mn-ea"/>
-                <a:cs typeface="+mn-cs"/>
-              </a:defRPr>
-            </a:lvl4pPr>
-            <a:lvl5pPr marL="1602000" indent="-234000" algn="l" defTabSz="457200" rtl="0" eaLnBrk="1" latinLnBrk="0" hangingPunct="1">
-              <a:spcBef>
-                <a:spcPct val="20000"/>
-              </a:spcBef>
-              <a:spcAft>
-                <a:spcPts val="600"/>
-              </a:spcAft>
-              <a:buClr>
-                <a:schemeClr val="accent2"/>
-              </a:buClr>
-              <a:buSzPct val="92000"/>
-              <a:buFont typeface="Wingdings 2" panose="05020102010507070707" pitchFamily="18" charset="2"/>
-              <a:buChar char=""/>
-              <a:defRPr sz="1200" kern="1200">
-                <a:solidFill>
-                  <a:schemeClr val="tx2"/>
-                </a:solidFill>
-                <a:latin typeface="+mn-lt"/>
-                <a:ea typeface="+mn-ea"/>
-                <a:cs typeface="+mn-cs"/>
-              </a:defRPr>
-            </a:lvl5pPr>
-            <a:lvl6pPr marL="1900000" indent="-228600" algn="l" defTabSz="457200" rtl="0" eaLnBrk="1" latinLnBrk="0" hangingPunct="1">
-              <a:spcBef>
-                <a:spcPct val="20000"/>
-              </a:spcBef>
-              <a:spcAft>
-                <a:spcPts val="600"/>
-              </a:spcAft>
-              <a:buClr>
-                <a:schemeClr val="accent2"/>
-              </a:buClr>
-              <a:buSzPct val="92000"/>
-              <a:buFont typeface="Wingdings 2" panose="05020102010507070707" pitchFamily="18" charset="2"/>
-              <a:buChar char=""/>
-              <a:defRPr sz="1200" kern="1200">
-                <a:solidFill>
-                  <a:schemeClr val="tx2"/>
-                </a:solidFill>
-                <a:latin typeface="+mn-lt"/>
-                <a:ea typeface="+mn-ea"/>
-                <a:cs typeface="+mn-cs"/>
-              </a:defRPr>
-            </a:lvl6pPr>
-            <a:lvl7pPr marL="2200000" indent="-228600" algn="l" defTabSz="457200" rtl="0" eaLnBrk="1" latinLnBrk="0" hangingPunct="1">
-              <a:spcBef>
-                <a:spcPct val="20000"/>
-              </a:spcBef>
-              <a:spcAft>
-                <a:spcPts val="600"/>
-              </a:spcAft>
-              <a:buClr>
-                <a:schemeClr val="accent2"/>
-              </a:buClr>
-              <a:buSzPct val="92000"/>
-              <a:buFont typeface="Wingdings 2" panose="05020102010507070707" pitchFamily="18" charset="2"/>
-              <a:buChar char=""/>
-              <a:defRPr sz="1200" kern="1200">
-                <a:solidFill>
-                  <a:schemeClr val="tx2"/>
-                </a:solidFill>
-                <a:latin typeface="+mn-lt"/>
-                <a:ea typeface="+mn-ea"/>
-                <a:cs typeface="+mn-cs"/>
-              </a:defRPr>
-            </a:lvl7pPr>
-            <a:lvl8pPr marL="2500000" indent="-228600" algn="l" defTabSz="457200" rtl="0" eaLnBrk="1" latinLnBrk="0" hangingPunct="1">
-              <a:spcBef>
-                <a:spcPct val="20000"/>
-              </a:spcBef>
-              <a:spcAft>
-                <a:spcPts val="600"/>
-              </a:spcAft>
-              <a:buClr>
-                <a:schemeClr val="accent2"/>
-              </a:buClr>
-              <a:buSzPct val="92000"/>
-              <a:buFont typeface="Wingdings 2" panose="05020102010507070707" pitchFamily="18" charset="2"/>
-              <a:buChar char=""/>
-              <a:defRPr sz="1200" kern="1200">
-                <a:solidFill>
-                  <a:schemeClr val="tx2"/>
-                </a:solidFill>
-                <a:latin typeface="+mn-lt"/>
-                <a:ea typeface="+mn-ea"/>
-                <a:cs typeface="+mn-cs"/>
-              </a:defRPr>
-            </a:lvl8pPr>
-            <a:lvl9pPr marL="2800000" indent="-228600" algn="l" defTabSz="457200" rtl="0" eaLnBrk="1" latinLnBrk="0" hangingPunct="1">
-              <a:spcBef>
-                <a:spcPct val="20000"/>
-              </a:spcBef>
-              <a:spcAft>
-                <a:spcPts val="600"/>
-              </a:spcAft>
-              <a:buClr>
-                <a:schemeClr val="accent2"/>
-              </a:buClr>
-              <a:buSzPct val="92000"/>
-              <a:buFont typeface="Wingdings 2" panose="05020102010507070707" pitchFamily="18" charset="2"/>
-              <a:buChar char=""/>
-              <a:defRPr sz="1200" kern="1200">
-                <a:solidFill>
-                  <a:schemeClr val="tx2"/>
-                </a:solidFill>
-                <a:latin typeface="+mn-lt"/>
-                <a:ea typeface="+mn-ea"/>
-                <a:cs typeface="+mn-cs"/>
-              </a:defRPr>
-            </a:lvl9pPr>
-          </a:lstStyle>
-          <a:p>
-            <a:pPr>
-              <a:lnSpc>
-                <a:spcPct val="90000"/>
-              </a:lnSpc>
-              <a:buFont typeface="Wingdings" pitchFamily="2" charset="2"/>
-              <a:buNone/>
-            </a:pPr>
-            <a:r>
-              <a:rPr lang="en-US" altLang="ja-JP" sz="2400" dirty="0">
-                <a:solidFill>
-                  <a:srgbClr val="FF0000"/>
-                </a:solidFill>
-                <a:ea typeface="ＭＳ Ｐゴシック" panose="020B0600070205080204" pitchFamily="34" charset="-128"/>
-              </a:rPr>
-              <a:t>Assumption: </a:t>
-            </a:r>
-            <a:r>
-              <a:rPr lang="en-US" altLang="ja-JP" sz="2400" dirty="0">
-                <a:solidFill>
-                  <a:srgbClr val="3333CC"/>
-                </a:solidFill>
-                <a:ea typeface="ＭＳ Ｐゴシック" panose="020B0600070205080204" pitchFamily="34" charset="-128"/>
-              </a:rPr>
-              <a:t>The distribution of training examples is </a:t>
-            </a:r>
-            <a:r>
-              <a:rPr lang="en-US" altLang="ja-JP" sz="2400" dirty="0">
-                <a:solidFill>
-                  <a:schemeClr val="accent2"/>
-                </a:solidFill>
-                <a:ea typeface="ＭＳ Ｐゴシック" panose="020B0600070205080204" pitchFamily="34" charset="-128"/>
-              </a:rPr>
-              <a:t>identical</a:t>
-            </a:r>
-            <a:r>
-              <a:rPr lang="en-US" altLang="ja-JP" sz="2400" dirty="0">
-                <a:solidFill>
-                  <a:srgbClr val="3333CC"/>
-                </a:solidFill>
-                <a:ea typeface="ＭＳ Ｐゴシック" panose="020B0600070205080204" pitchFamily="34" charset="-128"/>
-              </a:rPr>
-              <a:t> to the distribution of test examples (including future unseen examples).</a:t>
-            </a:r>
-            <a:r>
-              <a:rPr lang="en-US" altLang="ja-JP" sz="2400" dirty="0">
-                <a:ea typeface="ＭＳ Ｐゴシック" panose="020B0600070205080204" pitchFamily="34" charset="-128"/>
-              </a:rPr>
-              <a:t> </a:t>
-            </a:r>
-          </a:p>
-          <a:p>
-            <a:pPr>
-              <a:lnSpc>
-                <a:spcPct val="90000"/>
-              </a:lnSpc>
-              <a:spcBef>
-                <a:spcPct val="0"/>
-              </a:spcBef>
-            </a:pPr>
-            <a:endParaRPr lang="en-US" altLang="ja-JP" sz="2400" dirty="0">
-              <a:ea typeface="ＭＳ Ｐゴシック" panose="020B0600070205080204" pitchFamily="34" charset="-128"/>
-            </a:endParaRPr>
-          </a:p>
-          <a:p>
-            <a:pPr>
-              <a:lnSpc>
-                <a:spcPct val="90000"/>
-              </a:lnSpc>
-            </a:pPr>
-            <a:r>
-              <a:rPr lang="en-US" altLang="ja-JP" sz="2400" dirty="0">
-                <a:ea typeface="ＭＳ Ｐゴシック" panose="020B0600070205080204" pitchFamily="34" charset="-128"/>
-              </a:rPr>
-              <a:t>In practice, this assumption is often violated to certain degree. </a:t>
-            </a:r>
-          </a:p>
-          <a:p>
-            <a:pPr>
-              <a:lnSpc>
-                <a:spcPct val="90000"/>
-              </a:lnSpc>
-            </a:pPr>
-            <a:r>
-              <a:rPr lang="en-US" altLang="ja-JP" sz="2400" dirty="0">
-                <a:ea typeface="ＭＳ Ｐゴシック" panose="020B0600070205080204" pitchFamily="34" charset="-128"/>
-              </a:rPr>
-              <a:t>Strong violations will clearly result in poor classification accuracy. </a:t>
-            </a:r>
-          </a:p>
-          <a:p>
-            <a:pPr>
-              <a:lnSpc>
-                <a:spcPct val="90000"/>
-              </a:lnSpc>
-            </a:pPr>
-            <a:r>
-              <a:rPr lang="en-US" altLang="ja-JP" sz="2400" dirty="0">
-                <a:solidFill>
-                  <a:srgbClr val="3333CC"/>
-                </a:solidFill>
-                <a:ea typeface="ＭＳ Ｐゴシック" panose="020B0600070205080204" pitchFamily="34" charset="-128"/>
-              </a:rPr>
-              <a:t>To achieve good accuracy on the test data, training examples must be sufficiently representative of the test data</a:t>
-            </a:r>
-            <a:r>
-              <a:rPr lang="en-US" altLang="ja-JP" sz="2400" dirty="0">
-                <a:ea typeface="ＭＳ Ｐゴシック" panose="020B0600070205080204" pitchFamily="34" charset="-128"/>
-              </a:rPr>
-              <a:t>. </a:t>
-            </a:r>
-            <a:endParaRPr lang="en-US" altLang="en-US" sz="2400" dirty="0"/>
-          </a:p>
-        </p:txBody>
-      </p:sp>
-    </p:spTree>
-    <p:extLst>
-      <p:ext uri="{BB962C8B-B14F-4D97-AF65-F5344CB8AC3E}">
-        <p14:creationId xmlns:p14="http://schemas.microsoft.com/office/powerpoint/2010/main" val="966588435"/>
       </p:ext>
     </p:extLst>
   </p:cSld>
@@ -5476,7 +5443,7 @@
           <a:p>
             <a:r>
               <a:rPr lang="en-US" sz="2400" dirty="0"/>
-              <a:t>Models – supervised Learning Algorithms</a:t>
+              <a:t>Models – supervised Learning</a:t>
             </a:r>
           </a:p>
         </p:txBody>
@@ -5716,237 +5683,62 @@
               <a:buFont typeface="Wingdings" pitchFamily="2" charset="2"/>
               <a:buNone/>
             </a:pPr>
-            <a:endParaRPr lang="en-US" altLang="en-US" sz="2400" dirty="0"/>
-          </a:p>
-        </p:txBody>
-      </p:sp>
-      <p:sp>
-        <p:nvSpPr>
-          <p:cNvPr id="5" name="Rectangle 3">
-            <a:extLst>
-              <a:ext uri="{FF2B5EF4-FFF2-40B4-BE49-F238E27FC236}">
-                <a16:creationId xmlns:a16="http://schemas.microsoft.com/office/drawing/2014/main" id="{153AFD4F-D983-9648-85D8-3F07AF352158}"/>
-              </a:ext>
-            </a:extLst>
-          </p:cNvPr>
-          <p:cNvSpPr txBox="1">
-            <a:spLocks noChangeArrowheads="1"/>
-          </p:cNvSpPr>
-          <p:nvPr/>
-        </p:nvSpPr>
-        <p:spPr>
-          <a:xfrm>
-            <a:off x="581190" y="2157467"/>
-            <a:ext cx="10425063" cy="4488660"/>
-          </a:xfrm>
-          <a:prstGeom prst="rect">
-            <a:avLst/>
-          </a:prstGeom>
-        </p:spPr>
-        <p:txBody>
-          <a:bodyPr vert="horz" lIns="91440" tIns="45720" rIns="91440" bIns="45720" rtlCol="0" anchor="ctr">
-            <a:normAutofit/>
-          </a:bodyPr>
-          <a:lstStyle>
-            <a:lvl1pPr marL="306000" indent="-306000" algn="l" defTabSz="457200" rtl="0" eaLnBrk="1" latinLnBrk="0" hangingPunct="1">
-              <a:spcBef>
-                <a:spcPct val="20000"/>
-              </a:spcBef>
-              <a:spcAft>
-                <a:spcPts val="600"/>
-              </a:spcAft>
-              <a:buClr>
-                <a:schemeClr val="accent2"/>
-              </a:buClr>
-              <a:buSzPct val="92000"/>
-              <a:buFont typeface="Wingdings 2" panose="05020102010507070707" pitchFamily="18" charset="2"/>
-              <a:buChar char=""/>
-              <a:defRPr sz="1800" kern="1200">
-                <a:solidFill>
-                  <a:schemeClr val="tx2"/>
-                </a:solidFill>
-                <a:latin typeface="+mn-lt"/>
-                <a:ea typeface="+mn-ea"/>
-                <a:cs typeface="+mn-cs"/>
-              </a:defRPr>
-            </a:lvl1pPr>
-            <a:lvl2pPr marL="630000" indent="-306000" algn="l" defTabSz="457200" rtl="0" eaLnBrk="1" latinLnBrk="0" hangingPunct="1">
-              <a:spcBef>
-                <a:spcPct val="20000"/>
-              </a:spcBef>
-              <a:spcAft>
-                <a:spcPts val="600"/>
-              </a:spcAft>
-              <a:buClr>
-                <a:schemeClr val="accent2"/>
-              </a:buClr>
-              <a:buSzPct val="92000"/>
-              <a:buFont typeface="Wingdings 2" panose="05020102010507070707" pitchFamily="18" charset="2"/>
-              <a:buChar char=""/>
-              <a:defRPr sz="1600" kern="1200">
-                <a:solidFill>
-                  <a:schemeClr val="tx2"/>
-                </a:solidFill>
-                <a:latin typeface="+mn-lt"/>
-                <a:ea typeface="+mn-ea"/>
-                <a:cs typeface="+mn-cs"/>
-              </a:defRPr>
-            </a:lvl2pPr>
-            <a:lvl3pPr marL="900000" indent="-270000" algn="l" defTabSz="457200" rtl="0" eaLnBrk="1" latinLnBrk="0" hangingPunct="1">
-              <a:spcBef>
-                <a:spcPct val="20000"/>
-              </a:spcBef>
-              <a:spcAft>
-                <a:spcPts val="600"/>
-              </a:spcAft>
-              <a:buClr>
-                <a:schemeClr val="accent2"/>
-              </a:buClr>
-              <a:buSzPct val="92000"/>
-              <a:buFont typeface="Wingdings 2" panose="05020102010507070707" pitchFamily="18" charset="2"/>
-              <a:buChar char=""/>
-              <a:defRPr sz="1400" kern="1200">
-                <a:solidFill>
-                  <a:schemeClr val="tx2"/>
-                </a:solidFill>
-                <a:latin typeface="+mn-lt"/>
-                <a:ea typeface="+mn-ea"/>
-                <a:cs typeface="+mn-cs"/>
-              </a:defRPr>
-            </a:lvl3pPr>
-            <a:lvl4pPr marL="1242000" indent="-234000" algn="l" defTabSz="457200" rtl="0" eaLnBrk="1" latinLnBrk="0" hangingPunct="1">
-              <a:spcBef>
-                <a:spcPct val="20000"/>
-              </a:spcBef>
-              <a:spcAft>
-                <a:spcPts val="600"/>
-              </a:spcAft>
-              <a:buClr>
-                <a:schemeClr val="accent2"/>
-              </a:buClr>
-              <a:buSzPct val="92000"/>
-              <a:buFont typeface="Wingdings 2" panose="05020102010507070707" pitchFamily="18" charset="2"/>
-              <a:buChar char=""/>
-              <a:defRPr sz="1200" kern="1200">
-                <a:solidFill>
-                  <a:schemeClr val="tx2"/>
-                </a:solidFill>
-                <a:latin typeface="+mn-lt"/>
-                <a:ea typeface="+mn-ea"/>
-                <a:cs typeface="+mn-cs"/>
-              </a:defRPr>
-            </a:lvl4pPr>
-            <a:lvl5pPr marL="1602000" indent="-234000" algn="l" defTabSz="457200" rtl="0" eaLnBrk="1" latinLnBrk="0" hangingPunct="1">
-              <a:spcBef>
-                <a:spcPct val="20000"/>
-              </a:spcBef>
-              <a:spcAft>
-                <a:spcPts val="600"/>
-              </a:spcAft>
-              <a:buClr>
-                <a:schemeClr val="accent2"/>
-              </a:buClr>
-              <a:buSzPct val="92000"/>
-              <a:buFont typeface="Wingdings 2" panose="05020102010507070707" pitchFamily="18" charset="2"/>
-              <a:buChar char=""/>
-              <a:defRPr sz="1200" kern="1200">
-                <a:solidFill>
-                  <a:schemeClr val="tx2"/>
-                </a:solidFill>
-                <a:latin typeface="+mn-lt"/>
-                <a:ea typeface="+mn-ea"/>
-                <a:cs typeface="+mn-cs"/>
-              </a:defRPr>
-            </a:lvl5pPr>
-            <a:lvl6pPr marL="1900000" indent="-228600" algn="l" defTabSz="457200" rtl="0" eaLnBrk="1" latinLnBrk="0" hangingPunct="1">
-              <a:spcBef>
-                <a:spcPct val="20000"/>
-              </a:spcBef>
-              <a:spcAft>
-                <a:spcPts val="600"/>
-              </a:spcAft>
-              <a:buClr>
-                <a:schemeClr val="accent2"/>
-              </a:buClr>
-              <a:buSzPct val="92000"/>
-              <a:buFont typeface="Wingdings 2" panose="05020102010507070707" pitchFamily="18" charset="2"/>
-              <a:buChar char=""/>
-              <a:defRPr sz="1200" kern="1200">
-                <a:solidFill>
-                  <a:schemeClr val="tx2"/>
-                </a:solidFill>
-                <a:latin typeface="+mn-lt"/>
-                <a:ea typeface="+mn-ea"/>
-                <a:cs typeface="+mn-cs"/>
-              </a:defRPr>
-            </a:lvl6pPr>
-            <a:lvl7pPr marL="2200000" indent="-228600" algn="l" defTabSz="457200" rtl="0" eaLnBrk="1" latinLnBrk="0" hangingPunct="1">
-              <a:spcBef>
-                <a:spcPct val="20000"/>
-              </a:spcBef>
-              <a:spcAft>
-                <a:spcPts val="600"/>
-              </a:spcAft>
-              <a:buClr>
-                <a:schemeClr val="accent2"/>
-              </a:buClr>
-              <a:buSzPct val="92000"/>
-              <a:buFont typeface="Wingdings 2" panose="05020102010507070707" pitchFamily="18" charset="2"/>
-              <a:buChar char=""/>
-              <a:defRPr sz="1200" kern="1200">
-                <a:solidFill>
-                  <a:schemeClr val="tx2"/>
-                </a:solidFill>
-                <a:latin typeface="+mn-lt"/>
-                <a:ea typeface="+mn-ea"/>
-                <a:cs typeface="+mn-cs"/>
-              </a:defRPr>
-            </a:lvl7pPr>
-            <a:lvl8pPr marL="2500000" indent="-228600" algn="l" defTabSz="457200" rtl="0" eaLnBrk="1" latinLnBrk="0" hangingPunct="1">
-              <a:spcBef>
-                <a:spcPct val="20000"/>
-              </a:spcBef>
-              <a:spcAft>
-                <a:spcPts val="600"/>
-              </a:spcAft>
-              <a:buClr>
-                <a:schemeClr val="accent2"/>
-              </a:buClr>
-              <a:buSzPct val="92000"/>
-              <a:buFont typeface="Wingdings 2" panose="05020102010507070707" pitchFamily="18" charset="2"/>
-              <a:buChar char=""/>
-              <a:defRPr sz="1200" kern="1200">
-                <a:solidFill>
-                  <a:schemeClr val="tx2"/>
-                </a:solidFill>
-                <a:latin typeface="+mn-lt"/>
-                <a:ea typeface="+mn-ea"/>
-                <a:cs typeface="+mn-cs"/>
-              </a:defRPr>
-            </a:lvl8pPr>
-            <a:lvl9pPr marL="2800000" indent="-228600" algn="l" defTabSz="457200" rtl="0" eaLnBrk="1" latinLnBrk="0" hangingPunct="1">
-              <a:spcBef>
-                <a:spcPct val="20000"/>
-              </a:spcBef>
-              <a:spcAft>
-                <a:spcPts val="600"/>
-              </a:spcAft>
-              <a:buClr>
-                <a:schemeClr val="accent2"/>
-              </a:buClr>
-              <a:buSzPct val="92000"/>
-              <a:buFont typeface="Wingdings 2" panose="05020102010507070707" pitchFamily="18" charset="2"/>
-              <a:buChar char=""/>
-              <a:defRPr sz="1200" kern="1200">
-                <a:solidFill>
-                  <a:schemeClr val="tx2"/>
-                </a:solidFill>
-                <a:latin typeface="+mn-lt"/>
-                <a:ea typeface="+mn-ea"/>
-                <a:cs typeface="+mn-cs"/>
-              </a:defRPr>
-            </a:lvl9pPr>
-          </a:lstStyle>
+            <a:r>
+              <a:rPr lang="en-US" altLang="ja-JP" sz="2400" dirty="0">
+                <a:solidFill>
+                  <a:srgbClr val="FF0000"/>
+                </a:solidFill>
+                <a:ea typeface="ＭＳ Ｐゴシック" panose="020B0600070205080204" pitchFamily="34" charset="-128"/>
+              </a:rPr>
+              <a:t>Assumption: </a:t>
+            </a:r>
+            <a:r>
+              <a:rPr lang="en-US" altLang="ja-JP" sz="2400" dirty="0">
+                <a:solidFill>
+                  <a:srgbClr val="3333CC"/>
+                </a:solidFill>
+                <a:ea typeface="ＭＳ Ｐゴシック" panose="020B0600070205080204" pitchFamily="34" charset="-128"/>
+              </a:rPr>
+              <a:t>The distribution of training examples is </a:t>
+            </a:r>
+            <a:r>
+              <a:rPr lang="en-US" altLang="ja-JP" sz="2400" dirty="0">
+                <a:solidFill>
+                  <a:schemeClr val="accent2"/>
+                </a:solidFill>
+                <a:ea typeface="ＭＳ Ｐゴシック" panose="020B0600070205080204" pitchFamily="34" charset="-128"/>
+              </a:rPr>
+              <a:t>identical</a:t>
+            </a:r>
+            <a:r>
+              <a:rPr lang="en-US" altLang="ja-JP" sz="2400" dirty="0">
+                <a:solidFill>
+                  <a:srgbClr val="3333CC"/>
+                </a:solidFill>
+                <a:ea typeface="ＭＳ Ｐゴシック" panose="020B0600070205080204" pitchFamily="34" charset="-128"/>
+              </a:rPr>
+              <a:t> to the distribution of test examples (including future unseen examples).</a:t>
+            </a:r>
+            <a:r>
+              <a:rPr lang="en-US" altLang="ja-JP" sz="2400" dirty="0">
+                <a:ea typeface="ＭＳ Ｐゴシック" panose="020B0600070205080204" pitchFamily="34" charset="-128"/>
+              </a:rPr>
+              <a:t> </a:t>
+            </a:r>
+          </a:p>
+          <a:p>
+            <a:pPr>
+              <a:lnSpc>
+                <a:spcPct val="90000"/>
+              </a:lnSpc>
+              <a:spcBef>
+                <a:spcPct val="0"/>
+              </a:spcBef>
+            </a:pPr>
+            <a:endParaRPr lang="en-US" altLang="ja-JP" sz="2400" dirty="0">
+              <a:ea typeface="ＭＳ Ｐゴシック" panose="020B0600070205080204" pitchFamily="34" charset="-128"/>
+            </a:endParaRPr>
+          </a:p>
           <a:p>
             <a:pPr>
               <a:lnSpc>
@@ -5954,12 +5746,10 @@
               </a:lnSpc>
             </a:pPr>
             <a:r>
-              <a:rPr lang="en-US" altLang="en-US" sz="2600" dirty="0">
-                <a:solidFill>
-                  <a:srgbClr val="00B050"/>
-                </a:solidFill>
+              <a:rPr lang="en-US" altLang="ja-JP" sz="2400" dirty="0">
+                <a:ea typeface="ＭＳ Ｐゴシック" panose="020B0600070205080204" pitchFamily="34" charset="-128"/>
               </a:rPr>
-              <a:t>Decision tree induction/classification</a:t>
+              <a:t>In practice, this assumption is often violated to certain degree. </a:t>
             </a:r>
           </a:p>
           <a:p>
@@ -5969,12 +5759,10 @@
               </a:lnSpc>
             </a:pPr>
             <a:r>
-              <a:rPr lang="en-US" altLang="en-US" sz="2600" dirty="0">
-                <a:solidFill>
-                  <a:srgbClr val="00B050"/>
-                </a:solidFill>
+              <a:rPr lang="en-US" altLang="ja-JP" sz="2400" dirty="0">
+                <a:ea typeface="ＭＳ Ｐゴシック" panose="020B0600070205080204" pitchFamily="34" charset="-128"/>
               </a:rPr>
-              <a:t>Random Forest (the average of the results from 100 random trees)</a:t>
+              <a:t>Strong violations will clearly result in poor classification accuracy. </a:t>
             </a:r>
           </a:p>
           <a:p>
@@ -5984,68 +5772,28 @@
               </a:lnSpc>
             </a:pPr>
             <a:r>
-              <a:rPr lang="en-US" altLang="en-US" sz="2600" dirty="0"/>
-              <a:t>Naïve Bayesian classification (0 or 1 cases – binary cases) </a:t>
-            </a:r>
-          </a:p>
-          <a:p>
-            <a:pPr>
-              <a:lnSpc>
-                <a:spcPct val="90000"/>
-              </a:lnSpc>
-            </a:pPr>
-            <a:r>
-              <a:rPr lang="en-US" altLang="en-US" sz="2600" dirty="0"/>
-              <a:t>Naïve Bayes for text classification</a:t>
-            </a:r>
-          </a:p>
-          <a:p>
-            <a:pPr>
-              <a:lnSpc>
-                <a:spcPct val="90000"/>
-              </a:lnSpc>
-            </a:pPr>
-            <a:r>
-              <a:rPr lang="en-US" altLang="en-US" sz="2600" dirty="0"/>
-              <a:t>Support vector machines (binary cases)</a:t>
-            </a:r>
-          </a:p>
-          <a:p>
-            <a:pPr>
-              <a:lnSpc>
-                <a:spcPct val="90000"/>
-              </a:lnSpc>
-            </a:pPr>
-            <a:r>
-              <a:rPr lang="en-US" altLang="en-US" sz="2600" dirty="0"/>
-              <a:t>K-nearest neighbor</a:t>
-            </a:r>
-          </a:p>
-          <a:p>
-            <a:pPr>
-              <a:lnSpc>
-                <a:spcPct val="90000"/>
-              </a:lnSpc>
-            </a:pPr>
-            <a:r>
-              <a:rPr lang="en-US" altLang="en-US" sz="2600" dirty="0"/>
-              <a:t>Ensemble methods: Bagging and Boosting</a:t>
-            </a:r>
-          </a:p>
-          <a:p>
-            <a:pPr>
-              <a:lnSpc>
-                <a:spcPct val="90000"/>
-              </a:lnSpc>
-            </a:pPr>
-            <a:endParaRPr lang="en-US" altLang="en-US" sz="2600" dirty="0"/>
+              <a:rPr lang="en-US" altLang="ja-JP" sz="2400" dirty="0">
+                <a:solidFill>
+                  <a:srgbClr val="3333CC"/>
+                </a:solidFill>
+                <a:ea typeface="ＭＳ Ｐゴシック" panose="020B0600070205080204" pitchFamily="34" charset="-128"/>
+              </a:rPr>
+              <a:t>To achieve good accuracy on the test data, training examples must be sufficiently representative of the test data</a:t>
+            </a:r>
+            <a:r>
+              <a:rPr lang="en-US" altLang="ja-JP" sz="2400" dirty="0">
+                <a:ea typeface="ＭＳ Ｐゴシック" panose="020B0600070205080204" pitchFamily="34" charset="-128"/>
+              </a:rPr>
+              <a:t>. </a:t>
+            </a:r>
+            <a:endParaRPr lang="en-US" altLang="en-US" sz="2400" dirty="0"/>
           </a:p>
         </p:txBody>
       </p:sp>
     </p:spTree>
     <p:extLst>
       <p:ext uri="{BB962C8B-B14F-4D97-AF65-F5344CB8AC3E}">
-        <p14:creationId xmlns:p14="http://schemas.microsoft.com/office/powerpoint/2010/main" val="1259840305"/>
+        <p14:creationId xmlns:p14="http://schemas.microsoft.com/office/powerpoint/2010/main" val="966588435"/>
       </p:ext>
     </p:extLst>
   </p:cSld>
@@ -6102,7 +5850,7 @@
           <a:p>
             <a:r>
               <a:rPr lang="en-US" sz="2400" dirty="0"/>
-              <a:t>Models </a:t>
+              <a:t>Models – supervised Learning Algorithms</a:t>
             </a:r>
           </a:p>
         </p:txBody>
@@ -6348,6 +6096,632 @@
       </p:sp>
       <p:sp>
         <p:nvSpPr>
+          <p:cNvPr id="5" name="Rectangle 3">
+            <a:extLst>
+              <a:ext uri="{FF2B5EF4-FFF2-40B4-BE49-F238E27FC236}">
+                <a16:creationId xmlns:a16="http://schemas.microsoft.com/office/drawing/2014/main" id="{153AFD4F-D983-9648-85D8-3F07AF352158}"/>
+              </a:ext>
+            </a:extLst>
+          </p:cNvPr>
+          <p:cNvSpPr txBox="1">
+            <a:spLocks noChangeArrowheads="1"/>
+          </p:cNvSpPr>
+          <p:nvPr/>
+        </p:nvSpPr>
+        <p:spPr>
+          <a:xfrm>
+            <a:off x="581190" y="2157467"/>
+            <a:ext cx="10425063" cy="4488660"/>
+          </a:xfrm>
+          <a:prstGeom prst="rect">
+            <a:avLst/>
+          </a:prstGeom>
+        </p:spPr>
+        <p:txBody>
+          <a:bodyPr vert="horz" lIns="91440" tIns="45720" rIns="91440" bIns="45720" rtlCol="0" anchor="ctr">
+            <a:normAutofit/>
+          </a:bodyPr>
+          <a:lstStyle>
+            <a:lvl1pPr marL="306000" indent="-306000" algn="l" defTabSz="457200" rtl="0" eaLnBrk="1" latinLnBrk="0" hangingPunct="1">
+              <a:spcBef>
+                <a:spcPct val="20000"/>
+              </a:spcBef>
+              <a:spcAft>
+                <a:spcPts val="600"/>
+              </a:spcAft>
+              <a:buClr>
+                <a:schemeClr val="accent2"/>
+              </a:buClr>
+              <a:buSzPct val="92000"/>
+              <a:buFont typeface="Wingdings 2" panose="05020102010507070707" pitchFamily="18" charset="2"/>
+              <a:buChar char=""/>
+              <a:defRPr sz="1800" kern="1200">
+                <a:solidFill>
+                  <a:schemeClr val="tx2"/>
+                </a:solidFill>
+                <a:latin typeface="+mn-lt"/>
+                <a:ea typeface="+mn-ea"/>
+                <a:cs typeface="+mn-cs"/>
+              </a:defRPr>
+            </a:lvl1pPr>
+            <a:lvl2pPr marL="630000" indent="-306000" algn="l" defTabSz="457200" rtl="0" eaLnBrk="1" latinLnBrk="0" hangingPunct="1">
+              <a:spcBef>
+                <a:spcPct val="20000"/>
+              </a:spcBef>
+              <a:spcAft>
+                <a:spcPts val="600"/>
+              </a:spcAft>
+              <a:buClr>
+                <a:schemeClr val="accent2"/>
+              </a:buClr>
+              <a:buSzPct val="92000"/>
+              <a:buFont typeface="Wingdings 2" panose="05020102010507070707" pitchFamily="18" charset="2"/>
+              <a:buChar char=""/>
+              <a:defRPr sz="1600" kern="1200">
+                <a:solidFill>
+                  <a:schemeClr val="tx2"/>
+                </a:solidFill>
+                <a:latin typeface="+mn-lt"/>
+                <a:ea typeface="+mn-ea"/>
+                <a:cs typeface="+mn-cs"/>
+              </a:defRPr>
+            </a:lvl2pPr>
+            <a:lvl3pPr marL="900000" indent="-270000" algn="l" defTabSz="457200" rtl="0" eaLnBrk="1" latinLnBrk="0" hangingPunct="1">
+              <a:spcBef>
+                <a:spcPct val="20000"/>
+              </a:spcBef>
+              <a:spcAft>
+                <a:spcPts val="600"/>
+              </a:spcAft>
+              <a:buClr>
+                <a:schemeClr val="accent2"/>
+              </a:buClr>
+              <a:buSzPct val="92000"/>
+              <a:buFont typeface="Wingdings 2" panose="05020102010507070707" pitchFamily="18" charset="2"/>
+              <a:buChar char=""/>
+              <a:defRPr sz="1400" kern="1200">
+                <a:solidFill>
+                  <a:schemeClr val="tx2"/>
+                </a:solidFill>
+                <a:latin typeface="+mn-lt"/>
+                <a:ea typeface="+mn-ea"/>
+                <a:cs typeface="+mn-cs"/>
+              </a:defRPr>
+            </a:lvl3pPr>
+            <a:lvl4pPr marL="1242000" indent="-234000" algn="l" defTabSz="457200" rtl="0" eaLnBrk="1" latinLnBrk="0" hangingPunct="1">
+              <a:spcBef>
+                <a:spcPct val="20000"/>
+              </a:spcBef>
+              <a:spcAft>
+                <a:spcPts val="600"/>
+              </a:spcAft>
+              <a:buClr>
+                <a:schemeClr val="accent2"/>
+              </a:buClr>
+              <a:buSzPct val="92000"/>
+              <a:buFont typeface="Wingdings 2" panose="05020102010507070707" pitchFamily="18" charset="2"/>
+              <a:buChar char=""/>
+              <a:defRPr sz="1200" kern="1200">
+                <a:solidFill>
+                  <a:schemeClr val="tx2"/>
+                </a:solidFill>
+                <a:latin typeface="+mn-lt"/>
+                <a:ea typeface="+mn-ea"/>
+                <a:cs typeface="+mn-cs"/>
+              </a:defRPr>
+            </a:lvl4pPr>
+            <a:lvl5pPr marL="1602000" indent="-234000" algn="l" defTabSz="457200" rtl="0" eaLnBrk="1" latinLnBrk="0" hangingPunct="1">
+              <a:spcBef>
+                <a:spcPct val="20000"/>
+              </a:spcBef>
+              <a:spcAft>
+                <a:spcPts val="600"/>
+              </a:spcAft>
+              <a:buClr>
+                <a:schemeClr val="accent2"/>
+              </a:buClr>
+              <a:buSzPct val="92000"/>
+              <a:buFont typeface="Wingdings 2" panose="05020102010507070707" pitchFamily="18" charset="2"/>
+              <a:buChar char=""/>
+              <a:defRPr sz="1200" kern="1200">
+                <a:solidFill>
+                  <a:schemeClr val="tx2"/>
+                </a:solidFill>
+                <a:latin typeface="+mn-lt"/>
+                <a:ea typeface="+mn-ea"/>
+                <a:cs typeface="+mn-cs"/>
+              </a:defRPr>
+            </a:lvl5pPr>
+            <a:lvl6pPr marL="1900000" indent="-228600" algn="l" defTabSz="457200" rtl="0" eaLnBrk="1" latinLnBrk="0" hangingPunct="1">
+              <a:spcBef>
+                <a:spcPct val="20000"/>
+              </a:spcBef>
+              <a:spcAft>
+                <a:spcPts val="600"/>
+              </a:spcAft>
+              <a:buClr>
+                <a:schemeClr val="accent2"/>
+              </a:buClr>
+              <a:buSzPct val="92000"/>
+              <a:buFont typeface="Wingdings 2" panose="05020102010507070707" pitchFamily="18" charset="2"/>
+              <a:buChar char=""/>
+              <a:defRPr sz="1200" kern="1200">
+                <a:solidFill>
+                  <a:schemeClr val="tx2"/>
+                </a:solidFill>
+                <a:latin typeface="+mn-lt"/>
+                <a:ea typeface="+mn-ea"/>
+                <a:cs typeface="+mn-cs"/>
+              </a:defRPr>
+            </a:lvl6pPr>
+            <a:lvl7pPr marL="2200000" indent="-228600" algn="l" defTabSz="457200" rtl="0" eaLnBrk="1" latinLnBrk="0" hangingPunct="1">
+              <a:spcBef>
+                <a:spcPct val="20000"/>
+              </a:spcBef>
+              <a:spcAft>
+                <a:spcPts val="600"/>
+              </a:spcAft>
+              <a:buClr>
+                <a:schemeClr val="accent2"/>
+              </a:buClr>
+              <a:buSzPct val="92000"/>
+              <a:buFont typeface="Wingdings 2" panose="05020102010507070707" pitchFamily="18" charset="2"/>
+              <a:buChar char=""/>
+              <a:defRPr sz="1200" kern="1200">
+                <a:solidFill>
+                  <a:schemeClr val="tx2"/>
+                </a:solidFill>
+                <a:latin typeface="+mn-lt"/>
+                <a:ea typeface="+mn-ea"/>
+                <a:cs typeface="+mn-cs"/>
+              </a:defRPr>
+            </a:lvl7pPr>
+            <a:lvl8pPr marL="2500000" indent="-228600" algn="l" defTabSz="457200" rtl="0" eaLnBrk="1" latinLnBrk="0" hangingPunct="1">
+              <a:spcBef>
+                <a:spcPct val="20000"/>
+              </a:spcBef>
+              <a:spcAft>
+                <a:spcPts val="600"/>
+              </a:spcAft>
+              <a:buClr>
+                <a:schemeClr val="accent2"/>
+              </a:buClr>
+              <a:buSzPct val="92000"/>
+              <a:buFont typeface="Wingdings 2" panose="05020102010507070707" pitchFamily="18" charset="2"/>
+              <a:buChar char=""/>
+              <a:defRPr sz="1200" kern="1200">
+                <a:solidFill>
+                  <a:schemeClr val="tx2"/>
+                </a:solidFill>
+                <a:latin typeface="+mn-lt"/>
+                <a:ea typeface="+mn-ea"/>
+                <a:cs typeface="+mn-cs"/>
+              </a:defRPr>
+            </a:lvl8pPr>
+            <a:lvl9pPr marL="2800000" indent="-228600" algn="l" defTabSz="457200" rtl="0" eaLnBrk="1" latinLnBrk="0" hangingPunct="1">
+              <a:spcBef>
+                <a:spcPct val="20000"/>
+              </a:spcBef>
+              <a:spcAft>
+                <a:spcPts val="600"/>
+              </a:spcAft>
+              <a:buClr>
+                <a:schemeClr val="accent2"/>
+              </a:buClr>
+              <a:buSzPct val="92000"/>
+              <a:buFont typeface="Wingdings 2" panose="05020102010507070707" pitchFamily="18" charset="2"/>
+              <a:buChar char=""/>
+              <a:defRPr sz="1200" kern="1200">
+                <a:solidFill>
+                  <a:schemeClr val="tx2"/>
+                </a:solidFill>
+                <a:latin typeface="+mn-lt"/>
+                <a:ea typeface="+mn-ea"/>
+                <a:cs typeface="+mn-cs"/>
+              </a:defRPr>
+            </a:lvl9pPr>
+          </a:lstStyle>
+          <a:p>
+            <a:pPr>
+              <a:lnSpc>
+                <a:spcPct val="90000"/>
+              </a:lnSpc>
+            </a:pPr>
+            <a:r>
+              <a:rPr lang="en-US" altLang="en-US" sz="2600" dirty="0">
+                <a:solidFill>
+                  <a:srgbClr val="00B050"/>
+                </a:solidFill>
+              </a:rPr>
+              <a:t>Decision tree induction/classification</a:t>
+            </a:r>
+          </a:p>
+          <a:p>
+            <a:pPr>
+              <a:lnSpc>
+                <a:spcPct val="90000"/>
+              </a:lnSpc>
+            </a:pPr>
+            <a:r>
+              <a:rPr lang="en-US" altLang="en-US" sz="2600" dirty="0">
+                <a:solidFill>
+                  <a:srgbClr val="00B050"/>
+                </a:solidFill>
+              </a:rPr>
+              <a:t>Random Forest (the average of the results from 100 random trees)</a:t>
+            </a:r>
+          </a:p>
+          <a:p>
+            <a:pPr>
+              <a:lnSpc>
+                <a:spcPct val="90000"/>
+              </a:lnSpc>
+            </a:pPr>
+            <a:r>
+              <a:rPr lang="en-US" altLang="en-US" sz="2600" dirty="0"/>
+              <a:t>Naïve Bayesian classification (0 or 1 cases – binary cases) </a:t>
+            </a:r>
+          </a:p>
+          <a:p>
+            <a:pPr>
+              <a:lnSpc>
+                <a:spcPct val="90000"/>
+              </a:lnSpc>
+            </a:pPr>
+            <a:r>
+              <a:rPr lang="en-US" altLang="en-US" sz="2600" dirty="0"/>
+              <a:t>Naïve Bayes for text classification</a:t>
+            </a:r>
+          </a:p>
+          <a:p>
+            <a:pPr>
+              <a:lnSpc>
+                <a:spcPct val="90000"/>
+              </a:lnSpc>
+            </a:pPr>
+            <a:r>
+              <a:rPr lang="en-US" altLang="en-US" sz="2600" dirty="0"/>
+              <a:t>Support vector machines (binary cases)</a:t>
+            </a:r>
+          </a:p>
+          <a:p>
+            <a:pPr>
+              <a:lnSpc>
+                <a:spcPct val="90000"/>
+              </a:lnSpc>
+            </a:pPr>
+            <a:r>
+              <a:rPr lang="en-US" altLang="en-US" sz="2600" dirty="0"/>
+              <a:t>K-nearest neighbor</a:t>
+            </a:r>
+          </a:p>
+          <a:p>
+            <a:pPr>
+              <a:lnSpc>
+                <a:spcPct val="90000"/>
+              </a:lnSpc>
+            </a:pPr>
+            <a:r>
+              <a:rPr lang="en-US" altLang="en-US" sz="2600" dirty="0"/>
+              <a:t>Ensemble methods: Bagging and Boosting</a:t>
+            </a:r>
+          </a:p>
+          <a:p>
+            <a:pPr>
+              <a:lnSpc>
+                <a:spcPct val="90000"/>
+              </a:lnSpc>
+            </a:pPr>
+            <a:endParaRPr lang="en-US" altLang="en-US" sz="2600" dirty="0"/>
+          </a:p>
+        </p:txBody>
+      </p:sp>
+    </p:spTree>
+    <p:extLst>
+      <p:ext uri="{BB962C8B-B14F-4D97-AF65-F5344CB8AC3E}">
+        <p14:creationId xmlns:p14="http://schemas.microsoft.com/office/powerpoint/2010/main" val="1259840305"/>
+      </p:ext>
+    </p:extLst>
+  </p:cSld>
+  <p:clrMapOvr>
+    <a:masterClrMapping/>
+  </p:clrMapOvr>
+</p:sld>
+</file>
+
+<file path=ppt/slides/slide16.xml><?xml version="1.0" encoding="utf-8"?>
+<p:sld xmlns:a="http://schemas.openxmlformats.org/drawingml/2006/main" xmlns:r="http://schemas.openxmlformats.org/officeDocument/2006/relationships" xmlns:p="http://schemas.openxmlformats.org/presentationml/2006/main">
+  <p:cSld>
+    <p:spTree>
+      <p:nvGrpSpPr>
+        <p:cNvPr id="1" name=""/>
+        <p:cNvGrpSpPr/>
+        <p:nvPr/>
+      </p:nvGrpSpPr>
+      <p:grpSpPr>
+        <a:xfrm>
+          <a:off x="0" y="0"/>
+          <a:ext cx="0" cy="0"/>
+          <a:chOff x="0" y="0"/>
+          <a:chExt cx="0" cy="0"/>
+        </a:xfrm>
+      </p:grpSpPr>
+      <p:sp>
+        <p:nvSpPr>
+          <p:cNvPr id="2" name="Title 1">
+            <a:extLst>
+              <a:ext uri="{FF2B5EF4-FFF2-40B4-BE49-F238E27FC236}">
+                <a16:creationId xmlns:a16="http://schemas.microsoft.com/office/drawing/2014/main" id="{99BFFE90-2403-C34E-9F28-08D777E9E009}"/>
+              </a:ext>
+            </a:extLst>
+          </p:cNvPr>
+          <p:cNvSpPr>
+            <a:spLocks noGrp="1"/>
+          </p:cNvSpPr>
+          <p:nvPr>
+            <p:ph type="title"/>
+          </p:nvPr>
+        </p:nvSpPr>
+        <p:spPr>
+          <a:xfrm>
+            <a:off x="581191" y="702156"/>
+            <a:ext cx="13822463" cy="1089212"/>
+          </a:xfrm>
+        </p:spPr>
+        <p:txBody>
+          <a:bodyPr>
+            <a:normAutofit/>
+          </a:bodyPr>
+          <a:lstStyle/>
+          <a:p>
+            <a:r>
+              <a:rPr lang="en-US" sz="2400" dirty="0"/>
+              <a:t>Models </a:t>
+            </a:r>
+          </a:p>
+        </p:txBody>
+      </p:sp>
+      <p:sp>
+        <p:nvSpPr>
+          <p:cNvPr id="4" name="Rectangle 3">
+            <a:extLst>
+              <a:ext uri="{FF2B5EF4-FFF2-40B4-BE49-F238E27FC236}">
+                <a16:creationId xmlns:a16="http://schemas.microsoft.com/office/drawing/2014/main" id="{8F9EBE7F-A93E-8B48-AAC9-32847078FAD5}"/>
+              </a:ext>
+            </a:extLst>
+          </p:cNvPr>
+          <p:cNvSpPr txBox="1">
+            <a:spLocks noChangeArrowheads="1"/>
+          </p:cNvSpPr>
+          <p:nvPr/>
+        </p:nvSpPr>
+        <p:spPr>
+          <a:xfrm>
+            <a:off x="503237" y="1268413"/>
+            <a:ext cx="10313445" cy="5377714"/>
+          </a:xfrm>
+          <a:prstGeom prst="rect">
+            <a:avLst/>
+          </a:prstGeom>
+        </p:spPr>
+        <p:txBody>
+          <a:bodyPr vert="horz" lIns="91440" tIns="45720" rIns="91440" bIns="45720" rtlCol="0" anchor="ctr">
+            <a:normAutofit/>
+          </a:bodyPr>
+          <a:lstStyle>
+            <a:lvl1pPr marL="306000" indent="-306000" algn="l" defTabSz="457200" rtl="0" eaLnBrk="1" latinLnBrk="0" hangingPunct="1">
+              <a:spcBef>
+                <a:spcPct val="20000"/>
+              </a:spcBef>
+              <a:spcAft>
+                <a:spcPts val="600"/>
+              </a:spcAft>
+              <a:buClr>
+                <a:schemeClr val="accent2"/>
+              </a:buClr>
+              <a:buSzPct val="92000"/>
+              <a:buFont typeface="Wingdings 2" panose="05020102010507070707" pitchFamily="18" charset="2"/>
+              <a:buChar char=""/>
+              <a:defRPr sz="1800" kern="1200">
+                <a:solidFill>
+                  <a:schemeClr val="tx2"/>
+                </a:solidFill>
+                <a:latin typeface="+mn-lt"/>
+                <a:ea typeface="+mn-ea"/>
+                <a:cs typeface="+mn-cs"/>
+              </a:defRPr>
+            </a:lvl1pPr>
+            <a:lvl2pPr marL="630000" indent="-306000" algn="l" defTabSz="457200" rtl="0" eaLnBrk="1" latinLnBrk="0" hangingPunct="1">
+              <a:spcBef>
+                <a:spcPct val="20000"/>
+              </a:spcBef>
+              <a:spcAft>
+                <a:spcPts val="600"/>
+              </a:spcAft>
+              <a:buClr>
+                <a:schemeClr val="accent2"/>
+              </a:buClr>
+              <a:buSzPct val="92000"/>
+              <a:buFont typeface="Wingdings 2" panose="05020102010507070707" pitchFamily="18" charset="2"/>
+              <a:buChar char=""/>
+              <a:defRPr sz="1600" kern="1200">
+                <a:solidFill>
+                  <a:schemeClr val="tx2"/>
+                </a:solidFill>
+                <a:latin typeface="+mn-lt"/>
+                <a:ea typeface="+mn-ea"/>
+                <a:cs typeface="+mn-cs"/>
+              </a:defRPr>
+            </a:lvl2pPr>
+            <a:lvl3pPr marL="900000" indent="-270000" algn="l" defTabSz="457200" rtl="0" eaLnBrk="1" latinLnBrk="0" hangingPunct="1">
+              <a:spcBef>
+                <a:spcPct val="20000"/>
+              </a:spcBef>
+              <a:spcAft>
+                <a:spcPts val="600"/>
+              </a:spcAft>
+              <a:buClr>
+                <a:schemeClr val="accent2"/>
+              </a:buClr>
+              <a:buSzPct val="92000"/>
+              <a:buFont typeface="Wingdings 2" panose="05020102010507070707" pitchFamily="18" charset="2"/>
+              <a:buChar char=""/>
+              <a:defRPr sz="1400" kern="1200">
+                <a:solidFill>
+                  <a:schemeClr val="tx2"/>
+                </a:solidFill>
+                <a:latin typeface="+mn-lt"/>
+                <a:ea typeface="+mn-ea"/>
+                <a:cs typeface="+mn-cs"/>
+              </a:defRPr>
+            </a:lvl3pPr>
+            <a:lvl4pPr marL="1242000" indent="-234000" algn="l" defTabSz="457200" rtl="0" eaLnBrk="1" latinLnBrk="0" hangingPunct="1">
+              <a:spcBef>
+                <a:spcPct val="20000"/>
+              </a:spcBef>
+              <a:spcAft>
+                <a:spcPts val="600"/>
+              </a:spcAft>
+              <a:buClr>
+                <a:schemeClr val="accent2"/>
+              </a:buClr>
+              <a:buSzPct val="92000"/>
+              <a:buFont typeface="Wingdings 2" panose="05020102010507070707" pitchFamily="18" charset="2"/>
+              <a:buChar char=""/>
+              <a:defRPr sz="1200" kern="1200">
+                <a:solidFill>
+                  <a:schemeClr val="tx2"/>
+                </a:solidFill>
+                <a:latin typeface="+mn-lt"/>
+                <a:ea typeface="+mn-ea"/>
+                <a:cs typeface="+mn-cs"/>
+              </a:defRPr>
+            </a:lvl4pPr>
+            <a:lvl5pPr marL="1602000" indent="-234000" algn="l" defTabSz="457200" rtl="0" eaLnBrk="1" latinLnBrk="0" hangingPunct="1">
+              <a:spcBef>
+                <a:spcPct val="20000"/>
+              </a:spcBef>
+              <a:spcAft>
+                <a:spcPts val="600"/>
+              </a:spcAft>
+              <a:buClr>
+                <a:schemeClr val="accent2"/>
+              </a:buClr>
+              <a:buSzPct val="92000"/>
+              <a:buFont typeface="Wingdings 2" panose="05020102010507070707" pitchFamily="18" charset="2"/>
+              <a:buChar char=""/>
+              <a:defRPr sz="1200" kern="1200">
+                <a:solidFill>
+                  <a:schemeClr val="tx2"/>
+                </a:solidFill>
+                <a:latin typeface="+mn-lt"/>
+                <a:ea typeface="+mn-ea"/>
+                <a:cs typeface="+mn-cs"/>
+              </a:defRPr>
+            </a:lvl5pPr>
+            <a:lvl6pPr marL="1900000" indent="-228600" algn="l" defTabSz="457200" rtl="0" eaLnBrk="1" latinLnBrk="0" hangingPunct="1">
+              <a:spcBef>
+                <a:spcPct val="20000"/>
+              </a:spcBef>
+              <a:spcAft>
+                <a:spcPts val="600"/>
+              </a:spcAft>
+              <a:buClr>
+                <a:schemeClr val="accent2"/>
+              </a:buClr>
+              <a:buSzPct val="92000"/>
+              <a:buFont typeface="Wingdings 2" panose="05020102010507070707" pitchFamily="18" charset="2"/>
+              <a:buChar char=""/>
+              <a:defRPr sz="1200" kern="1200">
+                <a:solidFill>
+                  <a:schemeClr val="tx2"/>
+                </a:solidFill>
+                <a:latin typeface="+mn-lt"/>
+                <a:ea typeface="+mn-ea"/>
+                <a:cs typeface="+mn-cs"/>
+              </a:defRPr>
+            </a:lvl6pPr>
+            <a:lvl7pPr marL="2200000" indent="-228600" algn="l" defTabSz="457200" rtl="0" eaLnBrk="1" latinLnBrk="0" hangingPunct="1">
+              <a:spcBef>
+                <a:spcPct val="20000"/>
+              </a:spcBef>
+              <a:spcAft>
+                <a:spcPts val="600"/>
+              </a:spcAft>
+              <a:buClr>
+                <a:schemeClr val="accent2"/>
+              </a:buClr>
+              <a:buSzPct val="92000"/>
+              <a:buFont typeface="Wingdings 2" panose="05020102010507070707" pitchFamily="18" charset="2"/>
+              <a:buChar char=""/>
+              <a:defRPr sz="1200" kern="1200">
+                <a:solidFill>
+                  <a:schemeClr val="tx2"/>
+                </a:solidFill>
+                <a:latin typeface="+mn-lt"/>
+                <a:ea typeface="+mn-ea"/>
+                <a:cs typeface="+mn-cs"/>
+              </a:defRPr>
+            </a:lvl7pPr>
+            <a:lvl8pPr marL="2500000" indent="-228600" algn="l" defTabSz="457200" rtl="0" eaLnBrk="1" latinLnBrk="0" hangingPunct="1">
+              <a:spcBef>
+                <a:spcPct val="20000"/>
+              </a:spcBef>
+              <a:spcAft>
+                <a:spcPts val="600"/>
+              </a:spcAft>
+              <a:buClr>
+                <a:schemeClr val="accent2"/>
+              </a:buClr>
+              <a:buSzPct val="92000"/>
+              <a:buFont typeface="Wingdings 2" panose="05020102010507070707" pitchFamily="18" charset="2"/>
+              <a:buChar char=""/>
+              <a:defRPr sz="1200" kern="1200">
+                <a:solidFill>
+                  <a:schemeClr val="tx2"/>
+                </a:solidFill>
+                <a:latin typeface="+mn-lt"/>
+                <a:ea typeface="+mn-ea"/>
+                <a:cs typeface="+mn-cs"/>
+              </a:defRPr>
+            </a:lvl8pPr>
+            <a:lvl9pPr marL="2800000" indent="-228600" algn="l" defTabSz="457200" rtl="0" eaLnBrk="1" latinLnBrk="0" hangingPunct="1">
+              <a:spcBef>
+                <a:spcPct val="20000"/>
+              </a:spcBef>
+              <a:spcAft>
+                <a:spcPts val="600"/>
+              </a:spcAft>
+              <a:buClr>
+                <a:schemeClr val="accent2"/>
+              </a:buClr>
+              <a:buSzPct val="92000"/>
+              <a:buFont typeface="Wingdings 2" panose="05020102010507070707" pitchFamily="18" charset="2"/>
+              <a:buChar char=""/>
+              <a:defRPr sz="1200" kern="1200">
+                <a:solidFill>
+                  <a:schemeClr val="tx2"/>
+                </a:solidFill>
+                <a:latin typeface="+mn-lt"/>
+                <a:ea typeface="+mn-ea"/>
+                <a:cs typeface="+mn-cs"/>
+              </a:defRPr>
+            </a:lvl9pPr>
+          </a:lstStyle>
+          <a:p>
+            <a:pPr>
+              <a:lnSpc>
+                <a:spcPct val="90000"/>
+              </a:lnSpc>
+              <a:buFont typeface="Wingdings" pitchFamily="2" charset="2"/>
+              <a:buNone/>
+            </a:pPr>
+            <a:endParaRPr lang="en-US" altLang="en-US" sz="2400" dirty="0"/>
+          </a:p>
+        </p:txBody>
+      </p:sp>
+      <p:sp>
+        <p:nvSpPr>
           <p:cNvPr id="7" name="Rectangle 3">
             <a:extLst>
               <a:ext uri="{FF2B5EF4-FFF2-40B4-BE49-F238E27FC236}">
@@ -6650,7 +7024,7 @@
 </p:sld>
 </file>
 
-<file path=ppt/slides/slide16.xml><?xml version="1.0" encoding="utf-8"?>
+<file path=ppt/slides/slide17.xml><?xml version="1.0" encoding="utf-8"?>
 <p:sld xmlns:a="http://schemas.openxmlformats.org/drawingml/2006/main" xmlns:r="http://schemas.openxmlformats.org/officeDocument/2006/relationships" xmlns:p="http://schemas.openxmlformats.org/presentationml/2006/main">
   <p:cSld>
     <p:spTree>
@@ -7123,7 +7497,7 @@
 </p:sld>
 </file>
 
-<file path=ppt/slides/slide17.xml><?xml version="1.0" encoding="utf-8"?>
+<file path=ppt/slides/slide18.xml><?xml version="1.0" encoding="utf-8"?>
 <p:sld xmlns:a="http://schemas.openxmlformats.org/drawingml/2006/main" xmlns:r="http://schemas.openxmlformats.org/officeDocument/2006/relationships" xmlns:p="http://schemas.openxmlformats.org/presentationml/2006/main">
   <p:cSld>
     <p:spTree>
@@ -8547,7 +8921,7 @@
 </p:sld>
 </file>
 
-<file path=ppt/slides/slide18.xml><?xml version="1.0" encoding="utf-8"?>
+<file path=ppt/slides/slide19.xml><?xml version="1.0" encoding="utf-8"?>
 <p:sld xmlns:a="http://schemas.openxmlformats.org/drawingml/2006/main" xmlns:r="http://schemas.openxmlformats.org/officeDocument/2006/relationships" xmlns:p="http://schemas.openxmlformats.org/presentationml/2006/main">
   <p:cSld>
     <p:spTree>
@@ -9084,557 +9458,6 @@
 </p:sld>
 </file>
 
-<file path=ppt/slides/slide19.xml><?xml version="1.0" encoding="utf-8"?>
-<p:sld xmlns:a="http://schemas.openxmlformats.org/drawingml/2006/main" xmlns:r="http://schemas.openxmlformats.org/officeDocument/2006/relationships" xmlns:p="http://schemas.openxmlformats.org/presentationml/2006/main">
-  <p:cSld>
-    <p:spTree>
-      <p:nvGrpSpPr>
-        <p:cNvPr id="1" name=""/>
-        <p:cNvGrpSpPr/>
-        <p:nvPr/>
-      </p:nvGrpSpPr>
-      <p:grpSpPr>
-        <a:xfrm>
-          <a:off x="0" y="0"/>
-          <a:ext cx="0" cy="0"/>
-          <a:chOff x="0" y="0"/>
-          <a:chExt cx="0" cy="0"/>
-        </a:xfrm>
-      </p:grpSpPr>
-      <p:sp>
-        <p:nvSpPr>
-          <p:cNvPr id="2" name="Title 1">
-            <a:extLst>
-              <a:ext uri="{FF2B5EF4-FFF2-40B4-BE49-F238E27FC236}">
-                <a16:creationId xmlns:a16="http://schemas.microsoft.com/office/drawing/2014/main" id="{99BFFE90-2403-C34E-9F28-08D777E9E009}"/>
-              </a:ext>
-            </a:extLst>
-          </p:cNvPr>
-          <p:cNvSpPr>
-            <a:spLocks noGrp="1"/>
-          </p:cNvSpPr>
-          <p:nvPr>
-            <p:ph type="title"/>
-          </p:nvPr>
-        </p:nvSpPr>
-        <p:spPr>
-          <a:xfrm>
-            <a:off x="581191" y="702156"/>
-            <a:ext cx="13822463" cy="1089212"/>
-          </a:xfrm>
-        </p:spPr>
-        <p:txBody>
-          <a:bodyPr>
-            <a:normAutofit/>
-          </a:bodyPr>
-          <a:lstStyle/>
-          <a:p>
-            <a:r>
-              <a:rPr lang="en-US" sz="2400" dirty="0"/>
-              <a:t>Models – unsupervised learning MODELS</a:t>
-            </a:r>
-          </a:p>
-        </p:txBody>
-      </p:sp>
-      <p:sp>
-        <p:nvSpPr>
-          <p:cNvPr id="4" name="Rectangle 3">
-            <a:extLst>
-              <a:ext uri="{FF2B5EF4-FFF2-40B4-BE49-F238E27FC236}">
-                <a16:creationId xmlns:a16="http://schemas.microsoft.com/office/drawing/2014/main" id="{8F9EBE7F-A93E-8B48-AAC9-32847078FAD5}"/>
-              </a:ext>
-            </a:extLst>
-          </p:cNvPr>
-          <p:cNvSpPr txBox="1">
-            <a:spLocks noChangeArrowheads="1"/>
-          </p:cNvSpPr>
-          <p:nvPr/>
-        </p:nvSpPr>
-        <p:spPr>
-          <a:xfrm>
-            <a:off x="503237" y="1268413"/>
-            <a:ext cx="10313445" cy="5377714"/>
-          </a:xfrm>
-          <a:prstGeom prst="rect">
-            <a:avLst/>
-          </a:prstGeom>
-        </p:spPr>
-        <p:txBody>
-          <a:bodyPr vert="horz" lIns="91440" tIns="45720" rIns="91440" bIns="45720" rtlCol="0" anchor="ctr">
-            <a:normAutofit/>
-          </a:bodyPr>
-          <a:lstStyle>
-            <a:lvl1pPr marL="306000" indent="-306000" algn="l" defTabSz="457200" rtl="0" eaLnBrk="1" latinLnBrk="0" hangingPunct="1">
-              <a:spcBef>
-                <a:spcPct val="20000"/>
-              </a:spcBef>
-              <a:spcAft>
-                <a:spcPts val="600"/>
-              </a:spcAft>
-              <a:buClr>
-                <a:schemeClr val="accent2"/>
-              </a:buClr>
-              <a:buSzPct val="92000"/>
-              <a:buFont typeface="Wingdings 2" panose="05020102010507070707" pitchFamily="18" charset="2"/>
-              <a:buChar char=""/>
-              <a:defRPr sz="1800" kern="1200">
-                <a:solidFill>
-                  <a:schemeClr val="tx2"/>
-                </a:solidFill>
-                <a:latin typeface="+mn-lt"/>
-                <a:ea typeface="+mn-ea"/>
-                <a:cs typeface="+mn-cs"/>
-              </a:defRPr>
-            </a:lvl1pPr>
-            <a:lvl2pPr marL="630000" indent="-306000" algn="l" defTabSz="457200" rtl="0" eaLnBrk="1" latinLnBrk="0" hangingPunct="1">
-              <a:spcBef>
-                <a:spcPct val="20000"/>
-              </a:spcBef>
-              <a:spcAft>
-                <a:spcPts val="600"/>
-              </a:spcAft>
-              <a:buClr>
-                <a:schemeClr val="accent2"/>
-              </a:buClr>
-              <a:buSzPct val="92000"/>
-              <a:buFont typeface="Wingdings 2" panose="05020102010507070707" pitchFamily="18" charset="2"/>
-              <a:buChar char=""/>
-              <a:defRPr sz="1600" kern="1200">
-                <a:solidFill>
-                  <a:schemeClr val="tx2"/>
-                </a:solidFill>
-                <a:latin typeface="+mn-lt"/>
-                <a:ea typeface="+mn-ea"/>
-                <a:cs typeface="+mn-cs"/>
-              </a:defRPr>
-            </a:lvl2pPr>
-            <a:lvl3pPr marL="900000" indent="-270000" algn="l" defTabSz="457200" rtl="0" eaLnBrk="1" latinLnBrk="0" hangingPunct="1">
-              <a:spcBef>
-                <a:spcPct val="20000"/>
-              </a:spcBef>
-              <a:spcAft>
-                <a:spcPts val="600"/>
-              </a:spcAft>
-              <a:buClr>
-                <a:schemeClr val="accent2"/>
-              </a:buClr>
-              <a:buSzPct val="92000"/>
-              <a:buFont typeface="Wingdings 2" panose="05020102010507070707" pitchFamily="18" charset="2"/>
-              <a:buChar char=""/>
-              <a:defRPr sz="1400" kern="1200">
-                <a:solidFill>
-                  <a:schemeClr val="tx2"/>
-                </a:solidFill>
-                <a:latin typeface="+mn-lt"/>
-                <a:ea typeface="+mn-ea"/>
-                <a:cs typeface="+mn-cs"/>
-              </a:defRPr>
-            </a:lvl3pPr>
-            <a:lvl4pPr marL="1242000" indent="-234000" algn="l" defTabSz="457200" rtl="0" eaLnBrk="1" latinLnBrk="0" hangingPunct="1">
-              <a:spcBef>
-                <a:spcPct val="20000"/>
-              </a:spcBef>
-              <a:spcAft>
-                <a:spcPts val="600"/>
-              </a:spcAft>
-              <a:buClr>
-                <a:schemeClr val="accent2"/>
-              </a:buClr>
-              <a:buSzPct val="92000"/>
-              <a:buFont typeface="Wingdings 2" panose="05020102010507070707" pitchFamily="18" charset="2"/>
-              <a:buChar char=""/>
-              <a:defRPr sz="1200" kern="1200">
-                <a:solidFill>
-                  <a:schemeClr val="tx2"/>
-                </a:solidFill>
-                <a:latin typeface="+mn-lt"/>
-                <a:ea typeface="+mn-ea"/>
-                <a:cs typeface="+mn-cs"/>
-              </a:defRPr>
-            </a:lvl4pPr>
-            <a:lvl5pPr marL="1602000" indent="-234000" algn="l" defTabSz="457200" rtl="0" eaLnBrk="1" latinLnBrk="0" hangingPunct="1">
-              <a:spcBef>
-                <a:spcPct val="20000"/>
-              </a:spcBef>
-              <a:spcAft>
-                <a:spcPts val="600"/>
-              </a:spcAft>
-              <a:buClr>
-                <a:schemeClr val="accent2"/>
-              </a:buClr>
-              <a:buSzPct val="92000"/>
-              <a:buFont typeface="Wingdings 2" panose="05020102010507070707" pitchFamily="18" charset="2"/>
-              <a:buChar char=""/>
-              <a:defRPr sz="1200" kern="1200">
-                <a:solidFill>
-                  <a:schemeClr val="tx2"/>
-                </a:solidFill>
-                <a:latin typeface="+mn-lt"/>
-                <a:ea typeface="+mn-ea"/>
-                <a:cs typeface="+mn-cs"/>
-              </a:defRPr>
-            </a:lvl5pPr>
-            <a:lvl6pPr marL="1900000" indent="-228600" algn="l" defTabSz="457200" rtl="0" eaLnBrk="1" latinLnBrk="0" hangingPunct="1">
-              <a:spcBef>
-                <a:spcPct val="20000"/>
-              </a:spcBef>
-              <a:spcAft>
-                <a:spcPts val="600"/>
-              </a:spcAft>
-              <a:buClr>
-                <a:schemeClr val="accent2"/>
-              </a:buClr>
-              <a:buSzPct val="92000"/>
-              <a:buFont typeface="Wingdings 2" panose="05020102010507070707" pitchFamily="18" charset="2"/>
-              <a:buChar char=""/>
-              <a:defRPr sz="1200" kern="1200">
-                <a:solidFill>
-                  <a:schemeClr val="tx2"/>
-                </a:solidFill>
-                <a:latin typeface="+mn-lt"/>
-                <a:ea typeface="+mn-ea"/>
-                <a:cs typeface="+mn-cs"/>
-              </a:defRPr>
-            </a:lvl6pPr>
-            <a:lvl7pPr marL="2200000" indent="-228600" algn="l" defTabSz="457200" rtl="0" eaLnBrk="1" latinLnBrk="0" hangingPunct="1">
-              <a:spcBef>
-                <a:spcPct val="20000"/>
-              </a:spcBef>
-              <a:spcAft>
-                <a:spcPts val="600"/>
-              </a:spcAft>
-              <a:buClr>
-                <a:schemeClr val="accent2"/>
-              </a:buClr>
-              <a:buSzPct val="92000"/>
-              <a:buFont typeface="Wingdings 2" panose="05020102010507070707" pitchFamily="18" charset="2"/>
-              <a:buChar char=""/>
-              <a:defRPr sz="1200" kern="1200">
-                <a:solidFill>
-                  <a:schemeClr val="tx2"/>
-                </a:solidFill>
-                <a:latin typeface="+mn-lt"/>
-                <a:ea typeface="+mn-ea"/>
-                <a:cs typeface="+mn-cs"/>
-              </a:defRPr>
-            </a:lvl7pPr>
-            <a:lvl8pPr marL="2500000" indent="-228600" algn="l" defTabSz="457200" rtl="0" eaLnBrk="1" latinLnBrk="0" hangingPunct="1">
-              <a:spcBef>
-                <a:spcPct val="20000"/>
-              </a:spcBef>
-              <a:spcAft>
-                <a:spcPts val="600"/>
-              </a:spcAft>
-              <a:buClr>
-                <a:schemeClr val="accent2"/>
-              </a:buClr>
-              <a:buSzPct val="92000"/>
-              <a:buFont typeface="Wingdings 2" panose="05020102010507070707" pitchFamily="18" charset="2"/>
-              <a:buChar char=""/>
-              <a:defRPr sz="1200" kern="1200">
-                <a:solidFill>
-                  <a:schemeClr val="tx2"/>
-                </a:solidFill>
-                <a:latin typeface="+mn-lt"/>
-                <a:ea typeface="+mn-ea"/>
-                <a:cs typeface="+mn-cs"/>
-              </a:defRPr>
-            </a:lvl8pPr>
-            <a:lvl9pPr marL="2800000" indent="-228600" algn="l" defTabSz="457200" rtl="0" eaLnBrk="1" latinLnBrk="0" hangingPunct="1">
-              <a:spcBef>
-                <a:spcPct val="20000"/>
-              </a:spcBef>
-              <a:spcAft>
-                <a:spcPts val="600"/>
-              </a:spcAft>
-              <a:buClr>
-                <a:schemeClr val="accent2"/>
-              </a:buClr>
-              <a:buSzPct val="92000"/>
-              <a:buFont typeface="Wingdings 2" panose="05020102010507070707" pitchFamily="18" charset="2"/>
-              <a:buChar char=""/>
-              <a:defRPr sz="1200" kern="1200">
-                <a:solidFill>
-                  <a:schemeClr val="tx2"/>
-                </a:solidFill>
-                <a:latin typeface="+mn-lt"/>
-                <a:ea typeface="+mn-ea"/>
-                <a:cs typeface="+mn-cs"/>
-              </a:defRPr>
-            </a:lvl9pPr>
-          </a:lstStyle>
-          <a:p>
-            <a:pPr>
-              <a:lnSpc>
-                <a:spcPct val="90000"/>
-              </a:lnSpc>
-              <a:buFont typeface="Wingdings" pitchFamily="2" charset="2"/>
-              <a:buNone/>
-            </a:pPr>
-            <a:endParaRPr lang="en-US" altLang="en-US" sz="2400" dirty="0"/>
-          </a:p>
-        </p:txBody>
-      </p:sp>
-      <p:sp>
-        <p:nvSpPr>
-          <p:cNvPr id="8" name="Rectangle 3">
-            <a:extLst>
-              <a:ext uri="{FF2B5EF4-FFF2-40B4-BE49-F238E27FC236}">
-                <a16:creationId xmlns:a16="http://schemas.microsoft.com/office/drawing/2014/main" id="{CFB87120-5C3F-2246-8A4F-1189D4DAE4E1}"/>
-              </a:ext>
-            </a:extLst>
-          </p:cNvPr>
-          <p:cNvSpPr txBox="1">
-            <a:spLocks noChangeArrowheads="1"/>
-          </p:cNvSpPr>
-          <p:nvPr/>
-        </p:nvSpPr>
-        <p:spPr>
-          <a:xfrm>
-            <a:off x="851100" y="2310919"/>
-            <a:ext cx="5244900" cy="3844925"/>
-          </a:xfrm>
-          <a:prstGeom prst="rect">
-            <a:avLst/>
-          </a:prstGeom>
-        </p:spPr>
-        <p:txBody>
-          <a:bodyPr vert="horz" lIns="91440" tIns="45720" rIns="91440" bIns="45720" rtlCol="0" anchor="ctr">
-            <a:noAutofit/>
-          </a:bodyPr>
-          <a:lstStyle>
-            <a:lvl1pPr marL="306000" indent="-306000" algn="l" defTabSz="457200" rtl="0" eaLnBrk="1" latinLnBrk="0" hangingPunct="1">
-              <a:spcBef>
-                <a:spcPct val="20000"/>
-              </a:spcBef>
-              <a:spcAft>
-                <a:spcPts val="600"/>
-              </a:spcAft>
-              <a:buClr>
-                <a:schemeClr val="accent2"/>
-              </a:buClr>
-              <a:buSzPct val="92000"/>
-              <a:buFont typeface="Wingdings 2" panose="05020102010507070707" pitchFamily="18" charset="2"/>
-              <a:buChar char=""/>
-              <a:defRPr sz="1800" kern="1200">
-                <a:solidFill>
-                  <a:schemeClr val="tx2"/>
-                </a:solidFill>
-                <a:latin typeface="+mn-lt"/>
-                <a:ea typeface="+mn-ea"/>
-                <a:cs typeface="+mn-cs"/>
-              </a:defRPr>
-            </a:lvl1pPr>
-            <a:lvl2pPr marL="630000" indent="-306000" algn="l" defTabSz="457200" rtl="0" eaLnBrk="1" latinLnBrk="0" hangingPunct="1">
-              <a:spcBef>
-                <a:spcPct val="20000"/>
-              </a:spcBef>
-              <a:spcAft>
-                <a:spcPts val="600"/>
-              </a:spcAft>
-              <a:buClr>
-                <a:schemeClr val="accent2"/>
-              </a:buClr>
-              <a:buSzPct val="92000"/>
-              <a:buFont typeface="Wingdings 2" panose="05020102010507070707" pitchFamily="18" charset="2"/>
-              <a:buChar char=""/>
-              <a:defRPr sz="1600" kern="1200">
-                <a:solidFill>
-                  <a:schemeClr val="tx2"/>
-                </a:solidFill>
-                <a:latin typeface="+mn-lt"/>
-                <a:ea typeface="+mn-ea"/>
-                <a:cs typeface="+mn-cs"/>
-              </a:defRPr>
-            </a:lvl2pPr>
-            <a:lvl3pPr marL="900000" indent="-270000" algn="l" defTabSz="457200" rtl="0" eaLnBrk="1" latinLnBrk="0" hangingPunct="1">
-              <a:spcBef>
-                <a:spcPct val="20000"/>
-              </a:spcBef>
-              <a:spcAft>
-                <a:spcPts val="600"/>
-              </a:spcAft>
-              <a:buClr>
-                <a:schemeClr val="accent2"/>
-              </a:buClr>
-              <a:buSzPct val="92000"/>
-              <a:buFont typeface="Wingdings 2" panose="05020102010507070707" pitchFamily="18" charset="2"/>
-              <a:buChar char=""/>
-              <a:defRPr sz="1400" kern="1200">
-                <a:solidFill>
-                  <a:schemeClr val="tx2"/>
-                </a:solidFill>
-                <a:latin typeface="+mn-lt"/>
-                <a:ea typeface="+mn-ea"/>
-                <a:cs typeface="+mn-cs"/>
-              </a:defRPr>
-            </a:lvl3pPr>
-            <a:lvl4pPr marL="1242000" indent="-234000" algn="l" defTabSz="457200" rtl="0" eaLnBrk="1" latinLnBrk="0" hangingPunct="1">
-              <a:spcBef>
-                <a:spcPct val="20000"/>
-              </a:spcBef>
-              <a:spcAft>
-                <a:spcPts val="600"/>
-              </a:spcAft>
-              <a:buClr>
-                <a:schemeClr val="accent2"/>
-              </a:buClr>
-              <a:buSzPct val="92000"/>
-              <a:buFont typeface="Wingdings 2" panose="05020102010507070707" pitchFamily="18" charset="2"/>
-              <a:buChar char=""/>
-              <a:defRPr sz="1200" kern="1200">
-                <a:solidFill>
-                  <a:schemeClr val="tx2"/>
-                </a:solidFill>
-                <a:latin typeface="+mn-lt"/>
-                <a:ea typeface="+mn-ea"/>
-                <a:cs typeface="+mn-cs"/>
-              </a:defRPr>
-            </a:lvl4pPr>
-            <a:lvl5pPr marL="1602000" indent="-234000" algn="l" defTabSz="457200" rtl="0" eaLnBrk="1" latinLnBrk="0" hangingPunct="1">
-              <a:spcBef>
-                <a:spcPct val="20000"/>
-              </a:spcBef>
-              <a:spcAft>
-                <a:spcPts val="600"/>
-              </a:spcAft>
-              <a:buClr>
-                <a:schemeClr val="accent2"/>
-              </a:buClr>
-              <a:buSzPct val="92000"/>
-              <a:buFont typeface="Wingdings 2" panose="05020102010507070707" pitchFamily="18" charset="2"/>
-              <a:buChar char=""/>
-              <a:defRPr sz="1200" kern="1200">
-                <a:solidFill>
-                  <a:schemeClr val="tx2"/>
-                </a:solidFill>
-                <a:latin typeface="+mn-lt"/>
-                <a:ea typeface="+mn-ea"/>
-                <a:cs typeface="+mn-cs"/>
-              </a:defRPr>
-            </a:lvl5pPr>
-            <a:lvl6pPr marL="1900000" indent="-228600" algn="l" defTabSz="457200" rtl="0" eaLnBrk="1" latinLnBrk="0" hangingPunct="1">
-              <a:spcBef>
-                <a:spcPct val="20000"/>
-              </a:spcBef>
-              <a:spcAft>
-                <a:spcPts val="600"/>
-              </a:spcAft>
-              <a:buClr>
-                <a:schemeClr val="accent2"/>
-              </a:buClr>
-              <a:buSzPct val="92000"/>
-              <a:buFont typeface="Wingdings 2" panose="05020102010507070707" pitchFamily="18" charset="2"/>
-              <a:buChar char=""/>
-              <a:defRPr sz="1200" kern="1200">
-                <a:solidFill>
-                  <a:schemeClr val="tx2"/>
-                </a:solidFill>
-                <a:latin typeface="+mn-lt"/>
-                <a:ea typeface="+mn-ea"/>
-                <a:cs typeface="+mn-cs"/>
-              </a:defRPr>
-            </a:lvl6pPr>
-            <a:lvl7pPr marL="2200000" indent="-228600" algn="l" defTabSz="457200" rtl="0" eaLnBrk="1" latinLnBrk="0" hangingPunct="1">
-              <a:spcBef>
-                <a:spcPct val="20000"/>
-              </a:spcBef>
-              <a:spcAft>
-                <a:spcPts val="600"/>
-              </a:spcAft>
-              <a:buClr>
-                <a:schemeClr val="accent2"/>
-              </a:buClr>
-              <a:buSzPct val="92000"/>
-              <a:buFont typeface="Wingdings 2" panose="05020102010507070707" pitchFamily="18" charset="2"/>
-              <a:buChar char=""/>
-              <a:defRPr sz="1200" kern="1200">
-                <a:solidFill>
-                  <a:schemeClr val="tx2"/>
-                </a:solidFill>
-                <a:latin typeface="+mn-lt"/>
-                <a:ea typeface="+mn-ea"/>
-                <a:cs typeface="+mn-cs"/>
-              </a:defRPr>
-            </a:lvl7pPr>
-            <a:lvl8pPr marL="2500000" indent="-228600" algn="l" defTabSz="457200" rtl="0" eaLnBrk="1" latinLnBrk="0" hangingPunct="1">
-              <a:spcBef>
-                <a:spcPct val="20000"/>
-              </a:spcBef>
-              <a:spcAft>
-                <a:spcPts val="600"/>
-              </a:spcAft>
-              <a:buClr>
-                <a:schemeClr val="accent2"/>
-              </a:buClr>
-              <a:buSzPct val="92000"/>
-              <a:buFont typeface="Wingdings 2" panose="05020102010507070707" pitchFamily="18" charset="2"/>
-              <a:buChar char=""/>
-              <a:defRPr sz="1200" kern="1200">
-                <a:solidFill>
-                  <a:schemeClr val="tx2"/>
-                </a:solidFill>
-                <a:latin typeface="+mn-lt"/>
-                <a:ea typeface="+mn-ea"/>
-                <a:cs typeface="+mn-cs"/>
-              </a:defRPr>
-            </a:lvl8pPr>
-            <a:lvl9pPr marL="2800000" indent="-228600" algn="l" defTabSz="457200" rtl="0" eaLnBrk="1" latinLnBrk="0" hangingPunct="1">
-              <a:spcBef>
-                <a:spcPct val="20000"/>
-              </a:spcBef>
-              <a:spcAft>
-                <a:spcPts val="600"/>
-              </a:spcAft>
-              <a:buClr>
-                <a:schemeClr val="accent2"/>
-              </a:buClr>
-              <a:buSzPct val="92000"/>
-              <a:buFont typeface="Wingdings 2" panose="05020102010507070707" pitchFamily="18" charset="2"/>
-              <a:buChar char=""/>
-              <a:defRPr sz="1200" kern="1200">
-                <a:solidFill>
-                  <a:schemeClr val="tx2"/>
-                </a:solidFill>
-                <a:latin typeface="+mn-lt"/>
-                <a:ea typeface="+mn-ea"/>
-                <a:cs typeface="+mn-cs"/>
-              </a:defRPr>
-            </a:lvl9pPr>
-          </a:lstStyle>
-          <a:p>
-            <a:r>
-              <a:rPr lang="en-US" altLang="en-US" sz="2800" b="1" dirty="0"/>
-              <a:t>K-means algorithm</a:t>
-            </a:r>
-          </a:p>
-          <a:p>
-            <a:r>
-              <a:rPr lang="en-US" altLang="en-US" sz="2800" b="1" dirty="0"/>
-              <a:t>Representation of clusters</a:t>
-            </a:r>
-          </a:p>
-          <a:p>
-            <a:r>
-              <a:rPr lang="en-US" altLang="en-US" sz="2800" b="1" dirty="0"/>
-              <a:t>Hierarchical clustering</a:t>
-            </a:r>
-          </a:p>
-        </p:txBody>
-      </p:sp>
-    </p:spTree>
-    <p:extLst>
-      <p:ext uri="{BB962C8B-B14F-4D97-AF65-F5344CB8AC3E}">
-        <p14:creationId xmlns:p14="http://schemas.microsoft.com/office/powerpoint/2010/main" val="1993410711"/>
-      </p:ext>
-    </p:extLst>
-  </p:cSld>
-  <p:clrMapOvr>
-    <a:masterClrMapping/>
-  </p:clrMapOvr>
-</p:sld>
-</file>
-
 <file path=ppt/slides/slide2.xml><?xml version="1.0" encoding="utf-8"?>
 <p:sld xmlns:a="http://schemas.openxmlformats.org/drawingml/2006/main" xmlns:r="http://schemas.openxmlformats.org/officeDocument/2006/relationships" xmlns:p="http://schemas.openxmlformats.org/presentationml/2006/main">
   <p:cSld>
@@ -9787,7 +9610,7 @@
           <a:p>
             <a:r>
               <a:rPr lang="en-US" sz="2400" dirty="0"/>
-              <a:t>Models</a:t>
+              <a:t>Models – unsupervised learning MODELS</a:t>
             </a:r>
           </a:p>
         </p:txBody>
@@ -10033,6 +9856,557 @@
       </p:sp>
       <p:sp>
         <p:nvSpPr>
+          <p:cNvPr id="8" name="Rectangle 3">
+            <a:extLst>
+              <a:ext uri="{FF2B5EF4-FFF2-40B4-BE49-F238E27FC236}">
+                <a16:creationId xmlns:a16="http://schemas.microsoft.com/office/drawing/2014/main" id="{CFB87120-5C3F-2246-8A4F-1189D4DAE4E1}"/>
+              </a:ext>
+            </a:extLst>
+          </p:cNvPr>
+          <p:cNvSpPr txBox="1">
+            <a:spLocks noChangeArrowheads="1"/>
+          </p:cNvSpPr>
+          <p:nvPr/>
+        </p:nvSpPr>
+        <p:spPr>
+          <a:xfrm>
+            <a:off x="851100" y="2310919"/>
+            <a:ext cx="5244900" cy="3844925"/>
+          </a:xfrm>
+          <a:prstGeom prst="rect">
+            <a:avLst/>
+          </a:prstGeom>
+        </p:spPr>
+        <p:txBody>
+          <a:bodyPr vert="horz" lIns="91440" tIns="45720" rIns="91440" bIns="45720" rtlCol="0" anchor="ctr">
+            <a:noAutofit/>
+          </a:bodyPr>
+          <a:lstStyle>
+            <a:lvl1pPr marL="306000" indent="-306000" algn="l" defTabSz="457200" rtl="0" eaLnBrk="1" latinLnBrk="0" hangingPunct="1">
+              <a:spcBef>
+                <a:spcPct val="20000"/>
+              </a:spcBef>
+              <a:spcAft>
+                <a:spcPts val="600"/>
+              </a:spcAft>
+              <a:buClr>
+                <a:schemeClr val="accent2"/>
+              </a:buClr>
+              <a:buSzPct val="92000"/>
+              <a:buFont typeface="Wingdings 2" panose="05020102010507070707" pitchFamily="18" charset="2"/>
+              <a:buChar char=""/>
+              <a:defRPr sz="1800" kern="1200">
+                <a:solidFill>
+                  <a:schemeClr val="tx2"/>
+                </a:solidFill>
+                <a:latin typeface="+mn-lt"/>
+                <a:ea typeface="+mn-ea"/>
+                <a:cs typeface="+mn-cs"/>
+              </a:defRPr>
+            </a:lvl1pPr>
+            <a:lvl2pPr marL="630000" indent="-306000" algn="l" defTabSz="457200" rtl="0" eaLnBrk="1" latinLnBrk="0" hangingPunct="1">
+              <a:spcBef>
+                <a:spcPct val="20000"/>
+              </a:spcBef>
+              <a:spcAft>
+                <a:spcPts val="600"/>
+              </a:spcAft>
+              <a:buClr>
+                <a:schemeClr val="accent2"/>
+              </a:buClr>
+              <a:buSzPct val="92000"/>
+              <a:buFont typeface="Wingdings 2" panose="05020102010507070707" pitchFamily="18" charset="2"/>
+              <a:buChar char=""/>
+              <a:defRPr sz="1600" kern="1200">
+                <a:solidFill>
+                  <a:schemeClr val="tx2"/>
+                </a:solidFill>
+                <a:latin typeface="+mn-lt"/>
+                <a:ea typeface="+mn-ea"/>
+                <a:cs typeface="+mn-cs"/>
+              </a:defRPr>
+            </a:lvl2pPr>
+            <a:lvl3pPr marL="900000" indent="-270000" algn="l" defTabSz="457200" rtl="0" eaLnBrk="1" latinLnBrk="0" hangingPunct="1">
+              <a:spcBef>
+                <a:spcPct val="20000"/>
+              </a:spcBef>
+              <a:spcAft>
+                <a:spcPts val="600"/>
+              </a:spcAft>
+              <a:buClr>
+                <a:schemeClr val="accent2"/>
+              </a:buClr>
+              <a:buSzPct val="92000"/>
+              <a:buFont typeface="Wingdings 2" panose="05020102010507070707" pitchFamily="18" charset="2"/>
+              <a:buChar char=""/>
+              <a:defRPr sz="1400" kern="1200">
+                <a:solidFill>
+                  <a:schemeClr val="tx2"/>
+                </a:solidFill>
+                <a:latin typeface="+mn-lt"/>
+                <a:ea typeface="+mn-ea"/>
+                <a:cs typeface="+mn-cs"/>
+              </a:defRPr>
+            </a:lvl3pPr>
+            <a:lvl4pPr marL="1242000" indent="-234000" algn="l" defTabSz="457200" rtl="0" eaLnBrk="1" latinLnBrk="0" hangingPunct="1">
+              <a:spcBef>
+                <a:spcPct val="20000"/>
+              </a:spcBef>
+              <a:spcAft>
+                <a:spcPts val="600"/>
+              </a:spcAft>
+              <a:buClr>
+                <a:schemeClr val="accent2"/>
+              </a:buClr>
+              <a:buSzPct val="92000"/>
+              <a:buFont typeface="Wingdings 2" panose="05020102010507070707" pitchFamily="18" charset="2"/>
+              <a:buChar char=""/>
+              <a:defRPr sz="1200" kern="1200">
+                <a:solidFill>
+                  <a:schemeClr val="tx2"/>
+                </a:solidFill>
+                <a:latin typeface="+mn-lt"/>
+                <a:ea typeface="+mn-ea"/>
+                <a:cs typeface="+mn-cs"/>
+              </a:defRPr>
+            </a:lvl4pPr>
+            <a:lvl5pPr marL="1602000" indent="-234000" algn="l" defTabSz="457200" rtl="0" eaLnBrk="1" latinLnBrk="0" hangingPunct="1">
+              <a:spcBef>
+                <a:spcPct val="20000"/>
+              </a:spcBef>
+              <a:spcAft>
+                <a:spcPts val="600"/>
+              </a:spcAft>
+              <a:buClr>
+                <a:schemeClr val="accent2"/>
+              </a:buClr>
+              <a:buSzPct val="92000"/>
+              <a:buFont typeface="Wingdings 2" panose="05020102010507070707" pitchFamily="18" charset="2"/>
+              <a:buChar char=""/>
+              <a:defRPr sz="1200" kern="1200">
+                <a:solidFill>
+                  <a:schemeClr val="tx2"/>
+                </a:solidFill>
+                <a:latin typeface="+mn-lt"/>
+                <a:ea typeface="+mn-ea"/>
+                <a:cs typeface="+mn-cs"/>
+              </a:defRPr>
+            </a:lvl5pPr>
+            <a:lvl6pPr marL="1900000" indent="-228600" algn="l" defTabSz="457200" rtl="0" eaLnBrk="1" latinLnBrk="0" hangingPunct="1">
+              <a:spcBef>
+                <a:spcPct val="20000"/>
+              </a:spcBef>
+              <a:spcAft>
+                <a:spcPts val="600"/>
+              </a:spcAft>
+              <a:buClr>
+                <a:schemeClr val="accent2"/>
+              </a:buClr>
+              <a:buSzPct val="92000"/>
+              <a:buFont typeface="Wingdings 2" panose="05020102010507070707" pitchFamily="18" charset="2"/>
+              <a:buChar char=""/>
+              <a:defRPr sz="1200" kern="1200">
+                <a:solidFill>
+                  <a:schemeClr val="tx2"/>
+                </a:solidFill>
+                <a:latin typeface="+mn-lt"/>
+                <a:ea typeface="+mn-ea"/>
+                <a:cs typeface="+mn-cs"/>
+              </a:defRPr>
+            </a:lvl6pPr>
+            <a:lvl7pPr marL="2200000" indent="-228600" algn="l" defTabSz="457200" rtl="0" eaLnBrk="1" latinLnBrk="0" hangingPunct="1">
+              <a:spcBef>
+                <a:spcPct val="20000"/>
+              </a:spcBef>
+              <a:spcAft>
+                <a:spcPts val="600"/>
+              </a:spcAft>
+              <a:buClr>
+                <a:schemeClr val="accent2"/>
+              </a:buClr>
+              <a:buSzPct val="92000"/>
+              <a:buFont typeface="Wingdings 2" panose="05020102010507070707" pitchFamily="18" charset="2"/>
+              <a:buChar char=""/>
+              <a:defRPr sz="1200" kern="1200">
+                <a:solidFill>
+                  <a:schemeClr val="tx2"/>
+                </a:solidFill>
+                <a:latin typeface="+mn-lt"/>
+                <a:ea typeface="+mn-ea"/>
+                <a:cs typeface="+mn-cs"/>
+              </a:defRPr>
+            </a:lvl7pPr>
+            <a:lvl8pPr marL="2500000" indent="-228600" algn="l" defTabSz="457200" rtl="0" eaLnBrk="1" latinLnBrk="0" hangingPunct="1">
+              <a:spcBef>
+                <a:spcPct val="20000"/>
+              </a:spcBef>
+              <a:spcAft>
+                <a:spcPts val="600"/>
+              </a:spcAft>
+              <a:buClr>
+                <a:schemeClr val="accent2"/>
+              </a:buClr>
+              <a:buSzPct val="92000"/>
+              <a:buFont typeface="Wingdings 2" panose="05020102010507070707" pitchFamily="18" charset="2"/>
+              <a:buChar char=""/>
+              <a:defRPr sz="1200" kern="1200">
+                <a:solidFill>
+                  <a:schemeClr val="tx2"/>
+                </a:solidFill>
+                <a:latin typeface="+mn-lt"/>
+                <a:ea typeface="+mn-ea"/>
+                <a:cs typeface="+mn-cs"/>
+              </a:defRPr>
+            </a:lvl8pPr>
+            <a:lvl9pPr marL="2800000" indent="-228600" algn="l" defTabSz="457200" rtl="0" eaLnBrk="1" latinLnBrk="0" hangingPunct="1">
+              <a:spcBef>
+                <a:spcPct val="20000"/>
+              </a:spcBef>
+              <a:spcAft>
+                <a:spcPts val="600"/>
+              </a:spcAft>
+              <a:buClr>
+                <a:schemeClr val="accent2"/>
+              </a:buClr>
+              <a:buSzPct val="92000"/>
+              <a:buFont typeface="Wingdings 2" panose="05020102010507070707" pitchFamily="18" charset="2"/>
+              <a:buChar char=""/>
+              <a:defRPr sz="1200" kern="1200">
+                <a:solidFill>
+                  <a:schemeClr val="tx2"/>
+                </a:solidFill>
+                <a:latin typeface="+mn-lt"/>
+                <a:ea typeface="+mn-ea"/>
+                <a:cs typeface="+mn-cs"/>
+              </a:defRPr>
+            </a:lvl9pPr>
+          </a:lstStyle>
+          <a:p>
+            <a:r>
+              <a:rPr lang="en-US" altLang="en-US" sz="2800" b="1" dirty="0"/>
+              <a:t>K-means algorithm</a:t>
+            </a:r>
+          </a:p>
+          <a:p>
+            <a:r>
+              <a:rPr lang="en-US" altLang="en-US" sz="2800" b="1" dirty="0"/>
+              <a:t>Representation of clusters</a:t>
+            </a:r>
+          </a:p>
+          <a:p>
+            <a:r>
+              <a:rPr lang="en-US" altLang="en-US" sz="2800" b="1" dirty="0"/>
+              <a:t>Hierarchical clustering</a:t>
+            </a:r>
+          </a:p>
+        </p:txBody>
+      </p:sp>
+    </p:spTree>
+    <p:extLst>
+      <p:ext uri="{BB962C8B-B14F-4D97-AF65-F5344CB8AC3E}">
+        <p14:creationId xmlns:p14="http://schemas.microsoft.com/office/powerpoint/2010/main" val="1993410711"/>
+      </p:ext>
+    </p:extLst>
+  </p:cSld>
+  <p:clrMapOvr>
+    <a:masterClrMapping/>
+  </p:clrMapOvr>
+</p:sld>
+</file>
+
+<file path=ppt/slides/slide21.xml><?xml version="1.0" encoding="utf-8"?>
+<p:sld xmlns:a="http://schemas.openxmlformats.org/drawingml/2006/main" xmlns:r="http://schemas.openxmlformats.org/officeDocument/2006/relationships" xmlns:p="http://schemas.openxmlformats.org/presentationml/2006/main">
+  <p:cSld>
+    <p:spTree>
+      <p:nvGrpSpPr>
+        <p:cNvPr id="1" name=""/>
+        <p:cNvGrpSpPr/>
+        <p:nvPr/>
+      </p:nvGrpSpPr>
+      <p:grpSpPr>
+        <a:xfrm>
+          <a:off x="0" y="0"/>
+          <a:ext cx="0" cy="0"/>
+          <a:chOff x="0" y="0"/>
+          <a:chExt cx="0" cy="0"/>
+        </a:xfrm>
+      </p:grpSpPr>
+      <p:sp>
+        <p:nvSpPr>
+          <p:cNvPr id="2" name="Title 1">
+            <a:extLst>
+              <a:ext uri="{FF2B5EF4-FFF2-40B4-BE49-F238E27FC236}">
+                <a16:creationId xmlns:a16="http://schemas.microsoft.com/office/drawing/2014/main" id="{99BFFE90-2403-C34E-9F28-08D777E9E009}"/>
+              </a:ext>
+            </a:extLst>
+          </p:cNvPr>
+          <p:cNvSpPr>
+            <a:spLocks noGrp="1"/>
+          </p:cNvSpPr>
+          <p:nvPr>
+            <p:ph type="title"/>
+          </p:nvPr>
+        </p:nvSpPr>
+        <p:spPr>
+          <a:xfrm>
+            <a:off x="581191" y="702156"/>
+            <a:ext cx="13822463" cy="1089212"/>
+          </a:xfrm>
+        </p:spPr>
+        <p:txBody>
+          <a:bodyPr>
+            <a:normAutofit/>
+          </a:bodyPr>
+          <a:lstStyle/>
+          <a:p>
+            <a:r>
+              <a:rPr lang="en-US" sz="2400" dirty="0"/>
+              <a:t>Models</a:t>
+            </a:r>
+          </a:p>
+        </p:txBody>
+      </p:sp>
+      <p:sp>
+        <p:nvSpPr>
+          <p:cNvPr id="4" name="Rectangle 3">
+            <a:extLst>
+              <a:ext uri="{FF2B5EF4-FFF2-40B4-BE49-F238E27FC236}">
+                <a16:creationId xmlns:a16="http://schemas.microsoft.com/office/drawing/2014/main" id="{8F9EBE7F-A93E-8B48-AAC9-32847078FAD5}"/>
+              </a:ext>
+            </a:extLst>
+          </p:cNvPr>
+          <p:cNvSpPr txBox="1">
+            <a:spLocks noChangeArrowheads="1"/>
+          </p:cNvSpPr>
+          <p:nvPr/>
+        </p:nvSpPr>
+        <p:spPr>
+          <a:xfrm>
+            <a:off x="503237" y="1268413"/>
+            <a:ext cx="10313445" cy="5377714"/>
+          </a:xfrm>
+          <a:prstGeom prst="rect">
+            <a:avLst/>
+          </a:prstGeom>
+        </p:spPr>
+        <p:txBody>
+          <a:bodyPr vert="horz" lIns="91440" tIns="45720" rIns="91440" bIns="45720" rtlCol="0" anchor="ctr">
+            <a:normAutofit/>
+          </a:bodyPr>
+          <a:lstStyle>
+            <a:lvl1pPr marL="306000" indent="-306000" algn="l" defTabSz="457200" rtl="0" eaLnBrk="1" latinLnBrk="0" hangingPunct="1">
+              <a:spcBef>
+                <a:spcPct val="20000"/>
+              </a:spcBef>
+              <a:spcAft>
+                <a:spcPts val="600"/>
+              </a:spcAft>
+              <a:buClr>
+                <a:schemeClr val="accent2"/>
+              </a:buClr>
+              <a:buSzPct val="92000"/>
+              <a:buFont typeface="Wingdings 2" panose="05020102010507070707" pitchFamily="18" charset="2"/>
+              <a:buChar char=""/>
+              <a:defRPr sz="1800" kern="1200">
+                <a:solidFill>
+                  <a:schemeClr val="tx2"/>
+                </a:solidFill>
+                <a:latin typeface="+mn-lt"/>
+                <a:ea typeface="+mn-ea"/>
+                <a:cs typeface="+mn-cs"/>
+              </a:defRPr>
+            </a:lvl1pPr>
+            <a:lvl2pPr marL="630000" indent="-306000" algn="l" defTabSz="457200" rtl="0" eaLnBrk="1" latinLnBrk="0" hangingPunct="1">
+              <a:spcBef>
+                <a:spcPct val="20000"/>
+              </a:spcBef>
+              <a:spcAft>
+                <a:spcPts val="600"/>
+              </a:spcAft>
+              <a:buClr>
+                <a:schemeClr val="accent2"/>
+              </a:buClr>
+              <a:buSzPct val="92000"/>
+              <a:buFont typeface="Wingdings 2" panose="05020102010507070707" pitchFamily="18" charset="2"/>
+              <a:buChar char=""/>
+              <a:defRPr sz="1600" kern="1200">
+                <a:solidFill>
+                  <a:schemeClr val="tx2"/>
+                </a:solidFill>
+                <a:latin typeface="+mn-lt"/>
+                <a:ea typeface="+mn-ea"/>
+                <a:cs typeface="+mn-cs"/>
+              </a:defRPr>
+            </a:lvl2pPr>
+            <a:lvl3pPr marL="900000" indent="-270000" algn="l" defTabSz="457200" rtl="0" eaLnBrk="1" latinLnBrk="0" hangingPunct="1">
+              <a:spcBef>
+                <a:spcPct val="20000"/>
+              </a:spcBef>
+              <a:spcAft>
+                <a:spcPts val="600"/>
+              </a:spcAft>
+              <a:buClr>
+                <a:schemeClr val="accent2"/>
+              </a:buClr>
+              <a:buSzPct val="92000"/>
+              <a:buFont typeface="Wingdings 2" panose="05020102010507070707" pitchFamily="18" charset="2"/>
+              <a:buChar char=""/>
+              <a:defRPr sz="1400" kern="1200">
+                <a:solidFill>
+                  <a:schemeClr val="tx2"/>
+                </a:solidFill>
+                <a:latin typeface="+mn-lt"/>
+                <a:ea typeface="+mn-ea"/>
+                <a:cs typeface="+mn-cs"/>
+              </a:defRPr>
+            </a:lvl3pPr>
+            <a:lvl4pPr marL="1242000" indent="-234000" algn="l" defTabSz="457200" rtl="0" eaLnBrk="1" latinLnBrk="0" hangingPunct="1">
+              <a:spcBef>
+                <a:spcPct val="20000"/>
+              </a:spcBef>
+              <a:spcAft>
+                <a:spcPts val="600"/>
+              </a:spcAft>
+              <a:buClr>
+                <a:schemeClr val="accent2"/>
+              </a:buClr>
+              <a:buSzPct val="92000"/>
+              <a:buFont typeface="Wingdings 2" panose="05020102010507070707" pitchFamily="18" charset="2"/>
+              <a:buChar char=""/>
+              <a:defRPr sz="1200" kern="1200">
+                <a:solidFill>
+                  <a:schemeClr val="tx2"/>
+                </a:solidFill>
+                <a:latin typeface="+mn-lt"/>
+                <a:ea typeface="+mn-ea"/>
+                <a:cs typeface="+mn-cs"/>
+              </a:defRPr>
+            </a:lvl4pPr>
+            <a:lvl5pPr marL="1602000" indent="-234000" algn="l" defTabSz="457200" rtl="0" eaLnBrk="1" latinLnBrk="0" hangingPunct="1">
+              <a:spcBef>
+                <a:spcPct val="20000"/>
+              </a:spcBef>
+              <a:spcAft>
+                <a:spcPts val="600"/>
+              </a:spcAft>
+              <a:buClr>
+                <a:schemeClr val="accent2"/>
+              </a:buClr>
+              <a:buSzPct val="92000"/>
+              <a:buFont typeface="Wingdings 2" panose="05020102010507070707" pitchFamily="18" charset="2"/>
+              <a:buChar char=""/>
+              <a:defRPr sz="1200" kern="1200">
+                <a:solidFill>
+                  <a:schemeClr val="tx2"/>
+                </a:solidFill>
+                <a:latin typeface="+mn-lt"/>
+                <a:ea typeface="+mn-ea"/>
+                <a:cs typeface="+mn-cs"/>
+              </a:defRPr>
+            </a:lvl5pPr>
+            <a:lvl6pPr marL="1900000" indent="-228600" algn="l" defTabSz="457200" rtl="0" eaLnBrk="1" latinLnBrk="0" hangingPunct="1">
+              <a:spcBef>
+                <a:spcPct val="20000"/>
+              </a:spcBef>
+              <a:spcAft>
+                <a:spcPts val="600"/>
+              </a:spcAft>
+              <a:buClr>
+                <a:schemeClr val="accent2"/>
+              </a:buClr>
+              <a:buSzPct val="92000"/>
+              <a:buFont typeface="Wingdings 2" panose="05020102010507070707" pitchFamily="18" charset="2"/>
+              <a:buChar char=""/>
+              <a:defRPr sz="1200" kern="1200">
+                <a:solidFill>
+                  <a:schemeClr val="tx2"/>
+                </a:solidFill>
+                <a:latin typeface="+mn-lt"/>
+                <a:ea typeface="+mn-ea"/>
+                <a:cs typeface="+mn-cs"/>
+              </a:defRPr>
+            </a:lvl6pPr>
+            <a:lvl7pPr marL="2200000" indent="-228600" algn="l" defTabSz="457200" rtl="0" eaLnBrk="1" latinLnBrk="0" hangingPunct="1">
+              <a:spcBef>
+                <a:spcPct val="20000"/>
+              </a:spcBef>
+              <a:spcAft>
+                <a:spcPts val="600"/>
+              </a:spcAft>
+              <a:buClr>
+                <a:schemeClr val="accent2"/>
+              </a:buClr>
+              <a:buSzPct val="92000"/>
+              <a:buFont typeface="Wingdings 2" panose="05020102010507070707" pitchFamily="18" charset="2"/>
+              <a:buChar char=""/>
+              <a:defRPr sz="1200" kern="1200">
+                <a:solidFill>
+                  <a:schemeClr val="tx2"/>
+                </a:solidFill>
+                <a:latin typeface="+mn-lt"/>
+                <a:ea typeface="+mn-ea"/>
+                <a:cs typeface="+mn-cs"/>
+              </a:defRPr>
+            </a:lvl7pPr>
+            <a:lvl8pPr marL="2500000" indent="-228600" algn="l" defTabSz="457200" rtl="0" eaLnBrk="1" latinLnBrk="0" hangingPunct="1">
+              <a:spcBef>
+                <a:spcPct val="20000"/>
+              </a:spcBef>
+              <a:spcAft>
+                <a:spcPts val="600"/>
+              </a:spcAft>
+              <a:buClr>
+                <a:schemeClr val="accent2"/>
+              </a:buClr>
+              <a:buSzPct val="92000"/>
+              <a:buFont typeface="Wingdings 2" panose="05020102010507070707" pitchFamily="18" charset="2"/>
+              <a:buChar char=""/>
+              <a:defRPr sz="1200" kern="1200">
+                <a:solidFill>
+                  <a:schemeClr val="tx2"/>
+                </a:solidFill>
+                <a:latin typeface="+mn-lt"/>
+                <a:ea typeface="+mn-ea"/>
+                <a:cs typeface="+mn-cs"/>
+              </a:defRPr>
+            </a:lvl8pPr>
+            <a:lvl9pPr marL="2800000" indent="-228600" algn="l" defTabSz="457200" rtl="0" eaLnBrk="1" latinLnBrk="0" hangingPunct="1">
+              <a:spcBef>
+                <a:spcPct val="20000"/>
+              </a:spcBef>
+              <a:spcAft>
+                <a:spcPts val="600"/>
+              </a:spcAft>
+              <a:buClr>
+                <a:schemeClr val="accent2"/>
+              </a:buClr>
+              <a:buSzPct val="92000"/>
+              <a:buFont typeface="Wingdings 2" panose="05020102010507070707" pitchFamily="18" charset="2"/>
+              <a:buChar char=""/>
+              <a:defRPr sz="1200" kern="1200">
+                <a:solidFill>
+                  <a:schemeClr val="tx2"/>
+                </a:solidFill>
+                <a:latin typeface="+mn-lt"/>
+                <a:ea typeface="+mn-ea"/>
+                <a:cs typeface="+mn-cs"/>
+              </a:defRPr>
+            </a:lvl9pPr>
+          </a:lstStyle>
+          <a:p>
+            <a:pPr>
+              <a:lnSpc>
+                <a:spcPct val="90000"/>
+              </a:lnSpc>
+              <a:buFont typeface="Wingdings" pitchFamily="2" charset="2"/>
+              <a:buNone/>
+            </a:pPr>
+            <a:endParaRPr lang="en-US" altLang="en-US" sz="2400" dirty="0"/>
+          </a:p>
+        </p:txBody>
+      </p:sp>
+      <p:sp>
+        <p:nvSpPr>
           <p:cNvPr id="5" name="Rectangle 3">
             <a:extLst>
               <a:ext uri="{FF2B5EF4-FFF2-40B4-BE49-F238E27FC236}">
@@ -10322,7 +10696,7 @@
 </p:sld>
 </file>
 
-<file path=ppt/slides/slide21.xml><?xml version="1.0" encoding="utf-8"?>
+<file path=ppt/slides/slide22.xml><?xml version="1.0" encoding="utf-8"?>
 <p:sld xmlns:a="http://schemas.openxmlformats.org/drawingml/2006/main" xmlns:r="http://schemas.openxmlformats.org/officeDocument/2006/relationships" xmlns:p="http://schemas.openxmlformats.org/presentationml/2006/main">
   <p:cSld>
     <p:spTree>
@@ -11388,7 +11762,7 @@
 </p:sld>
 </file>
 
-<file path=ppt/slides/slide22.xml><?xml version="1.0" encoding="utf-8"?>
+<file path=ppt/slides/slide23.xml><?xml version="1.0" encoding="utf-8"?>
 <p:sld xmlns:a="http://schemas.openxmlformats.org/drawingml/2006/main" xmlns:r="http://schemas.openxmlformats.org/officeDocument/2006/relationships" xmlns:p="http://schemas.openxmlformats.org/presentationml/2006/main">
   <p:cSld>
     <p:spTree>
@@ -14790,7 +15164,7 @@
 </p:sld>
 </file>
 
-<file path=ppt/slides/slide23.xml><?xml version="1.0" encoding="utf-8"?>
+<file path=ppt/slides/slide24.xml><?xml version="1.0" encoding="utf-8"?>
 <p:sld xmlns:a="http://schemas.openxmlformats.org/drawingml/2006/main" xmlns:r="http://schemas.openxmlformats.org/officeDocument/2006/relationships" xmlns:p="http://schemas.openxmlformats.org/presentationml/2006/main">
   <p:cSld>
     <p:spTree>
@@ -15802,7 +16176,7 @@
 </p:sld>
 </file>
 
-<file path=ppt/slides/slide24.xml><?xml version="1.0" encoding="utf-8"?>
+<file path=ppt/slides/slide25.xml><?xml version="1.0" encoding="utf-8"?>
 <p:sld xmlns:a="http://schemas.openxmlformats.org/drawingml/2006/main" xmlns:r="http://schemas.openxmlformats.org/officeDocument/2006/relationships" xmlns:p="http://schemas.openxmlformats.org/presentationml/2006/main">
   <p:cSld>
     <p:spTree>
@@ -16071,7 +16445,7 @@
 </p:sld>
 </file>
 
-<file path=ppt/slides/slide25.xml><?xml version="1.0" encoding="utf-8"?>
+<file path=ppt/slides/slide26.xml><?xml version="1.0" encoding="utf-8"?>
 <p:sld xmlns:a="http://schemas.openxmlformats.org/drawingml/2006/main" xmlns:r="http://schemas.openxmlformats.org/officeDocument/2006/relationships" xmlns:p="http://schemas.openxmlformats.org/presentationml/2006/main">
   <p:cSld>
     <p:spTree>
@@ -16954,7 +17328,7 @@
 </p:sld>
 </file>
 
-<file path=ppt/slides/slide26.xml><?xml version="1.0" encoding="utf-8"?>
+<file path=ppt/slides/slide27.xml><?xml version="1.0" encoding="utf-8"?>
 <p:sld xmlns:a="http://schemas.openxmlformats.org/drawingml/2006/main" xmlns:r="http://schemas.openxmlformats.org/officeDocument/2006/relationships" xmlns:p="http://schemas.openxmlformats.org/presentationml/2006/main">
   <p:cSld>
     <p:spTree>
@@ -18243,66 +18617,64 @@
           <a:lstStyle/>
           <a:p>
             <a:r>
-              <a:rPr lang="en-US" dirty="0"/>
-              <a:t>Training Models</a:t>
-            </a:r>
+              <a:rPr lang="en-US"/>
+              <a:t>MACHINE LEARNING PIPELINE</a:t>
+            </a:r>
+            <a:endParaRPr lang="en-US" dirty="0"/>
           </a:p>
         </p:txBody>
       </p:sp>
-      <p:sp>
-        <p:nvSpPr>
-          <p:cNvPr id="3" name="Content Placeholder 2">
+      <p:pic>
+        <p:nvPicPr>
+          <p:cNvPr id="3074" name="Picture 2" descr="Image for post">
             <a:extLst>
               <a:ext uri="{FF2B5EF4-FFF2-40B4-BE49-F238E27FC236}">
-                <a16:creationId xmlns:a16="http://schemas.microsoft.com/office/drawing/2014/main" id="{DA27CBFF-7B26-DE43-BEF1-AF1B6872161D}"/>
+                <a16:creationId xmlns:a16="http://schemas.microsoft.com/office/drawing/2014/main" id="{D82F5A37-3C43-7741-A942-109ED1D3EDEA}"/>
               </a:ext>
             </a:extLst>
           </p:cNvPr>
-          <p:cNvSpPr>
-            <a:spLocks noGrp="1"/>
-          </p:cNvSpPr>
-          <p:nvPr>
-            <p:ph idx="1"/>
-          </p:nvPr>
-        </p:nvSpPr>
-        <p:spPr>
+          <p:cNvPicPr>
+            <a:picLocks noChangeAspect="1" noChangeArrowheads="1"/>
+          </p:cNvPicPr>
+          <p:nvPr/>
+        </p:nvPicPr>
+        <p:blipFill>
+          <a:blip r:embed="rId2">
+            <a:extLst>
+              <a:ext uri="{28A0092B-C50C-407E-A947-70E740481C1C}">
+                <a14:useLocalDpi xmlns:a14="http://schemas.microsoft.com/office/drawing/2010/main" val="0"/>
+              </a:ext>
+            </a:extLst>
+          </a:blip>
+          <a:srcRect/>
+          <a:stretch>
+            <a:fillRect/>
+          </a:stretch>
+        </p:blipFill>
+        <p:spPr bwMode="auto">
           <a:xfrm>
-            <a:off x="680583" y="2389218"/>
-            <a:ext cx="11029615" cy="3678303"/>
+            <a:off x="581192" y="1968500"/>
+            <a:ext cx="10718800" cy="4889500"/>
           </a:xfrm>
+          <a:prstGeom prst="rect">
+            <a:avLst/>
+          </a:prstGeom>
+          <a:noFill/>
+          <a:extLst>
+            <a:ext uri="{909E8E84-426E-40DD-AFC4-6F175D3DCCD1}">
+              <a14:hiddenFill xmlns:a14="http://schemas.microsoft.com/office/drawing/2010/main">
+                <a:solidFill>
+                  <a:srgbClr val="FFFFFF"/>
+                </a:solidFill>
+              </a14:hiddenFill>
+            </a:ext>
+          </a:extLst>
         </p:spPr>
-        <p:txBody>
-          <a:bodyPr>
-            <a:noAutofit/>
-          </a:bodyPr>
-          <a:lstStyle/>
-          <a:p>
-            <a:r>
-              <a:rPr lang="en-US" sz="3000" dirty="0"/>
-              <a:t>Supervised Learning </a:t>
-            </a:r>
-          </a:p>
-          <a:p>
-            <a:r>
-              <a:rPr lang="en-US" sz="3000" dirty="0"/>
-              <a:t>Unsupervised Learning</a:t>
-            </a:r>
-          </a:p>
-          <a:p>
-            <a:r>
-              <a:rPr lang="en-US" sz="3000" dirty="0"/>
-              <a:t>Reinforcement Learning</a:t>
-            </a:r>
-          </a:p>
-          <a:p>
-            <a:endParaRPr lang="en-US" sz="3000" dirty="0"/>
-          </a:p>
-        </p:txBody>
-      </p:sp>
+      </p:pic>
     </p:spTree>
     <p:extLst>
       <p:ext uri="{BB962C8B-B14F-4D97-AF65-F5344CB8AC3E}">
-        <p14:creationId xmlns:p14="http://schemas.microsoft.com/office/powerpoint/2010/main" val="2488027343"/>
+        <p14:creationId xmlns:p14="http://schemas.microsoft.com/office/powerpoint/2010/main" val="3140286163"/>
       </p:ext>
     </p:extLst>
   </p:cSld>
@@ -18352,6 +18724,114 @@
           <a:p>
             <a:r>
               <a:rPr lang="en-US" dirty="0"/>
+              <a:t>Training Models</a:t>
+            </a:r>
+          </a:p>
+        </p:txBody>
+      </p:sp>
+      <p:sp>
+        <p:nvSpPr>
+          <p:cNvPr id="3" name="Content Placeholder 2">
+            <a:extLst>
+              <a:ext uri="{FF2B5EF4-FFF2-40B4-BE49-F238E27FC236}">
+                <a16:creationId xmlns:a16="http://schemas.microsoft.com/office/drawing/2014/main" id="{DA27CBFF-7B26-DE43-BEF1-AF1B6872161D}"/>
+              </a:ext>
+            </a:extLst>
+          </p:cNvPr>
+          <p:cNvSpPr>
+            <a:spLocks noGrp="1"/>
+          </p:cNvSpPr>
+          <p:nvPr>
+            <p:ph idx="1"/>
+          </p:nvPr>
+        </p:nvSpPr>
+        <p:spPr>
+          <a:xfrm>
+            <a:off x="680583" y="2389218"/>
+            <a:ext cx="11029615" cy="3678303"/>
+          </a:xfrm>
+        </p:spPr>
+        <p:txBody>
+          <a:bodyPr>
+            <a:noAutofit/>
+          </a:bodyPr>
+          <a:lstStyle/>
+          <a:p>
+            <a:r>
+              <a:rPr lang="en-US" sz="3000" dirty="0"/>
+              <a:t>Supervised Learning </a:t>
+            </a:r>
+          </a:p>
+          <a:p>
+            <a:r>
+              <a:rPr lang="en-US" sz="3000" dirty="0"/>
+              <a:t>Unsupervised Learning</a:t>
+            </a:r>
+          </a:p>
+          <a:p>
+            <a:r>
+              <a:rPr lang="en-US" sz="3000" dirty="0"/>
+              <a:t>Reinforcement Learning</a:t>
+            </a:r>
+          </a:p>
+          <a:p>
+            <a:endParaRPr lang="en-US" sz="3000" dirty="0"/>
+          </a:p>
+        </p:txBody>
+      </p:sp>
+    </p:spTree>
+    <p:extLst>
+      <p:ext uri="{BB962C8B-B14F-4D97-AF65-F5344CB8AC3E}">
+        <p14:creationId xmlns:p14="http://schemas.microsoft.com/office/powerpoint/2010/main" val="2488027343"/>
+      </p:ext>
+    </p:extLst>
+  </p:cSld>
+  <p:clrMapOvr>
+    <a:masterClrMapping/>
+  </p:clrMapOvr>
+</p:sld>
+</file>
+
+<file path=ppt/slides/slide7.xml><?xml version="1.0" encoding="utf-8"?>
+<p:sld xmlns:a="http://schemas.openxmlformats.org/drawingml/2006/main" xmlns:r="http://schemas.openxmlformats.org/officeDocument/2006/relationships" xmlns:p="http://schemas.openxmlformats.org/presentationml/2006/main">
+  <p:cSld>
+    <p:spTree>
+      <p:nvGrpSpPr>
+        <p:cNvPr id="1" name=""/>
+        <p:cNvGrpSpPr/>
+        <p:nvPr/>
+      </p:nvGrpSpPr>
+      <p:grpSpPr>
+        <a:xfrm>
+          <a:off x="0" y="0"/>
+          <a:ext cx="0" cy="0"/>
+          <a:chOff x="0" y="0"/>
+          <a:chExt cx="0" cy="0"/>
+        </a:xfrm>
+      </p:grpSpPr>
+      <p:sp>
+        <p:nvSpPr>
+          <p:cNvPr id="2" name="Title 1">
+            <a:extLst>
+              <a:ext uri="{FF2B5EF4-FFF2-40B4-BE49-F238E27FC236}">
+                <a16:creationId xmlns:a16="http://schemas.microsoft.com/office/drawing/2014/main" id="{99BFFE90-2403-C34E-9F28-08D777E9E009}"/>
+              </a:ext>
+            </a:extLst>
+          </p:cNvPr>
+          <p:cNvSpPr>
+            <a:spLocks noGrp="1"/>
+          </p:cNvSpPr>
+          <p:nvPr>
+            <p:ph type="title"/>
+          </p:nvPr>
+        </p:nvSpPr>
+        <p:spPr/>
+        <p:txBody>
+          <a:bodyPr/>
+          <a:lstStyle/>
+          <a:p>
+            <a:r>
+              <a:rPr lang="en-US" dirty="0"/>
               <a:t>Models – supervised Learning</a:t>
             </a:r>
           </a:p>
@@ -18540,7 +19020,7 @@
 </p:sld>
 </file>
 
-<file path=ppt/slides/slide7.xml><?xml version="1.0" encoding="utf-8"?>
+<file path=ppt/slides/slide8.xml><?xml version="1.0" encoding="utf-8"?>
 <p:sld xmlns:a="http://schemas.openxmlformats.org/drawingml/2006/main" xmlns:r="http://schemas.openxmlformats.org/officeDocument/2006/relationships" xmlns:p="http://schemas.openxmlformats.org/presentationml/2006/main">
   <p:cSld>
     <p:spTree>
@@ -18748,235 +19228,6 @@
 </p:sld>
 </file>
 
-<file path=ppt/slides/slide8.xml><?xml version="1.0" encoding="utf-8"?>
-<p:sld xmlns:a="http://schemas.openxmlformats.org/drawingml/2006/main" xmlns:r="http://schemas.openxmlformats.org/officeDocument/2006/relationships" xmlns:p="http://schemas.openxmlformats.org/presentationml/2006/main">
-  <p:cSld>
-    <p:spTree>
-      <p:nvGrpSpPr>
-        <p:cNvPr id="1" name=""/>
-        <p:cNvGrpSpPr/>
-        <p:nvPr/>
-      </p:nvGrpSpPr>
-      <p:grpSpPr>
-        <a:xfrm>
-          <a:off x="0" y="0"/>
-          <a:ext cx="0" cy="0"/>
-          <a:chOff x="0" y="0"/>
-          <a:chExt cx="0" cy="0"/>
-        </a:xfrm>
-      </p:grpSpPr>
-      <p:sp>
-        <p:nvSpPr>
-          <p:cNvPr id="2" name="Title 1">
-            <a:extLst>
-              <a:ext uri="{FF2B5EF4-FFF2-40B4-BE49-F238E27FC236}">
-                <a16:creationId xmlns:a16="http://schemas.microsoft.com/office/drawing/2014/main" id="{99BFFE90-2403-C34E-9F28-08D777E9E009}"/>
-              </a:ext>
-            </a:extLst>
-          </p:cNvPr>
-          <p:cNvSpPr>
-            <a:spLocks noGrp="1"/>
-          </p:cNvSpPr>
-          <p:nvPr>
-            <p:ph type="title"/>
-          </p:nvPr>
-        </p:nvSpPr>
-        <p:spPr/>
-        <p:txBody>
-          <a:bodyPr/>
-          <a:lstStyle/>
-          <a:p>
-            <a:r>
-              <a:rPr lang="en-US" dirty="0"/>
-              <a:t>Models – supervised Learning</a:t>
-            </a:r>
-          </a:p>
-        </p:txBody>
-      </p:sp>
-      <p:sp>
-        <p:nvSpPr>
-          <p:cNvPr id="4" name="Rectangle 3">
-            <a:extLst>
-              <a:ext uri="{FF2B5EF4-FFF2-40B4-BE49-F238E27FC236}">
-                <a16:creationId xmlns:a16="http://schemas.microsoft.com/office/drawing/2014/main" id="{E19DC9AC-126C-8547-8683-68EBFC88FE83}"/>
-              </a:ext>
-            </a:extLst>
-          </p:cNvPr>
-          <p:cNvSpPr>
-            <a:spLocks noGrp="1" noChangeArrowheads="1"/>
-          </p:cNvSpPr>
-          <p:nvPr>
-            <p:ph idx="1"/>
-          </p:nvPr>
-        </p:nvSpPr>
-        <p:spPr/>
-        <p:txBody>
-          <a:bodyPr>
-            <a:normAutofit fontScale="92500"/>
-          </a:bodyPr>
-          <a:lstStyle/>
-          <a:p>
-            <a:pPr eaLnBrk="1" hangingPunct="1"/>
-            <a:r>
-              <a:rPr lang="en-US" altLang="en-US" sz="2600" dirty="0"/>
-              <a:t>Like human learning from past experiences or historical data.</a:t>
-            </a:r>
-          </a:p>
-          <a:p>
-            <a:pPr eaLnBrk="1" hangingPunct="1"/>
-            <a:r>
-              <a:rPr lang="en-US" altLang="en-US" sz="2600" dirty="0"/>
-              <a:t>A computer does not have “experiences”.</a:t>
-            </a:r>
-          </a:p>
-          <a:p>
-            <a:pPr eaLnBrk="1" hangingPunct="1"/>
-            <a:r>
-              <a:rPr lang="en-US" altLang="en-US" sz="2600" dirty="0">
-                <a:solidFill>
-                  <a:srgbClr val="3333CC"/>
-                </a:solidFill>
-              </a:rPr>
-              <a:t>A computer system learns from data, </a:t>
-            </a:r>
-            <a:r>
-              <a:rPr lang="en-US" altLang="en-US" sz="2600" dirty="0"/>
-              <a:t>which represent some “past experiences” of an application domain. </a:t>
-            </a:r>
-          </a:p>
-          <a:p>
-            <a:pPr eaLnBrk="1" hangingPunct="1"/>
-            <a:r>
-              <a:rPr lang="en-US" altLang="en-US" sz="2600" dirty="0">
-                <a:solidFill>
-                  <a:srgbClr val="FF0000"/>
-                </a:solidFill>
-              </a:rPr>
-              <a:t>Our focus:</a:t>
-            </a:r>
-            <a:r>
-              <a:rPr lang="en-US" altLang="en-US" sz="2600" dirty="0"/>
-              <a:t> learn </a:t>
-            </a:r>
-            <a:r>
-              <a:rPr lang="en-US" altLang="en-US" sz="2600" dirty="0">
-                <a:solidFill>
-                  <a:srgbClr val="3333CC"/>
-                </a:solidFill>
-              </a:rPr>
-              <a:t>a target function</a:t>
-            </a:r>
-            <a:r>
-              <a:rPr lang="en-US" altLang="en-US" sz="2600" dirty="0"/>
-              <a:t> that can be used to predict the values of a discrete class attribute, e.g., </a:t>
-            </a:r>
-            <a:r>
-              <a:rPr lang="en-US" altLang="en-US" sz="2600" dirty="0">
-                <a:solidFill>
-                  <a:srgbClr val="3333CC"/>
-                </a:solidFill>
-              </a:rPr>
-              <a:t>approve </a:t>
-            </a:r>
-            <a:r>
-              <a:rPr lang="en-US" altLang="en-US" sz="2600" dirty="0"/>
-              <a:t>or</a:t>
-            </a:r>
-            <a:r>
-              <a:rPr lang="en-US" altLang="en-US" sz="2600" dirty="0">
-                <a:solidFill>
-                  <a:srgbClr val="3333CC"/>
-                </a:solidFill>
-              </a:rPr>
-              <a:t> not-approved</a:t>
-            </a:r>
-            <a:r>
-              <a:rPr lang="en-US" altLang="en-US" sz="2600" dirty="0"/>
-              <a:t>, and </a:t>
-            </a:r>
-            <a:r>
-              <a:rPr lang="en-US" altLang="en-US" sz="2600" dirty="0">
-                <a:solidFill>
-                  <a:srgbClr val="3333CC"/>
-                </a:solidFill>
-              </a:rPr>
-              <a:t>high-risk </a:t>
-            </a:r>
-            <a:r>
-              <a:rPr lang="en-US" altLang="en-US" sz="2600" dirty="0"/>
-              <a:t>or</a:t>
-            </a:r>
-            <a:r>
-              <a:rPr lang="en-US" altLang="en-US" sz="2600" dirty="0">
-                <a:solidFill>
-                  <a:srgbClr val="3333CC"/>
-                </a:solidFill>
-              </a:rPr>
-              <a:t> low risk</a:t>
-            </a:r>
-            <a:r>
-              <a:rPr lang="en-US" altLang="en-US" sz="2600" dirty="0"/>
-              <a:t>. </a:t>
-            </a:r>
-          </a:p>
-          <a:p>
-            <a:pPr eaLnBrk="1" hangingPunct="1"/>
-            <a:r>
-              <a:rPr lang="en-US" altLang="en-US" sz="2600" dirty="0"/>
-              <a:t>The task is commonly called: </a:t>
-            </a:r>
-            <a:r>
-              <a:rPr lang="en-US" altLang="en-US" sz="2600" dirty="0">
-                <a:solidFill>
-                  <a:srgbClr val="FF0000"/>
-                </a:solidFill>
-              </a:rPr>
-              <a:t>Supervised learning</a:t>
-            </a:r>
-            <a:r>
-              <a:rPr lang="en-US" altLang="en-US" sz="2600" dirty="0"/>
-              <a:t>, </a:t>
-            </a:r>
-            <a:r>
-              <a:rPr lang="en-US" altLang="en-US" sz="2600" dirty="0">
-                <a:solidFill>
-                  <a:srgbClr val="FF0000"/>
-                </a:solidFill>
-              </a:rPr>
-              <a:t>classification</a:t>
-            </a:r>
-            <a:r>
-              <a:rPr lang="en-US" altLang="en-US" sz="2600" dirty="0"/>
-              <a:t>, or </a:t>
-            </a:r>
-            <a:r>
-              <a:rPr lang="en-US" altLang="en-US" sz="2600" dirty="0">
-                <a:solidFill>
-                  <a:srgbClr val="FF0000"/>
-                </a:solidFill>
-              </a:rPr>
-              <a:t>inductive learning.</a:t>
-            </a:r>
-            <a:r>
-              <a:rPr lang="en-US" altLang="en-US" sz="2600" dirty="0"/>
-              <a:t> </a:t>
-            </a:r>
-          </a:p>
-        </p:txBody>
-      </p:sp>
-    </p:spTree>
-    <p:extLst>
-      <p:ext uri="{BB962C8B-B14F-4D97-AF65-F5344CB8AC3E}">
-        <p14:creationId xmlns:p14="http://schemas.microsoft.com/office/powerpoint/2010/main" val="246746885"/>
-      </p:ext>
-    </p:extLst>
-  </p:cSld>
-  <p:clrMapOvr>
-    <a:masterClrMapping/>
-  </p:clrMapOvr>
-</p:sld>
-</file>
-
 <file path=ppt/slides/slide9.xml><?xml version="1.0" encoding="utf-8"?>
 <p:sld xmlns:a="http://schemas.openxmlformats.org/drawingml/2006/main" xmlns:r="http://schemas.openxmlformats.org/officeDocument/2006/relationships" xmlns:p="http://schemas.openxmlformats.org/presentationml/2006/main">
   <p:cSld>
@@ -19024,323 +19275,179 @@
       </p:sp>
       <p:sp>
         <p:nvSpPr>
-          <p:cNvPr id="5" name="Rectangle 3">
+          <p:cNvPr id="4" name="Rectangle 3">
             <a:extLst>
               <a:ext uri="{FF2B5EF4-FFF2-40B4-BE49-F238E27FC236}">
-                <a16:creationId xmlns:a16="http://schemas.microsoft.com/office/drawing/2014/main" id="{E7CD1554-48BE-824D-B21F-90694F2E31F9}"/>
+                <a16:creationId xmlns:a16="http://schemas.microsoft.com/office/drawing/2014/main" id="{E19DC9AC-126C-8547-8683-68EBFC88FE83}"/>
               </a:ext>
             </a:extLst>
           </p:cNvPr>
-          <p:cNvSpPr txBox="1">
-            <a:spLocks noChangeArrowheads="1"/>
+          <p:cNvSpPr>
+            <a:spLocks noGrp="1" noChangeArrowheads="1"/>
           </p:cNvSpPr>
-          <p:nvPr/>
+          <p:nvPr>
+            <p:ph idx="1"/>
+          </p:nvPr>
         </p:nvSpPr>
-        <p:spPr>
-          <a:xfrm>
-            <a:off x="457200" y="1412875"/>
-            <a:ext cx="10470995" cy="4363457"/>
-          </a:xfrm>
-          <a:prstGeom prst="rect">
-            <a:avLst/>
-          </a:prstGeom>
-        </p:spPr>
+        <p:spPr/>
         <p:txBody>
-          <a:bodyPr vert="horz" lIns="91440" tIns="45720" rIns="91440" bIns="45720" rtlCol="0" anchor="ctr">
-            <a:normAutofit/>
+          <a:bodyPr>
+            <a:normAutofit fontScale="92500"/>
           </a:bodyPr>
-          <a:lstStyle>
-            <a:lvl1pPr marL="306000" indent="-306000" algn="l" defTabSz="457200" rtl="0" eaLnBrk="1" latinLnBrk="0" hangingPunct="1">
-              <a:spcBef>
-                <a:spcPct val="20000"/>
-              </a:spcBef>
-              <a:spcAft>
-                <a:spcPts val="600"/>
-              </a:spcAft>
-              <a:buClr>
-                <a:schemeClr val="accent2"/>
-              </a:buClr>
-              <a:buSzPct val="92000"/>
-              <a:buFont typeface="Wingdings 2" panose="05020102010507070707" pitchFamily="18" charset="2"/>
-              <a:buChar char=""/>
-              <a:defRPr sz="1800" kern="1200">
-                <a:solidFill>
-                  <a:schemeClr val="tx2"/>
-                </a:solidFill>
-                <a:latin typeface="+mn-lt"/>
-                <a:ea typeface="+mn-ea"/>
-                <a:cs typeface="+mn-cs"/>
-              </a:defRPr>
-            </a:lvl1pPr>
-            <a:lvl2pPr marL="630000" indent="-306000" algn="l" defTabSz="457200" rtl="0" eaLnBrk="1" latinLnBrk="0" hangingPunct="1">
-              <a:spcBef>
-                <a:spcPct val="20000"/>
-              </a:spcBef>
-              <a:spcAft>
-                <a:spcPts val="600"/>
-              </a:spcAft>
-              <a:buClr>
-                <a:schemeClr val="accent2"/>
-              </a:buClr>
-              <a:buSzPct val="92000"/>
-              <a:buFont typeface="Wingdings 2" panose="05020102010507070707" pitchFamily="18" charset="2"/>
-              <a:buChar char=""/>
-              <a:defRPr sz="1600" kern="1200">
-                <a:solidFill>
-                  <a:schemeClr val="tx2"/>
-                </a:solidFill>
-                <a:latin typeface="+mn-lt"/>
-                <a:ea typeface="+mn-ea"/>
-                <a:cs typeface="+mn-cs"/>
-              </a:defRPr>
-            </a:lvl2pPr>
-            <a:lvl3pPr marL="900000" indent="-270000" algn="l" defTabSz="457200" rtl="0" eaLnBrk="1" latinLnBrk="0" hangingPunct="1">
-              <a:spcBef>
-                <a:spcPct val="20000"/>
-              </a:spcBef>
-              <a:spcAft>
-                <a:spcPts val="600"/>
-              </a:spcAft>
-              <a:buClr>
-                <a:schemeClr val="accent2"/>
-              </a:buClr>
-              <a:buSzPct val="92000"/>
-              <a:buFont typeface="Wingdings 2" panose="05020102010507070707" pitchFamily="18" charset="2"/>
-              <a:buChar char=""/>
-              <a:defRPr sz="1400" kern="1200">
-                <a:solidFill>
-                  <a:schemeClr val="tx2"/>
-                </a:solidFill>
-                <a:latin typeface="+mn-lt"/>
-                <a:ea typeface="+mn-ea"/>
-                <a:cs typeface="+mn-cs"/>
-              </a:defRPr>
-            </a:lvl3pPr>
-            <a:lvl4pPr marL="1242000" indent="-234000" algn="l" defTabSz="457200" rtl="0" eaLnBrk="1" latinLnBrk="0" hangingPunct="1">
-              <a:spcBef>
-                <a:spcPct val="20000"/>
-              </a:spcBef>
-              <a:spcAft>
-                <a:spcPts val="600"/>
-              </a:spcAft>
-              <a:buClr>
-                <a:schemeClr val="accent2"/>
-              </a:buClr>
-              <a:buSzPct val="92000"/>
-              <a:buFont typeface="Wingdings 2" panose="05020102010507070707" pitchFamily="18" charset="2"/>
-              <a:buChar char=""/>
-              <a:defRPr sz="1200" kern="1200">
-                <a:solidFill>
-                  <a:schemeClr val="tx2"/>
-                </a:solidFill>
-                <a:latin typeface="+mn-lt"/>
-                <a:ea typeface="+mn-ea"/>
-                <a:cs typeface="+mn-cs"/>
-              </a:defRPr>
-            </a:lvl4pPr>
-            <a:lvl5pPr marL="1602000" indent="-234000" algn="l" defTabSz="457200" rtl="0" eaLnBrk="1" latinLnBrk="0" hangingPunct="1">
-              <a:spcBef>
-                <a:spcPct val="20000"/>
-              </a:spcBef>
-              <a:spcAft>
-                <a:spcPts val="600"/>
-              </a:spcAft>
-              <a:buClr>
-                <a:schemeClr val="accent2"/>
-              </a:buClr>
-              <a:buSzPct val="92000"/>
-              <a:buFont typeface="Wingdings 2" panose="05020102010507070707" pitchFamily="18" charset="2"/>
-              <a:buChar char=""/>
-              <a:defRPr sz="1200" kern="1200">
-                <a:solidFill>
-                  <a:schemeClr val="tx2"/>
-                </a:solidFill>
-                <a:latin typeface="+mn-lt"/>
-                <a:ea typeface="+mn-ea"/>
-                <a:cs typeface="+mn-cs"/>
-              </a:defRPr>
-            </a:lvl5pPr>
-            <a:lvl6pPr marL="1900000" indent="-228600" algn="l" defTabSz="457200" rtl="0" eaLnBrk="1" latinLnBrk="0" hangingPunct="1">
-              <a:spcBef>
-                <a:spcPct val="20000"/>
-              </a:spcBef>
-              <a:spcAft>
-                <a:spcPts val="600"/>
-              </a:spcAft>
-              <a:buClr>
-                <a:schemeClr val="accent2"/>
-              </a:buClr>
-              <a:buSzPct val="92000"/>
-              <a:buFont typeface="Wingdings 2" panose="05020102010507070707" pitchFamily="18" charset="2"/>
-              <a:buChar char=""/>
-              <a:defRPr sz="1200" kern="1200">
-                <a:solidFill>
-                  <a:schemeClr val="tx2"/>
-                </a:solidFill>
-                <a:latin typeface="+mn-lt"/>
-                <a:ea typeface="+mn-ea"/>
-                <a:cs typeface="+mn-cs"/>
-              </a:defRPr>
-            </a:lvl6pPr>
-            <a:lvl7pPr marL="2200000" indent="-228600" algn="l" defTabSz="457200" rtl="0" eaLnBrk="1" latinLnBrk="0" hangingPunct="1">
-              <a:spcBef>
-                <a:spcPct val="20000"/>
-              </a:spcBef>
-              <a:spcAft>
-                <a:spcPts val="600"/>
-              </a:spcAft>
-              <a:buClr>
-                <a:schemeClr val="accent2"/>
-              </a:buClr>
-              <a:buSzPct val="92000"/>
-              <a:buFont typeface="Wingdings 2" panose="05020102010507070707" pitchFamily="18" charset="2"/>
-              <a:buChar char=""/>
-              <a:defRPr sz="1200" kern="1200">
-                <a:solidFill>
-                  <a:schemeClr val="tx2"/>
-                </a:solidFill>
-                <a:latin typeface="+mn-lt"/>
-                <a:ea typeface="+mn-ea"/>
-                <a:cs typeface="+mn-cs"/>
-              </a:defRPr>
-            </a:lvl7pPr>
-            <a:lvl8pPr marL="2500000" indent="-228600" algn="l" defTabSz="457200" rtl="0" eaLnBrk="1" latinLnBrk="0" hangingPunct="1">
-              <a:spcBef>
-                <a:spcPct val="20000"/>
-              </a:spcBef>
-              <a:spcAft>
-                <a:spcPts val="600"/>
-              </a:spcAft>
-              <a:buClr>
-                <a:schemeClr val="accent2"/>
-              </a:buClr>
-              <a:buSzPct val="92000"/>
-              <a:buFont typeface="Wingdings 2" panose="05020102010507070707" pitchFamily="18" charset="2"/>
-              <a:buChar char=""/>
-              <a:defRPr sz="1200" kern="1200">
-                <a:solidFill>
-                  <a:schemeClr val="tx2"/>
-                </a:solidFill>
-                <a:latin typeface="+mn-lt"/>
-                <a:ea typeface="+mn-ea"/>
-                <a:cs typeface="+mn-cs"/>
-              </a:defRPr>
-            </a:lvl8pPr>
-            <a:lvl9pPr marL="2800000" indent="-228600" algn="l" defTabSz="457200" rtl="0" eaLnBrk="1" latinLnBrk="0" hangingPunct="1">
-              <a:spcBef>
-                <a:spcPct val="20000"/>
-              </a:spcBef>
-              <a:spcAft>
-                <a:spcPts val="600"/>
-              </a:spcAft>
-              <a:buClr>
-                <a:schemeClr val="accent2"/>
-              </a:buClr>
-              <a:buSzPct val="92000"/>
-              <a:buFont typeface="Wingdings 2" panose="05020102010507070707" pitchFamily="18" charset="2"/>
-              <a:buChar char=""/>
-              <a:defRPr sz="1200" kern="1200">
-                <a:solidFill>
-                  <a:schemeClr val="tx2"/>
-                </a:solidFill>
-                <a:latin typeface="+mn-lt"/>
-                <a:ea typeface="+mn-ea"/>
-                <a:cs typeface="+mn-cs"/>
-              </a:defRPr>
-            </a:lvl9pPr>
-          </a:lstStyle>
-          <a:p>
+          <a:lstStyle/>
+          <a:p>
+            <a:pPr eaLnBrk="1" hangingPunct="1"/>
+            <a:r>
+              <a:rPr lang="en-US" altLang="en-US" sz="2600" dirty="0"/>
+              <a:t>Like human learning from past experiences or historical data.</a:t>
+            </a:r>
+          </a:p>
+          <a:p>
+            <a:pPr eaLnBrk="1" hangingPunct="1"/>
+            <a:r>
+              <a:rPr lang="en-US" altLang="en-US" sz="2600" dirty="0"/>
+              <a:t>A computer does not have “experiences”.</a:t>
+            </a:r>
+          </a:p>
+          <a:p>
+            <a:pPr eaLnBrk="1" hangingPunct="1"/>
             <a:r>
               <a:rPr lang="en-US" altLang="en-US" sz="2600" dirty="0">
                 <a:solidFill>
+                  <a:srgbClr val="3333CC"/>
+                </a:solidFill>
+              </a:rPr>
+              <a:t>A computer system learns from data, </a:t>
+            </a:r>
+            <a:r>
+              <a:rPr lang="en-US" altLang="en-US" sz="2600" dirty="0"/>
+              <a:t>which represent some “past experiences” of an application domain. </a:t>
+            </a:r>
+          </a:p>
+          <a:p>
+            <a:pPr eaLnBrk="1" hangingPunct="1"/>
+            <a:r>
+              <a:rPr lang="en-US" altLang="en-US" sz="2600" dirty="0">
+                <a:solidFill>
                   <a:srgbClr val="FF0000"/>
                 </a:solidFill>
               </a:rPr>
-              <a:t>Learn a classification model</a:t>
+              <a:t>Our focus:</a:t>
             </a:r>
             <a:r>
               <a:rPr lang="en-US" altLang="en-US" sz="2600" dirty="0"/>
-              <a:t> from the data </a:t>
-            </a:r>
-          </a:p>
-          <a:p>
+              <a:t> learn </a:t>
+            </a:r>
+            <a:r>
+              <a:rPr lang="en-US" altLang="en-US" sz="2600" dirty="0">
+                <a:solidFill>
+                  <a:srgbClr val="3333CC"/>
+                </a:solidFill>
+              </a:rPr>
+              <a:t>a target function</a:t>
+            </a:r>
             <a:r>
               <a:rPr lang="en-US" altLang="en-US" sz="2600" dirty="0"/>
-              <a:t>Use the model to classify future loan applications into </a:t>
-            </a:r>
-          </a:p>
-          <a:p>
-            <a:pPr lvl="1"/>
-            <a:r>
-              <a:rPr lang="en-US" altLang="en-US" sz="2200" dirty="0">
+              <a:t> that can be used to predict the values of a discrete class attribute, e.g., </a:t>
+            </a:r>
+            <a:r>
+              <a:rPr lang="en-US" altLang="en-US" sz="2600" dirty="0">
                 <a:solidFill>
                   <a:srgbClr val="3333CC"/>
                 </a:solidFill>
               </a:rPr>
-              <a:t>Yes (approved) and </a:t>
-            </a:r>
-          </a:p>
-          <a:p>
-            <a:pPr lvl="1"/>
-            <a:r>
-              <a:rPr lang="en-US" altLang="en-US" sz="2200" dirty="0">
+              <a:t>approve </a:t>
+            </a:r>
+            <a:r>
+              <a:rPr lang="en-US" altLang="en-US" sz="2600" dirty="0"/>
+              <a:t>or</a:t>
+            </a:r>
+            <a:r>
+              <a:rPr lang="en-US" altLang="en-US" sz="2600" dirty="0">
                 <a:solidFill>
                   <a:srgbClr val="3333CC"/>
                 </a:solidFill>
               </a:rPr>
-              <a:t>No (not approved)</a:t>
-            </a:r>
-          </a:p>
-          <a:p>
+              <a:t> not-approved</a:t>
+            </a:r>
             <a:r>
               <a:rPr lang="en-US" altLang="en-US" sz="2600" dirty="0"/>
-              <a:t>What is the class for following case/instance?</a:t>
+              <a:t>, and </a:t>
+            </a:r>
+            <a:r>
+              <a:rPr lang="en-US" altLang="en-US" sz="2600" dirty="0">
+                <a:solidFill>
+                  <a:srgbClr val="3333CC"/>
+                </a:solidFill>
+              </a:rPr>
+              <a:t>high-risk </a:t>
+            </a:r>
+            <a:r>
+              <a:rPr lang="en-US" altLang="en-US" sz="2600" dirty="0"/>
+              <a:t>or</a:t>
+            </a:r>
+            <a:r>
+              <a:rPr lang="en-US" altLang="en-US" sz="2600" dirty="0">
+                <a:solidFill>
+                  <a:srgbClr val="3333CC"/>
+                </a:solidFill>
+              </a:rPr>
+              <a:t> low risk</a:t>
+            </a:r>
+            <a:r>
+              <a:rPr lang="en-US" altLang="en-US" sz="2600" dirty="0"/>
+              <a:t>. </a:t>
+            </a:r>
+          </a:p>
+          <a:p>
+            <a:pPr eaLnBrk="1" hangingPunct="1"/>
+            <a:r>
+              <a:rPr lang="en-US" altLang="en-US" sz="2600" dirty="0"/>
+              <a:t>The task is commonly called: </a:t>
+            </a:r>
+            <a:r>
+              <a:rPr lang="en-US" altLang="en-US" sz="2600" dirty="0">
+                <a:solidFill>
+                  <a:srgbClr val="FF0000"/>
+                </a:solidFill>
+              </a:rPr>
+              <a:t>Supervised learning</a:t>
+            </a:r>
+            <a:r>
+              <a:rPr lang="en-US" altLang="en-US" sz="2600" dirty="0"/>
+              <a:t>, </a:t>
+            </a:r>
+            <a:r>
+              <a:rPr lang="en-US" altLang="en-US" sz="2600" dirty="0">
+                <a:solidFill>
+                  <a:srgbClr val="FF0000"/>
+                </a:solidFill>
+              </a:rPr>
+              <a:t>classification</a:t>
+            </a:r>
+            <a:r>
+              <a:rPr lang="en-US" altLang="en-US" sz="2600" dirty="0"/>
+              <a:t>, or </a:t>
+            </a:r>
+            <a:r>
+              <a:rPr lang="en-US" altLang="en-US" sz="2600" dirty="0">
+                <a:solidFill>
+                  <a:srgbClr val="FF0000"/>
+                </a:solidFill>
+              </a:rPr>
+              <a:t>inductive learning.</a:t>
+            </a:r>
+            <a:r>
+              <a:rPr lang="en-US" altLang="en-US" sz="2600" dirty="0"/>
+              <a:t> </a:t>
             </a:r>
           </a:p>
         </p:txBody>
       </p:sp>
-      <p:pic>
-        <p:nvPicPr>
-          <p:cNvPr id="6" name="Picture 4">
-            <a:extLst>
-              <a:ext uri="{FF2B5EF4-FFF2-40B4-BE49-F238E27FC236}">
-                <a16:creationId xmlns:a16="http://schemas.microsoft.com/office/drawing/2014/main" id="{EF518483-B9E5-2647-B7B7-90DFA31F4290}"/>
-              </a:ext>
-            </a:extLst>
-          </p:cNvPr>
-          <p:cNvPicPr>
-            <a:picLocks noChangeAspect="1" noChangeArrowheads="1"/>
-          </p:cNvPicPr>
-          <p:nvPr/>
-        </p:nvPicPr>
-        <p:blipFill>
-          <a:blip r:embed="rId2">
-            <a:extLst>
-              <a:ext uri="{28A0092B-C50C-407E-A947-70E740481C1C}">
-                <a14:useLocalDpi xmlns:a14="http://schemas.microsoft.com/office/drawing/2010/main" val="0"/>
-              </a:ext>
-            </a:extLst>
-          </a:blip>
-          <a:srcRect/>
-          <a:stretch>
-            <a:fillRect/>
-          </a:stretch>
-        </p:blipFill>
-        <p:spPr>
-          <a:xfrm>
-            <a:off x="1916822" y="5340599"/>
-            <a:ext cx="8208963" cy="936625"/>
-          </a:xfrm>
-          <a:prstGeom prst="rect">
-            <a:avLst/>
-          </a:prstGeom>
-          <a:noFill/>
-        </p:spPr>
-      </p:pic>
     </p:spTree>
     <p:extLst>
       <p:ext uri="{BB962C8B-B14F-4D97-AF65-F5344CB8AC3E}">
-        <p14:creationId xmlns:p14="http://schemas.microsoft.com/office/powerpoint/2010/main" val="4050285920"/>
+        <p14:creationId xmlns:p14="http://schemas.microsoft.com/office/powerpoint/2010/main" val="246746885"/>
       </p:ext>
     </p:extLst>
   </p:cSld>

--- a/teach/spring_21/behavior_modeling/week4_multi_disciplinary.pptx
+++ b/teach/spring_21/behavior_modeling/week4_multi_disciplinary.pptx
@@ -29,9 +29,8 @@
     <p:sldId id="290" r:id="rId23"/>
     <p:sldId id="291" r:id="rId24"/>
     <p:sldId id="292" r:id="rId25"/>
-    <p:sldId id="293" r:id="rId26"/>
-    <p:sldId id="294" r:id="rId27"/>
-    <p:sldId id="295" r:id="rId28"/>
+    <p:sldId id="294" r:id="rId26"/>
+    <p:sldId id="295" r:id="rId27"/>
   </p:sldIdLst>
   <p:sldSz cx="12192000" cy="6858000"/>
   <p:notesSz cx="6858000" cy="9144000"/>
@@ -384,7 +383,7 @@
             <a:fld id="{B61BEF0D-F0BB-DE4B-95CE-6DB70DBA9567}" type="datetimeFigureOut">
               <a:rPr lang="en-US"/>
               <a:pPr/>
-              <a:t>2/9/21</a:t>
+              <a:t>3/20/21</a:t>
             </a:fld>
             <a:endParaRPr lang="en-US" dirty="0"/>
           </a:p>
@@ -643,7 +642,7 @@
             <a:fld id="{B61BEF0D-F0BB-DE4B-95CE-6DB70DBA9567}" type="datetimeFigureOut">
               <a:rPr lang="en-US"/>
               <a:pPr/>
-              <a:t>2/9/21</a:t>
+              <a:t>3/20/21</a:t>
             </a:fld>
             <a:endParaRPr lang="en-US" dirty="0"/>
           </a:p>
@@ -875,7 +874,7 @@
             <a:fld id="{B61BEF0D-F0BB-DE4B-95CE-6DB70DBA9567}" type="datetimeFigureOut">
               <a:rPr lang="en-US"/>
               <a:pPr/>
-              <a:t>2/9/21</a:t>
+              <a:t>3/20/21</a:t>
             </a:fld>
             <a:endParaRPr lang="en-US" dirty="0"/>
           </a:p>
@@ -1112,7 +1111,7 @@
             <a:fld id="{B61BEF0D-F0BB-DE4B-95CE-6DB70DBA9567}" type="datetimeFigureOut">
               <a:rPr lang="en-US"/>
               <a:pPr/>
-              <a:t>2/9/21</a:t>
+              <a:t>3/20/21</a:t>
             </a:fld>
             <a:endParaRPr lang="en-US" dirty="0"/>
           </a:p>
@@ -1416,7 +1415,7 @@
             <a:fld id="{B61BEF0D-F0BB-DE4B-95CE-6DB70DBA9567}" type="datetimeFigureOut">
               <a:rPr lang="en-US"/>
               <a:pPr/>
-              <a:t>2/9/21</a:t>
+              <a:t>3/20/21</a:t>
             </a:fld>
             <a:endParaRPr lang="en-US" dirty="0"/>
           </a:p>
@@ -1715,7 +1714,7 @@
             <a:fld id="{B61BEF0D-F0BB-DE4B-95CE-6DB70DBA9567}" type="datetimeFigureOut">
               <a:rPr lang="en-US"/>
               <a:pPr/>
-              <a:t>2/9/21</a:t>
+              <a:t>3/20/21</a:t>
             </a:fld>
             <a:endParaRPr lang="en-US" dirty="0"/>
           </a:p>
@@ -2134,7 +2133,7 @@
             <a:fld id="{B61BEF0D-F0BB-DE4B-95CE-6DB70DBA9567}" type="datetimeFigureOut">
               <a:rPr lang="en-US"/>
               <a:pPr/>
-              <a:t>2/9/21</a:t>
+              <a:t>3/20/21</a:t>
             </a:fld>
             <a:endParaRPr lang="en-US" dirty="0"/>
           </a:p>
@@ -2293,7 +2292,7 @@
             <a:fld id="{B61BEF0D-F0BB-DE4B-95CE-6DB70DBA9567}" type="datetimeFigureOut">
               <a:rPr lang="en-US"/>
               <a:pPr/>
-              <a:t>2/9/21</a:t>
+              <a:t>3/20/21</a:t>
             </a:fld>
             <a:endParaRPr lang="en-US" dirty="0"/>
           </a:p>
@@ -2385,7 +2384,7 @@
             <a:fld id="{B61BEF0D-F0BB-DE4B-95CE-6DB70DBA9567}" type="datetimeFigureOut">
               <a:rPr lang="en-US"/>
               <a:pPr/>
-              <a:t>2/9/21</a:t>
+              <a:t>3/20/21</a:t>
             </a:fld>
             <a:endParaRPr lang="en-US" dirty="0"/>
           </a:p>
@@ -2760,7 +2759,7 @@
             <a:fld id="{B61BEF0D-F0BB-DE4B-95CE-6DB70DBA9567}" type="datetimeFigureOut">
               <a:rPr lang="en-US"/>
               <a:pPr/>
-              <a:t>2/9/21</a:t>
+              <a:t>3/20/21</a:t>
             </a:fld>
             <a:endParaRPr lang="en-US" dirty="0"/>
           </a:p>
@@ -3045,7 +3044,7 @@
             <a:fld id="{B61BEF0D-F0BB-DE4B-95CE-6DB70DBA9567}" type="datetimeFigureOut">
               <a:rPr lang="en-US"/>
               <a:pPr/>
-              <a:t>2/9/21</a:t>
+              <a:t>3/20/21</a:t>
             </a:fld>
             <a:endParaRPr lang="en-US" dirty="0"/>
           </a:p>
@@ -3253,7 +3252,7 @@
             <a:fld id="{B61BEF0D-F0BB-DE4B-95CE-6DB70DBA9567}" type="datetimeFigureOut">
               <a:rPr lang="en-US"/>
               <a:pPr/>
-              <a:t>2/9/21</a:t>
+              <a:t>3/20/21</a:t>
             </a:fld>
             <a:endParaRPr lang="en-US" dirty="0"/>
           </a:p>
@@ -4912,7 +4911,7 @@
           <a:graphicData uri="http://schemas.openxmlformats.org/presentationml/2006/ole">
             <mc:AlternateContent xmlns:mc="http://schemas.openxmlformats.org/markup-compatibility/2006">
               <mc:Choice xmlns:v="urn:schemas-microsoft-com:vml" Requires="v">
-                <p:oleObj spid="_x0000_s11293" name="Equation" r:id="rId4" imgW="57340500" imgH="8483600" progId="Equation.3">
+                <p:oleObj spid="_x0000_s11298" name="Equation" r:id="rId4" imgW="57340500" imgH="8483600" progId="Equation.3">
                   <p:embed/>
                 </p:oleObj>
               </mc:Choice>
@@ -6970,7 +6969,7 @@
               <a:rPr lang="en-US" altLang="ja-JP" sz="2800" dirty="0">
                 <a:ea typeface="ＭＳ Ｐゴシック" panose="020B0600070205080204" pitchFamily="34" charset="-128"/>
               </a:rPr>
-              <a:t> discover patterns in the data that relate data attributes with a target (class) attribute. </a:t>
+              <a:t> discover patterns in the data with a target (class). </a:t>
             </a:r>
           </a:p>
           <a:p>
@@ -6979,7 +6978,7 @@
               <a:rPr lang="en-US" altLang="ja-JP" sz="2800" dirty="0">
                 <a:ea typeface="ＭＳ Ｐゴシック" panose="020B0600070205080204" pitchFamily="34" charset="-128"/>
               </a:rPr>
-              <a:t>These patterns are then utilized to predict the values of the target attribute in future data instances. </a:t>
+              <a:t>to predict the target attribute in future data. </a:t>
             </a:r>
           </a:p>
           <a:p>
@@ -6996,7 +6995,7 @@
               <a:rPr lang="en-US" altLang="ja-JP" sz="2800" dirty="0">
                 <a:ea typeface="ＭＳ Ｐゴシック" panose="020B0600070205080204" pitchFamily="34" charset="-128"/>
               </a:rPr>
-              <a:t>: The data have no target attribute. </a:t>
+              <a:t>: without target attribute. </a:t>
             </a:r>
           </a:p>
           <a:p>
@@ -7005,7 +7004,7 @@
               <a:rPr lang="en-US" altLang="ja-JP" sz="2800" dirty="0">
                 <a:ea typeface="ＭＳ Ｐゴシック" panose="020B0600070205080204" pitchFamily="34" charset="-128"/>
               </a:rPr>
-              <a:t>We want to explore the data to find some intrinsic structures in them. </a:t>
+              <a:t>learn intrinsic structures in data. </a:t>
             </a:r>
             <a:endParaRPr lang="en-US" altLang="en-US" sz="2800" dirty="0"/>
           </a:p>
@@ -11232,7 +11231,7 @@
             <a:pPr lvl="1"/>
             <a:r>
               <a:rPr lang="en-US" altLang="en-US" sz="2500" dirty="0"/>
-              <a:t>classification, regression</a:t>
+              <a:t>Classification (discrete), regression(continuous)</a:t>
             </a:r>
           </a:p>
           <a:p>
@@ -12076,7 +12075,7 @@
           <p:nvPr>
             <p:extLst>
               <p:ext uri="{D42A27DB-BD31-4B8C-83A1-F6EECF244321}">
-                <p14:modId xmlns:p14="http://schemas.microsoft.com/office/powerpoint/2010/main" val="2961560689"/>
+                <p14:modId xmlns:p14="http://schemas.microsoft.com/office/powerpoint/2010/main" val="1100108911"/>
               </p:ext>
             </p:extLst>
           </p:nvPr>
@@ -12877,7 +12876,7 @@
                           <a:latin typeface="Trebuchet MS" panose="020B0703020202090204" pitchFamily="34" charset="0"/>
                           <a:cs typeface="Arial" panose="020B0604020202020204" pitchFamily="34" charset="0"/>
                         </a:rPr>
-                        <a:t>+1</a:t>
+                        <a:t>+4</a:t>
                       </a:r>
                     </a:p>
                   </a:txBody>
@@ -13696,7 +13695,7 @@
                           <a:latin typeface="Trebuchet MS" panose="020B0703020202090204" pitchFamily="34" charset="0"/>
                           <a:cs typeface="Arial" panose="020B0604020202020204" pitchFamily="34" charset="0"/>
                         </a:rPr>
-                        <a:t>-1</a:t>
+                        <a:t>-4</a:t>
                       </a:r>
                     </a:p>
                   </a:txBody>
@@ -14656,35 +14655,29 @@
           </a:p>
           <a:p>
             <a:r>
+              <a:rPr lang="en-US" altLang="en-US" sz="1800" dirty="0">
+                <a:latin typeface="Trebuchet MS" panose="020B0703020202090204" pitchFamily="34" charset="0"/>
+              </a:rPr>
+              <a:t>60% 	move UP</a:t>
+            </a:r>
+          </a:p>
+          <a:p>
+            <a:r>
               <a:rPr lang="en-US" altLang="en-US" dirty="0">
                 <a:latin typeface="Trebuchet MS" panose="020B0703020202090204" pitchFamily="34" charset="0"/>
               </a:rPr>
-              <a:t>7</a:t>
-            </a:r>
+              <a:t>15%	move Down</a:t>
+            </a:r>
+            <a:endParaRPr lang="en-US" altLang="en-US" sz="1800" dirty="0">
+              <a:latin typeface="Trebuchet MS" panose="020B0703020202090204" pitchFamily="34" charset="0"/>
+            </a:endParaRPr>
+          </a:p>
+          <a:p>
             <a:r>
               <a:rPr lang="en-US" altLang="en-US" sz="1800" dirty="0">
                 <a:latin typeface="Trebuchet MS" panose="020B0703020202090204" pitchFamily="34" charset="0"/>
               </a:rPr>
-              <a:t>0% 	move UP</a:t>
-            </a:r>
-          </a:p>
-          <a:p>
-            <a:r>
-              <a:rPr lang="en-US" altLang="en-US" dirty="0">
-                <a:latin typeface="Trebuchet MS" panose="020B0703020202090204" pitchFamily="34" charset="0"/>
-              </a:rPr>
-              <a:t>10%	move Down</a:t>
-            </a:r>
-            <a:endParaRPr lang="en-US" altLang="en-US" sz="1800" dirty="0">
-              <a:latin typeface="Trebuchet MS" panose="020B0703020202090204" pitchFamily="34" charset="0"/>
-            </a:endParaRPr>
-          </a:p>
-          <a:p>
-            <a:r>
-              <a:rPr lang="en-US" altLang="en-US" sz="1800" dirty="0">
-                <a:latin typeface="Trebuchet MS" panose="020B0703020202090204" pitchFamily="34" charset="0"/>
-              </a:rPr>
-              <a:t>10%	move LEFT</a:t>
+              <a:t>15%	move LEFT</a:t>
             </a:r>
           </a:p>
           <a:p>
@@ -14940,19 +14933,13 @@
           <a:p>
             <a:r>
               <a:rPr lang="en-US" altLang="en-US" sz="2500" dirty="0"/>
-              <a:t>reward -0.04 for each step</a:t>
+              <a:t>reward -0.01 for each step</a:t>
             </a:r>
           </a:p>
           <a:p>
             <a:r>
               <a:rPr lang="en-US" altLang="en-US" sz="2500" dirty="0"/>
               <a:t>what’s the strategy to achieve max reward?</a:t>
-            </a:r>
-          </a:p>
-          <a:p>
-            <a:r>
-              <a:rPr lang="en-US" altLang="en-US" sz="2500" dirty="0"/>
-              <a:t>what if the actions were deterministic?</a:t>
             </a:r>
           </a:p>
         </p:txBody>
@@ -15693,7 +15680,7 @@
           <a:p>
             <a:r>
               <a:rPr lang="en-US" altLang="en-US" sz="2700" dirty="0"/>
-              <a:t>pole-balancing: move car left/right to keep the pole balanced</a:t>
+              <a:t>pole-balancing: move car left/right</a:t>
             </a:r>
           </a:p>
           <a:p>
@@ -15718,14 +15705,7 @@
           </a:p>
           <a:p>
             <a:r>
-              <a:rPr lang="en-US" altLang="en-US" sz="2500" dirty="0"/>
-              <a:t>similar to control theory</a:t>
-            </a:r>
-          </a:p>
-          <a:p>
-            <a:pPr lvl="1"/>
-            <a:r>
-              <a:rPr lang="en-US" altLang="en-US" sz="2500" dirty="0"/>
+              <a:rPr lang="en-US" altLang="en-US" sz="2700" dirty="0"/>
               <a:t>more general, fewer constraints</a:t>
             </a:r>
           </a:p>
@@ -15733,13 +15713,6 @@
             <a:r>
               <a:rPr lang="en-US" altLang="en-US" sz="2500" dirty="0"/>
               <a:t>explore the environment and learn from experience</a:t>
-            </a:r>
-          </a:p>
-          <a:p>
-            <a:pPr lvl="1"/>
-            <a:r>
-              <a:rPr lang="en-US" altLang="en-US" sz="2500" dirty="0"/>
-              <a:t>not just blind search, try to be smart about it</a:t>
             </a:r>
           </a:p>
         </p:txBody>
@@ -16195,275 +16168,6 @@
       </p:grpSpPr>
       <p:sp>
         <p:nvSpPr>
-          <p:cNvPr id="4" name="Rectangle 3">
-            <a:extLst>
-              <a:ext uri="{FF2B5EF4-FFF2-40B4-BE49-F238E27FC236}">
-                <a16:creationId xmlns:a16="http://schemas.microsoft.com/office/drawing/2014/main" id="{8F9EBE7F-A93E-8B48-AAC9-32847078FAD5}"/>
-              </a:ext>
-            </a:extLst>
-          </p:cNvPr>
-          <p:cNvSpPr txBox="1">
-            <a:spLocks noChangeArrowheads="1"/>
-          </p:cNvSpPr>
-          <p:nvPr/>
-        </p:nvSpPr>
-        <p:spPr>
-          <a:xfrm>
-            <a:off x="503237" y="1268413"/>
-            <a:ext cx="10313445" cy="5377714"/>
-          </a:xfrm>
-          <a:prstGeom prst="rect">
-            <a:avLst/>
-          </a:prstGeom>
-        </p:spPr>
-        <p:txBody>
-          <a:bodyPr vert="horz" lIns="91440" tIns="45720" rIns="91440" bIns="45720" rtlCol="0" anchor="ctr">
-            <a:normAutofit/>
-          </a:bodyPr>
-          <a:lstStyle>
-            <a:lvl1pPr marL="306000" indent="-306000" algn="l" defTabSz="457200" rtl="0" eaLnBrk="1" latinLnBrk="0" hangingPunct="1">
-              <a:spcBef>
-                <a:spcPct val="20000"/>
-              </a:spcBef>
-              <a:spcAft>
-                <a:spcPts val="600"/>
-              </a:spcAft>
-              <a:buClr>
-                <a:schemeClr val="accent2"/>
-              </a:buClr>
-              <a:buSzPct val="92000"/>
-              <a:buFont typeface="Wingdings 2" panose="05020102010507070707" pitchFamily="18" charset="2"/>
-              <a:buChar char=""/>
-              <a:defRPr sz="1800" kern="1200">
-                <a:solidFill>
-                  <a:schemeClr val="tx2"/>
-                </a:solidFill>
-                <a:latin typeface="+mn-lt"/>
-                <a:ea typeface="+mn-ea"/>
-                <a:cs typeface="+mn-cs"/>
-              </a:defRPr>
-            </a:lvl1pPr>
-            <a:lvl2pPr marL="630000" indent="-306000" algn="l" defTabSz="457200" rtl="0" eaLnBrk="1" latinLnBrk="0" hangingPunct="1">
-              <a:spcBef>
-                <a:spcPct val="20000"/>
-              </a:spcBef>
-              <a:spcAft>
-                <a:spcPts val="600"/>
-              </a:spcAft>
-              <a:buClr>
-                <a:schemeClr val="accent2"/>
-              </a:buClr>
-              <a:buSzPct val="92000"/>
-              <a:buFont typeface="Wingdings 2" panose="05020102010507070707" pitchFamily="18" charset="2"/>
-              <a:buChar char=""/>
-              <a:defRPr sz="1600" kern="1200">
-                <a:solidFill>
-                  <a:schemeClr val="tx2"/>
-                </a:solidFill>
-                <a:latin typeface="+mn-lt"/>
-                <a:ea typeface="+mn-ea"/>
-                <a:cs typeface="+mn-cs"/>
-              </a:defRPr>
-            </a:lvl2pPr>
-            <a:lvl3pPr marL="900000" indent="-270000" algn="l" defTabSz="457200" rtl="0" eaLnBrk="1" latinLnBrk="0" hangingPunct="1">
-              <a:spcBef>
-                <a:spcPct val="20000"/>
-              </a:spcBef>
-              <a:spcAft>
-                <a:spcPts val="600"/>
-              </a:spcAft>
-              <a:buClr>
-                <a:schemeClr val="accent2"/>
-              </a:buClr>
-              <a:buSzPct val="92000"/>
-              <a:buFont typeface="Wingdings 2" panose="05020102010507070707" pitchFamily="18" charset="2"/>
-              <a:buChar char=""/>
-              <a:defRPr sz="1400" kern="1200">
-                <a:solidFill>
-                  <a:schemeClr val="tx2"/>
-                </a:solidFill>
-                <a:latin typeface="+mn-lt"/>
-                <a:ea typeface="+mn-ea"/>
-                <a:cs typeface="+mn-cs"/>
-              </a:defRPr>
-            </a:lvl3pPr>
-            <a:lvl4pPr marL="1242000" indent="-234000" algn="l" defTabSz="457200" rtl="0" eaLnBrk="1" latinLnBrk="0" hangingPunct="1">
-              <a:spcBef>
-                <a:spcPct val="20000"/>
-              </a:spcBef>
-              <a:spcAft>
-                <a:spcPts val="600"/>
-              </a:spcAft>
-              <a:buClr>
-                <a:schemeClr val="accent2"/>
-              </a:buClr>
-              <a:buSzPct val="92000"/>
-              <a:buFont typeface="Wingdings 2" panose="05020102010507070707" pitchFamily="18" charset="2"/>
-              <a:buChar char=""/>
-              <a:defRPr sz="1200" kern="1200">
-                <a:solidFill>
-                  <a:schemeClr val="tx2"/>
-                </a:solidFill>
-                <a:latin typeface="+mn-lt"/>
-                <a:ea typeface="+mn-ea"/>
-                <a:cs typeface="+mn-cs"/>
-              </a:defRPr>
-            </a:lvl4pPr>
-            <a:lvl5pPr marL="1602000" indent="-234000" algn="l" defTabSz="457200" rtl="0" eaLnBrk="1" latinLnBrk="0" hangingPunct="1">
-              <a:spcBef>
-                <a:spcPct val="20000"/>
-              </a:spcBef>
-              <a:spcAft>
-                <a:spcPts val="600"/>
-              </a:spcAft>
-              <a:buClr>
-                <a:schemeClr val="accent2"/>
-              </a:buClr>
-              <a:buSzPct val="92000"/>
-              <a:buFont typeface="Wingdings 2" panose="05020102010507070707" pitchFamily="18" charset="2"/>
-              <a:buChar char=""/>
-              <a:defRPr sz="1200" kern="1200">
-                <a:solidFill>
-                  <a:schemeClr val="tx2"/>
-                </a:solidFill>
-                <a:latin typeface="+mn-lt"/>
-                <a:ea typeface="+mn-ea"/>
-                <a:cs typeface="+mn-cs"/>
-              </a:defRPr>
-            </a:lvl5pPr>
-            <a:lvl6pPr marL="1900000" indent="-228600" algn="l" defTabSz="457200" rtl="0" eaLnBrk="1" latinLnBrk="0" hangingPunct="1">
-              <a:spcBef>
-                <a:spcPct val="20000"/>
-              </a:spcBef>
-              <a:spcAft>
-                <a:spcPts val="600"/>
-              </a:spcAft>
-              <a:buClr>
-                <a:schemeClr val="accent2"/>
-              </a:buClr>
-              <a:buSzPct val="92000"/>
-              <a:buFont typeface="Wingdings 2" panose="05020102010507070707" pitchFamily="18" charset="2"/>
-              <a:buChar char=""/>
-              <a:defRPr sz="1200" kern="1200">
-                <a:solidFill>
-                  <a:schemeClr val="tx2"/>
-                </a:solidFill>
-                <a:latin typeface="+mn-lt"/>
-                <a:ea typeface="+mn-ea"/>
-                <a:cs typeface="+mn-cs"/>
-              </a:defRPr>
-            </a:lvl6pPr>
-            <a:lvl7pPr marL="2200000" indent="-228600" algn="l" defTabSz="457200" rtl="0" eaLnBrk="1" latinLnBrk="0" hangingPunct="1">
-              <a:spcBef>
-                <a:spcPct val="20000"/>
-              </a:spcBef>
-              <a:spcAft>
-                <a:spcPts val="600"/>
-              </a:spcAft>
-              <a:buClr>
-                <a:schemeClr val="accent2"/>
-              </a:buClr>
-              <a:buSzPct val="92000"/>
-              <a:buFont typeface="Wingdings 2" panose="05020102010507070707" pitchFamily="18" charset="2"/>
-              <a:buChar char=""/>
-              <a:defRPr sz="1200" kern="1200">
-                <a:solidFill>
-                  <a:schemeClr val="tx2"/>
-                </a:solidFill>
-                <a:latin typeface="+mn-lt"/>
-                <a:ea typeface="+mn-ea"/>
-                <a:cs typeface="+mn-cs"/>
-              </a:defRPr>
-            </a:lvl7pPr>
-            <a:lvl8pPr marL="2500000" indent="-228600" algn="l" defTabSz="457200" rtl="0" eaLnBrk="1" latinLnBrk="0" hangingPunct="1">
-              <a:spcBef>
-                <a:spcPct val="20000"/>
-              </a:spcBef>
-              <a:spcAft>
-                <a:spcPts val="600"/>
-              </a:spcAft>
-              <a:buClr>
-                <a:schemeClr val="accent2"/>
-              </a:buClr>
-              <a:buSzPct val="92000"/>
-              <a:buFont typeface="Wingdings 2" panose="05020102010507070707" pitchFamily="18" charset="2"/>
-              <a:buChar char=""/>
-              <a:defRPr sz="1200" kern="1200">
-                <a:solidFill>
-                  <a:schemeClr val="tx2"/>
-                </a:solidFill>
-                <a:latin typeface="+mn-lt"/>
-                <a:ea typeface="+mn-ea"/>
-                <a:cs typeface="+mn-cs"/>
-              </a:defRPr>
-            </a:lvl8pPr>
-            <a:lvl9pPr marL="2800000" indent="-228600" algn="l" defTabSz="457200" rtl="0" eaLnBrk="1" latinLnBrk="0" hangingPunct="1">
-              <a:spcBef>
-                <a:spcPct val="20000"/>
-              </a:spcBef>
-              <a:spcAft>
-                <a:spcPts val="600"/>
-              </a:spcAft>
-              <a:buClr>
-                <a:schemeClr val="accent2"/>
-              </a:buClr>
-              <a:buSzPct val="92000"/>
-              <a:buFont typeface="Wingdings 2" panose="05020102010507070707" pitchFamily="18" charset="2"/>
-              <a:buChar char=""/>
-              <a:defRPr sz="1200" kern="1200">
-                <a:solidFill>
-                  <a:schemeClr val="tx2"/>
-                </a:solidFill>
-                <a:latin typeface="+mn-lt"/>
-                <a:ea typeface="+mn-ea"/>
-                <a:cs typeface="+mn-cs"/>
-              </a:defRPr>
-            </a:lvl9pPr>
-          </a:lstStyle>
-          <a:p>
-            <a:pPr>
-              <a:lnSpc>
-                <a:spcPct val="90000"/>
-              </a:lnSpc>
-              <a:buFont typeface="Wingdings" pitchFamily="2" charset="2"/>
-              <a:buNone/>
-            </a:pPr>
-            <a:endParaRPr lang="en-US" altLang="en-US" sz="2400" dirty="0"/>
-          </a:p>
-        </p:txBody>
-      </p:sp>
-    </p:spTree>
-    <p:extLst>
-      <p:ext uri="{BB962C8B-B14F-4D97-AF65-F5344CB8AC3E}">
-        <p14:creationId xmlns:p14="http://schemas.microsoft.com/office/powerpoint/2010/main" val="2237894596"/>
-      </p:ext>
-    </p:extLst>
-  </p:cSld>
-  <p:clrMapOvr>
-    <a:masterClrMapping/>
-  </p:clrMapOvr>
-</p:sld>
-</file>
-
-<file path=ppt/slides/slide26.xml><?xml version="1.0" encoding="utf-8"?>
-<p:sld xmlns:a="http://schemas.openxmlformats.org/drawingml/2006/main" xmlns:r="http://schemas.openxmlformats.org/officeDocument/2006/relationships" xmlns:p="http://schemas.openxmlformats.org/presentationml/2006/main">
-  <p:cSld>
-    <p:spTree>
-      <p:nvGrpSpPr>
-        <p:cNvPr id="1" name=""/>
-        <p:cNvGrpSpPr/>
-        <p:nvPr/>
-      </p:nvGrpSpPr>
-      <p:grpSpPr>
-        <a:xfrm>
-          <a:off x="0" y="0"/>
-          <a:ext cx="0" cy="0"/>
-          <a:chOff x="0" y="0"/>
-          <a:chExt cx="0" cy="0"/>
-        </a:xfrm>
-      </p:grpSpPr>
-      <p:sp>
-        <p:nvSpPr>
           <p:cNvPr id="2" name="Title 1">
             <a:extLst>
               <a:ext uri="{FF2B5EF4-FFF2-40B4-BE49-F238E27FC236}">
@@ -17328,7 +17032,7 @@
 </p:sld>
 </file>
 
-<file path=ppt/slides/slide27.xml><?xml version="1.0" encoding="utf-8"?>
+<file path=ppt/slides/slide26.xml><?xml version="1.0" encoding="utf-8"?>
 <p:sld xmlns:a="http://schemas.openxmlformats.org/drawingml/2006/main" xmlns:r="http://schemas.openxmlformats.org/officeDocument/2006/relationships" xmlns:p="http://schemas.openxmlformats.org/presentationml/2006/main">
   <p:cSld>
     <p:spTree>
@@ -17636,18 +17340,13 @@
           <a:p>
             <a:pPr lvl="2"/>
             <a:r>
-              <a:rPr lang="en-US" altLang="en-US" sz="2000">
+              <a:rPr lang="en-US" altLang="en-US" sz="2000" dirty="0">
                 <a:highlight>
                   <a:srgbClr val="00FF00"/>
                 </a:highlight>
               </a:rPr>
               <a:t>Outline</a:t>
             </a:r>
-            <a:endParaRPr lang="en-US" altLang="en-US" sz="2000" dirty="0">
-              <a:highlight>
-                <a:srgbClr val="00FF00"/>
-              </a:highlight>
-            </a:endParaRPr>
           </a:p>
           <a:p>
             <a:pPr lvl="2"/>
